--- a/ppt.pptx
+++ b/ppt.pptx
@@ -5,18 +5,26 @@
     <p:sldMasterId id="2147483828" r:id="rId4"/>
   </p:sldMasterIdLst>
   <p:notesMasterIdLst>
-    <p:notesMasterId r:id="rId11"/>
+    <p:notesMasterId r:id="rId19"/>
   </p:notesMasterIdLst>
   <p:handoutMasterIdLst>
-    <p:handoutMasterId r:id="rId12"/>
+    <p:handoutMasterId r:id="rId20"/>
   </p:handoutMasterIdLst>
   <p:sldIdLst>
     <p:sldId id="256" r:id="rId5"/>
-    <p:sldId id="262" r:id="rId6"/>
-    <p:sldId id="261" r:id="rId7"/>
-    <p:sldId id="257" r:id="rId8"/>
-    <p:sldId id="260" r:id="rId9"/>
-    <p:sldId id="263" r:id="rId10"/>
+    <p:sldId id="257" r:id="rId6"/>
+    <p:sldId id="262" r:id="rId7"/>
+    <p:sldId id="263" r:id="rId8"/>
+    <p:sldId id="261" r:id="rId9"/>
+    <p:sldId id="264" r:id="rId10"/>
+    <p:sldId id="270" r:id="rId11"/>
+    <p:sldId id="267" r:id="rId12"/>
+    <p:sldId id="268" r:id="rId13"/>
+    <p:sldId id="271" r:id="rId14"/>
+    <p:sldId id="272" r:id="rId15"/>
+    <p:sldId id="266" r:id="rId16"/>
+    <p:sldId id="269" r:id="rId17"/>
+    <p:sldId id="265" r:id="rId18"/>
   </p:sldIdLst>
   <p:sldSz cx="12192000" cy="6858000"/>
   <p:notesSz cx="6858000" cy="9144000"/>
@@ -748,6 +756,426 @@
 </p:notes>
 </file>
 
+<file path=ppt/notesSlides/notesSlide10.xml><?xml version="1.0" encoding="utf-8"?>
+<p:notes xmlns:a="http://schemas.openxmlformats.org/drawingml/2006/main" xmlns:r="http://schemas.openxmlformats.org/officeDocument/2006/relationships" xmlns:p="http://schemas.openxmlformats.org/presentationml/2006/main">
+  <p:cSld>
+    <p:spTree>
+      <p:nvGrpSpPr>
+        <p:cNvPr id="1" name=""/>
+        <p:cNvGrpSpPr/>
+        <p:nvPr/>
+      </p:nvGrpSpPr>
+      <p:grpSpPr>
+        <a:xfrm>
+          <a:off x="0" y="0"/>
+          <a:ext cx="0" cy="0"/>
+          <a:chOff x="0" y="0"/>
+          <a:chExt cx="0" cy="0"/>
+        </a:xfrm>
+      </p:grpSpPr>
+      <p:sp>
+        <p:nvSpPr>
+          <p:cNvPr id="2" name="Slide Image Placeholder 1"/>
+          <p:cNvSpPr>
+            <a:spLocks noGrp="1" noRot="1" noChangeAspect="1"/>
+          </p:cNvSpPr>
+          <p:nvPr>
+            <p:ph type="sldImg"/>
+          </p:nvPr>
+        </p:nvSpPr>
+        <p:spPr/>
+      </p:sp>
+      <p:sp>
+        <p:nvSpPr>
+          <p:cNvPr id="3" name="Notes Placeholder 2"/>
+          <p:cNvSpPr>
+            <a:spLocks noGrp="1"/>
+          </p:cNvSpPr>
+          <p:nvPr>
+            <p:ph type="body" idx="1"/>
+          </p:nvPr>
+        </p:nvSpPr>
+        <p:spPr/>
+        <p:txBody>
+          <a:bodyPr/>
+          <a:lstStyle/>
+          <a:p>
+            <a:endParaRPr lang="en-US" dirty="0"/>
+          </a:p>
+        </p:txBody>
+      </p:sp>
+      <p:sp>
+        <p:nvSpPr>
+          <p:cNvPr id="4" name="Slide Number Placeholder 3"/>
+          <p:cNvSpPr>
+            <a:spLocks noGrp="1"/>
+          </p:cNvSpPr>
+          <p:nvPr>
+            <p:ph type="sldNum" sz="quarter" idx="5"/>
+          </p:nvPr>
+        </p:nvSpPr>
+        <p:spPr/>
+        <p:txBody>
+          <a:bodyPr/>
+          <a:lstStyle/>
+          <a:p>
+            <a:fld id="{CFED664B-377C-4B68-AF4E-EBDA643118DF}" type="slidenum">
+              <a:rPr lang="en-US" smtClean="0"/>
+              <a:t>10</a:t>
+            </a:fld>
+            <a:endParaRPr lang="en-US" dirty="0"/>
+          </a:p>
+        </p:txBody>
+      </p:sp>
+    </p:spTree>
+    <p:extLst>
+      <p:ext uri="{BB962C8B-B14F-4D97-AF65-F5344CB8AC3E}">
+        <p14:creationId xmlns:p14="http://schemas.microsoft.com/office/powerpoint/2010/main" val="2764837122"/>
+      </p:ext>
+    </p:extLst>
+  </p:cSld>
+  <p:clrMapOvr>
+    <a:masterClrMapping/>
+  </p:clrMapOvr>
+</p:notes>
+</file>
+
+<file path=ppt/notesSlides/notesSlide11.xml><?xml version="1.0" encoding="utf-8"?>
+<p:notes xmlns:a="http://schemas.openxmlformats.org/drawingml/2006/main" xmlns:r="http://schemas.openxmlformats.org/officeDocument/2006/relationships" xmlns:p="http://schemas.openxmlformats.org/presentationml/2006/main">
+  <p:cSld>
+    <p:spTree>
+      <p:nvGrpSpPr>
+        <p:cNvPr id="1" name=""/>
+        <p:cNvGrpSpPr/>
+        <p:nvPr/>
+      </p:nvGrpSpPr>
+      <p:grpSpPr>
+        <a:xfrm>
+          <a:off x="0" y="0"/>
+          <a:ext cx="0" cy="0"/>
+          <a:chOff x="0" y="0"/>
+          <a:chExt cx="0" cy="0"/>
+        </a:xfrm>
+      </p:grpSpPr>
+      <p:sp>
+        <p:nvSpPr>
+          <p:cNvPr id="2" name="Slide Image Placeholder 1"/>
+          <p:cNvSpPr>
+            <a:spLocks noGrp="1" noRot="1" noChangeAspect="1"/>
+          </p:cNvSpPr>
+          <p:nvPr>
+            <p:ph type="sldImg"/>
+          </p:nvPr>
+        </p:nvSpPr>
+        <p:spPr/>
+      </p:sp>
+      <p:sp>
+        <p:nvSpPr>
+          <p:cNvPr id="3" name="Notes Placeholder 2"/>
+          <p:cNvSpPr>
+            <a:spLocks noGrp="1"/>
+          </p:cNvSpPr>
+          <p:nvPr>
+            <p:ph type="body" idx="1"/>
+          </p:nvPr>
+        </p:nvSpPr>
+        <p:spPr/>
+        <p:txBody>
+          <a:bodyPr/>
+          <a:lstStyle/>
+          <a:p>
+            <a:endParaRPr lang="en-US" dirty="0"/>
+          </a:p>
+        </p:txBody>
+      </p:sp>
+      <p:sp>
+        <p:nvSpPr>
+          <p:cNvPr id="4" name="Slide Number Placeholder 3"/>
+          <p:cNvSpPr>
+            <a:spLocks noGrp="1"/>
+          </p:cNvSpPr>
+          <p:nvPr>
+            <p:ph type="sldNum" sz="quarter" idx="5"/>
+          </p:nvPr>
+        </p:nvSpPr>
+        <p:spPr/>
+        <p:txBody>
+          <a:bodyPr/>
+          <a:lstStyle/>
+          <a:p>
+            <a:fld id="{CFED664B-377C-4B68-AF4E-EBDA643118DF}" type="slidenum">
+              <a:rPr lang="en-US" smtClean="0"/>
+              <a:t>11</a:t>
+            </a:fld>
+            <a:endParaRPr lang="en-US" dirty="0"/>
+          </a:p>
+        </p:txBody>
+      </p:sp>
+    </p:spTree>
+    <p:extLst>
+      <p:ext uri="{BB962C8B-B14F-4D97-AF65-F5344CB8AC3E}">
+        <p14:creationId xmlns:p14="http://schemas.microsoft.com/office/powerpoint/2010/main" val="1739647726"/>
+      </p:ext>
+    </p:extLst>
+  </p:cSld>
+  <p:clrMapOvr>
+    <a:masterClrMapping/>
+  </p:clrMapOvr>
+</p:notes>
+</file>
+
+<file path=ppt/notesSlides/notesSlide12.xml><?xml version="1.0" encoding="utf-8"?>
+<p:notes xmlns:a="http://schemas.openxmlformats.org/drawingml/2006/main" xmlns:r="http://schemas.openxmlformats.org/officeDocument/2006/relationships" xmlns:p="http://schemas.openxmlformats.org/presentationml/2006/main">
+  <p:cSld>
+    <p:spTree>
+      <p:nvGrpSpPr>
+        <p:cNvPr id="1" name=""/>
+        <p:cNvGrpSpPr/>
+        <p:nvPr/>
+      </p:nvGrpSpPr>
+      <p:grpSpPr>
+        <a:xfrm>
+          <a:off x="0" y="0"/>
+          <a:ext cx="0" cy="0"/>
+          <a:chOff x="0" y="0"/>
+          <a:chExt cx="0" cy="0"/>
+        </a:xfrm>
+      </p:grpSpPr>
+      <p:sp>
+        <p:nvSpPr>
+          <p:cNvPr id="2" name="Slide Image Placeholder 1"/>
+          <p:cNvSpPr>
+            <a:spLocks noGrp="1" noRot="1" noChangeAspect="1"/>
+          </p:cNvSpPr>
+          <p:nvPr>
+            <p:ph type="sldImg"/>
+          </p:nvPr>
+        </p:nvSpPr>
+        <p:spPr/>
+      </p:sp>
+      <p:sp>
+        <p:nvSpPr>
+          <p:cNvPr id="3" name="Notes Placeholder 2"/>
+          <p:cNvSpPr>
+            <a:spLocks noGrp="1"/>
+          </p:cNvSpPr>
+          <p:nvPr>
+            <p:ph type="body" idx="1"/>
+          </p:nvPr>
+        </p:nvSpPr>
+        <p:spPr/>
+        <p:txBody>
+          <a:bodyPr/>
+          <a:lstStyle/>
+          <a:p>
+            <a:endParaRPr lang="en-US" dirty="0"/>
+          </a:p>
+        </p:txBody>
+      </p:sp>
+      <p:sp>
+        <p:nvSpPr>
+          <p:cNvPr id="4" name="Slide Number Placeholder 3"/>
+          <p:cNvSpPr>
+            <a:spLocks noGrp="1"/>
+          </p:cNvSpPr>
+          <p:nvPr>
+            <p:ph type="sldNum" sz="quarter" idx="5"/>
+          </p:nvPr>
+        </p:nvSpPr>
+        <p:spPr/>
+        <p:txBody>
+          <a:bodyPr/>
+          <a:lstStyle/>
+          <a:p>
+            <a:fld id="{CFED664B-377C-4B68-AF4E-EBDA643118DF}" type="slidenum">
+              <a:rPr lang="en-US" smtClean="0"/>
+              <a:t>12</a:t>
+            </a:fld>
+            <a:endParaRPr lang="en-US" dirty="0"/>
+          </a:p>
+        </p:txBody>
+      </p:sp>
+    </p:spTree>
+    <p:extLst>
+      <p:ext uri="{BB962C8B-B14F-4D97-AF65-F5344CB8AC3E}">
+        <p14:creationId xmlns:p14="http://schemas.microsoft.com/office/powerpoint/2010/main" val="1626972289"/>
+      </p:ext>
+    </p:extLst>
+  </p:cSld>
+  <p:clrMapOvr>
+    <a:masterClrMapping/>
+  </p:clrMapOvr>
+</p:notes>
+</file>
+
+<file path=ppt/notesSlides/notesSlide13.xml><?xml version="1.0" encoding="utf-8"?>
+<p:notes xmlns:a="http://schemas.openxmlformats.org/drawingml/2006/main" xmlns:r="http://schemas.openxmlformats.org/officeDocument/2006/relationships" xmlns:p="http://schemas.openxmlformats.org/presentationml/2006/main">
+  <p:cSld>
+    <p:spTree>
+      <p:nvGrpSpPr>
+        <p:cNvPr id="1" name=""/>
+        <p:cNvGrpSpPr/>
+        <p:nvPr/>
+      </p:nvGrpSpPr>
+      <p:grpSpPr>
+        <a:xfrm>
+          <a:off x="0" y="0"/>
+          <a:ext cx="0" cy="0"/>
+          <a:chOff x="0" y="0"/>
+          <a:chExt cx="0" cy="0"/>
+        </a:xfrm>
+      </p:grpSpPr>
+      <p:sp>
+        <p:nvSpPr>
+          <p:cNvPr id="2" name="Slide Image Placeholder 1"/>
+          <p:cNvSpPr>
+            <a:spLocks noGrp="1" noRot="1" noChangeAspect="1"/>
+          </p:cNvSpPr>
+          <p:nvPr>
+            <p:ph type="sldImg"/>
+          </p:nvPr>
+        </p:nvSpPr>
+        <p:spPr/>
+      </p:sp>
+      <p:sp>
+        <p:nvSpPr>
+          <p:cNvPr id="3" name="Notes Placeholder 2"/>
+          <p:cNvSpPr>
+            <a:spLocks noGrp="1"/>
+          </p:cNvSpPr>
+          <p:nvPr>
+            <p:ph type="body" idx="1"/>
+          </p:nvPr>
+        </p:nvSpPr>
+        <p:spPr/>
+        <p:txBody>
+          <a:bodyPr/>
+          <a:lstStyle/>
+          <a:p>
+            <a:endParaRPr lang="en-US" dirty="0"/>
+          </a:p>
+        </p:txBody>
+      </p:sp>
+      <p:sp>
+        <p:nvSpPr>
+          <p:cNvPr id="4" name="Slide Number Placeholder 3"/>
+          <p:cNvSpPr>
+            <a:spLocks noGrp="1"/>
+          </p:cNvSpPr>
+          <p:nvPr>
+            <p:ph type="sldNum" sz="quarter" idx="5"/>
+          </p:nvPr>
+        </p:nvSpPr>
+        <p:spPr/>
+        <p:txBody>
+          <a:bodyPr/>
+          <a:lstStyle/>
+          <a:p>
+            <a:fld id="{CFED664B-377C-4B68-AF4E-EBDA643118DF}" type="slidenum">
+              <a:rPr lang="en-US" smtClean="0"/>
+              <a:t>13</a:t>
+            </a:fld>
+            <a:endParaRPr lang="en-US" dirty="0"/>
+          </a:p>
+        </p:txBody>
+      </p:sp>
+    </p:spTree>
+    <p:extLst>
+      <p:ext uri="{BB962C8B-B14F-4D97-AF65-F5344CB8AC3E}">
+        <p14:creationId xmlns:p14="http://schemas.microsoft.com/office/powerpoint/2010/main" val="2997092776"/>
+      </p:ext>
+    </p:extLst>
+  </p:cSld>
+  <p:clrMapOvr>
+    <a:masterClrMapping/>
+  </p:clrMapOvr>
+</p:notes>
+</file>
+
+<file path=ppt/notesSlides/notesSlide14.xml><?xml version="1.0" encoding="utf-8"?>
+<p:notes xmlns:a="http://schemas.openxmlformats.org/drawingml/2006/main" xmlns:r="http://schemas.openxmlformats.org/officeDocument/2006/relationships" xmlns:p="http://schemas.openxmlformats.org/presentationml/2006/main">
+  <p:cSld>
+    <p:spTree>
+      <p:nvGrpSpPr>
+        <p:cNvPr id="1" name=""/>
+        <p:cNvGrpSpPr/>
+        <p:nvPr/>
+      </p:nvGrpSpPr>
+      <p:grpSpPr>
+        <a:xfrm>
+          <a:off x="0" y="0"/>
+          <a:ext cx="0" cy="0"/>
+          <a:chOff x="0" y="0"/>
+          <a:chExt cx="0" cy="0"/>
+        </a:xfrm>
+      </p:grpSpPr>
+      <p:sp>
+        <p:nvSpPr>
+          <p:cNvPr id="2" name="Slide Image Placeholder 1"/>
+          <p:cNvSpPr>
+            <a:spLocks noGrp="1" noRot="1" noChangeAspect="1"/>
+          </p:cNvSpPr>
+          <p:nvPr>
+            <p:ph type="sldImg"/>
+          </p:nvPr>
+        </p:nvSpPr>
+        <p:spPr/>
+      </p:sp>
+      <p:sp>
+        <p:nvSpPr>
+          <p:cNvPr id="3" name="Notes Placeholder 2"/>
+          <p:cNvSpPr>
+            <a:spLocks noGrp="1"/>
+          </p:cNvSpPr>
+          <p:nvPr>
+            <p:ph type="body" idx="1"/>
+          </p:nvPr>
+        </p:nvSpPr>
+        <p:spPr/>
+        <p:txBody>
+          <a:bodyPr/>
+          <a:lstStyle/>
+          <a:p>
+            <a:endParaRPr lang="en-US" dirty="0"/>
+          </a:p>
+        </p:txBody>
+      </p:sp>
+      <p:sp>
+        <p:nvSpPr>
+          <p:cNvPr id="4" name="Slide Number Placeholder 3"/>
+          <p:cNvSpPr>
+            <a:spLocks noGrp="1"/>
+          </p:cNvSpPr>
+          <p:nvPr>
+            <p:ph type="sldNum" sz="quarter" idx="5"/>
+          </p:nvPr>
+        </p:nvSpPr>
+        <p:spPr/>
+        <p:txBody>
+          <a:bodyPr/>
+          <a:lstStyle/>
+          <a:p>
+            <a:fld id="{CFED664B-377C-4B68-AF4E-EBDA643118DF}" type="slidenum">
+              <a:rPr lang="en-US" smtClean="0"/>
+              <a:t>14</a:t>
+            </a:fld>
+            <a:endParaRPr lang="en-US" dirty="0"/>
+          </a:p>
+        </p:txBody>
+      </p:sp>
+    </p:spTree>
+    <p:extLst>
+      <p:ext uri="{BB962C8B-B14F-4D97-AF65-F5344CB8AC3E}">
+        <p14:creationId xmlns:p14="http://schemas.microsoft.com/office/powerpoint/2010/main" val="3900970347"/>
+      </p:ext>
+    </p:extLst>
+  </p:cSld>
+  <p:clrMapOvr>
+    <a:masterClrMapping/>
+  </p:clrMapOvr>
+</p:notes>
+</file>
+
 <file path=ppt/notesSlides/notesSlide2.xml><?xml version="1.0" encoding="utf-8"?>
 <p:notes xmlns:a="http://schemas.openxmlformats.org/drawingml/2006/main" xmlns:r="http://schemas.openxmlformats.org/officeDocument/2006/relationships" xmlns:p="http://schemas.openxmlformats.org/presentationml/2006/main">
   <p:cSld>
@@ -822,7 +1250,7 @@
     </p:spTree>
     <p:extLst>
       <p:ext uri="{BB962C8B-B14F-4D97-AF65-F5344CB8AC3E}">
-        <p14:creationId xmlns:p14="http://schemas.microsoft.com/office/powerpoint/2010/main" val="3061080562"/>
+        <p14:creationId xmlns:p14="http://schemas.microsoft.com/office/powerpoint/2010/main" val="2647748442"/>
       </p:ext>
     </p:extLst>
   </p:cSld>
@@ -906,7 +1334,7 @@
     </p:spTree>
     <p:extLst>
       <p:ext uri="{BB962C8B-B14F-4D97-AF65-F5344CB8AC3E}">
-        <p14:creationId xmlns:p14="http://schemas.microsoft.com/office/powerpoint/2010/main" val="1565595877"/>
+        <p14:creationId xmlns:p14="http://schemas.microsoft.com/office/powerpoint/2010/main" val="3061080562"/>
       </p:ext>
     </p:extLst>
   </p:cSld>
@@ -990,7 +1418,7 @@
     </p:spTree>
     <p:extLst>
       <p:ext uri="{BB962C8B-B14F-4D97-AF65-F5344CB8AC3E}">
-        <p14:creationId xmlns:p14="http://schemas.microsoft.com/office/powerpoint/2010/main" val="2647748442"/>
+        <p14:creationId xmlns:p14="http://schemas.microsoft.com/office/powerpoint/2010/main" val="812133543"/>
       </p:ext>
     </p:extLst>
   </p:cSld>
@@ -1074,7 +1502,7 @@
     </p:spTree>
     <p:extLst>
       <p:ext uri="{BB962C8B-B14F-4D97-AF65-F5344CB8AC3E}">
-        <p14:creationId xmlns:p14="http://schemas.microsoft.com/office/powerpoint/2010/main" val="3050018501"/>
+        <p14:creationId xmlns:p14="http://schemas.microsoft.com/office/powerpoint/2010/main" val="1565595877"/>
       </p:ext>
     </p:extLst>
   </p:cSld>
@@ -1158,7 +1586,259 @@
     </p:spTree>
     <p:extLst>
       <p:ext uri="{BB962C8B-B14F-4D97-AF65-F5344CB8AC3E}">
-        <p14:creationId xmlns:p14="http://schemas.microsoft.com/office/powerpoint/2010/main" val="4252569790"/>
+        <p14:creationId xmlns:p14="http://schemas.microsoft.com/office/powerpoint/2010/main" val="679605061"/>
+      </p:ext>
+    </p:extLst>
+  </p:cSld>
+  <p:clrMapOvr>
+    <a:masterClrMapping/>
+  </p:clrMapOvr>
+</p:notes>
+</file>
+
+<file path=ppt/notesSlides/notesSlide7.xml><?xml version="1.0" encoding="utf-8"?>
+<p:notes xmlns:a="http://schemas.openxmlformats.org/drawingml/2006/main" xmlns:r="http://schemas.openxmlformats.org/officeDocument/2006/relationships" xmlns:p="http://schemas.openxmlformats.org/presentationml/2006/main">
+  <p:cSld>
+    <p:spTree>
+      <p:nvGrpSpPr>
+        <p:cNvPr id="1" name=""/>
+        <p:cNvGrpSpPr/>
+        <p:nvPr/>
+      </p:nvGrpSpPr>
+      <p:grpSpPr>
+        <a:xfrm>
+          <a:off x="0" y="0"/>
+          <a:ext cx="0" cy="0"/>
+          <a:chOff x="0" y="0"/>
+          <a:chExt cx="0" cy="0"/>
+        </a:xfrm>
+      </p:grpSpPr>
+      <p:sp>
+        <p:nvSpPr>
+          <p:cNvPr id="2" name="Slide Image Placeholder 1"/>
+          <p:cNvSpPr>
+            <a:spLocks noGrp="1" noRot="1" noChangeAspect="1"/>
+          </p:cNvSpPr>
+          <p:nvPr>
+            <p:ph type="sldImg"/>
+          </p:nvPr>
+        </p:nvSpPr>
+        <p:spPr/>
+      </p:sp>
+      <p:sp>
+        <p:nvSpPr>
+          <p:cNvPr id="3" name="Notes Placeholder 2"/>
+          <p:cNvSpPr>
+            <a:spLocks noGrp="1"/>
+          </p:cNvSpPr>
+          <p:nvPr>
+            <p:ph type="body" idx="1"/>
+          </p:nvPr>
+        </p:nvSpPr>
+        <p:spPr/>
+        <p:txBody>
+          <a:bodyPr/>
+          <a:lstStyle/>
+          <a:p>
+            <a:endParaRPr lang="en-US" dirty="0"/>
+          </a:p>
+        </p:txBody>
+      </p:sp>
+      <p:sp>
+        <p:nvSpPr>
+          <p:cNvPr id="4" name="Slide Number Placeholder 3"/>
+          <p:cNvSpPr>
+            <a:spLocks noGrp="1"/>
+          </p:cNvSpPr>
+          <p:nvPr>
+            <p:ph type="sldNum" sz="quarter" idx="5"/>
+          </p:nvPr>
+        </p:nvSpPr>
+        <p:spPr/>
+        <p:txBody>
+          <a:bodyPr/>
+          <a:lstStyle/>
+          <a:p>
+            <a:fld id="{CFED664B-377C-4B68-AF4E-EBDA643118DF}" type="slidenum">
+              <a:rPr lang="en-US" smtClean="0"/>
+              <a:t>7</a:t>
+            </a:fld>
+            <a:endParaRPr lang="en-US" dirty="0"/>
+          </a:p>
+        </p:txBody>
+      </p:sp>
+    </p:spTree>
+    <p:extLst>
+      <p:ext uri="{BB962C8B-B14F-4D97-AF65-F5344CB8AC3E}">
+        <p14:creationId xmlns:p14="http://schemas.microsoft.com/office/powerpoint/2010/main" val="802937153"/>
+      </p:ext>
+    </p:extLst>
+  </p:cSld>
+  <p:clrMapOvr>
+    <a:masterClrMapping/>
+  </p:clrMapOvr>
+</p:notes>
+</file>
+
+<file path=ppt/notesSlides/notesSlide8.xml><?xml version="1.0" encoding="utf-8"?>
+<p:notes xmlns:a="http://schemas.openxmlformats.org/drawingml/2006/main" xmlns:r="http://schemas.openxmlformats.org/officeDocument/2006/relationships" xmlns:p="http://schemas.openxmlformats.org/presentationml/2006/main">
+  <p:cSld>
+    <p:spTree>
+      <p:nvGrpSpPr>
+        <p:cNvPr id="1" name=""/>
+        <p:cNvGrpSpPr/>
+        <p:nvPr/>
+      </p:nvGrpSpPr>
+      <p:grpSpPr>
+        <a:xfrm>
+          <a:off x="0" y="0"/>
+          <a:ext cx="0" cy="0"/>
+          <a:chOff x="0" y="0"/>
+          <a:chExt cx="0" cy="0"/>
+        </a:xfrm>
+      </p:grpSpPr>
+      <p:sp>
+        <p:nvSpPr>
+          <p:cNvPr id="2" name="Slide Image Placeholder 1"/>
+          <p:cNvSpPr>
+            <a:spLocks noGrp="1" noRot="1" noChangeAspect="1"/>
+          </p:cNvSpPr>
+          <p:nvPr>
+            <p:ph type="sldImg"/>
+          </p:nvPr>
+        </p:nvSpPr>
+        <p:spPr/>
+      </p:sp>
+      <p:sp>
+        <p:nvSpPr>
+          <p:cNvPr id="3" name="Notes Placeholder 2"/>
+          <p:cNvSpPr>
+            <a:spLocks noGrp="1"/>
+          </p:cNvSpPr>
+          <p:nvPr>
+            <p:ph type="body" idx="1"/>
+          </p:nvPr>
+        </p:nvSpPr>
+        <p:spPr/>
+        <p:txBody>
+          <a:bodyPr/>
+          <a:lstStyle/>
+          <a:p>
+            <a:endParaRPr lang="en-US" dirty="0"/>
+          </a:p>
+        </p:txBody>
+      </p:sp>
+      <p:sp>
+        <p:nvSpPr>
+          <p:cNvPr id="4" name="Slide Number Placeholder 3"/>
+          <p:cNvSpPr>
+            <a:spLocks noGrp="1"/>
+          </p:cNvSpPr>
+          <p:nvPr>
+            <p:ph type="sldNum" sz="quarter" idx="5"/>
+          </p:nvPr>
+        </p:nvSpPr>
+        <p:spPr/>
+        <p:txBody>
+          <a:bodyPr/>
+          <a:lstStyle/>
+          <a:p>
+            <a:fld id="{CFED664B-377C-4B68-AF4E-EBDA643118DF}" type="slidenum">
+              <a:rPr lang="en-US" smtClean="0"/>
+              <a:t>8</a:t>
+            </a:fld>
+            <a:endParaRPr lang="en-US" dirty="0"/>
+          </a:p>
+        </p:txBody>
+      </p:sp>
+    </p:spTree>
+    <p:extLst>
+      <p:ext uri="{BB962C8B-B14F-4D97-AF65-F5344CB8AC3E}">
+        <p14:creationId xmlns:p14="http://schemas.microsoft.com/office/powerpoint/2010/main" val="3552360587"/>
+      </p:ext>
+    </p:extLst>
+  </p:cSld>
+  <p:clrMapOvr>
+    <a:masterClrMapping/>
+  </p:clrMapOvr>
+</p:notes>
+</file>
+
+<file path=ppt/notesSlides/notesSlide9.xml><?xml version="1.0" encoding="utf-8"?>
+<p:notes xmlns:a="http://schemas.openxmlformats.org/drawingml/2006/main" xmlns:r="http://schemas.openxmlformats.org/officeDocument/2006/relationships" xmlns:p="http://schemas.openxmlformats.org/presentationml/2006/main">
+  <p:cSld>
+    <p:spTree>
+      <p:nvGrpSpPr>
+        <p:cNvPr id="1" name=""/>
+        <p:cNvGrpSpPr/>
+        <p:nvPr/>
+      </p:nvGrpSpPr>
+      <p:grpSpPr>
+        <a:xfrm>
+          <a:off x="0" y="0"/>
+          <a:ext cx="0" cy="0"/>
+          <a:chOff x="0" y="0"/>
+          <a:chExt cx="0" cy="0"/>
+        </a:xfrm>
+      </p:grpSpPr>
+      <p:sp>
+        <p:nvSpPr>
+          <p:cNvPr id="2" name="Slide Image Placeholder 1"/>
+          <p:cNvSpPr>
+            <a:spLocks noGrp="1" noRot="1" noChangeAspect="1"/>
+          </p:cNvSpPr>
+          <p:nvPr>
+            <p:ph type="sldImg"/>
+          </p:nvPr>
+        </p:nvSpPr>
+        <p:spPr/>
+      </p:sp>
+      <p:sp>
+        <p:nvSpPr>
+          <p:cNvPr id="3" name="Notes Placeholder 2"/>
+          <p:cNvSpPr>
+            <a:spLocks noGrp="1"/>
+          </p:cNvSpPr>
+          <p:nvPr>
+            <p:ph type="body" idx="1"/>
+          </p:nvPr>
+        </p:nvSpPr>
+        <p:spPr/>
+        <p:txBody>
+          <a:bodyPr/>
+          <a:lstStyle/>
+          <a:p>
+            <a:endParaRPr lang="en-US" dirty="0"/>
+          </a:p>
+        </p:txBody>
+      </p:sp>
+      <p:sp>
+        <p:nvSpPr>
+          <p:cNvPr id="4" name="Slide Number Placeholder 3"/>
+          <p:cNvSpPr>
+            <a:spLocks noGrp="1"/>
+          </p:cNvSpPr>
+          <p:nvPr>
+            <p:ph type="sldNum" sz="quarter" idx="5"/>
+          </p:nvPr>
+        </p:nvSpPr>
+        <p:spPr/>
+        <p:txBody>
+          <a:bodyPr/>
+          <a:lstStyle/>
+          <a:p>
+            <a:fld id="{CFED664B-377C-4B68-AF4E-EBDA643118DF}" type="slidenum">
+              <a:rPr lang="en-US" smtClean="0"/>
+              <a:t>9</a:t>
+            </a:fld>
+            <a:endParaRPr lang="en-US" dirty="0"/>
+          </a:p>
+        </p:txBody>
+      </p:sp>
+    </p:spTree>
+    <p:extLst>
+      <p:ext uri="{BB962C8B-B14F-4D97-AF65-F5344CB8AC3E}">
+        <p14:creationId xmlns:p14="http://schemas.microsoft.com/office/powerpoint/2010/main" val="126074750"/>
       </p:ext>
     </p:extLst>
   </p:cSld>
@@ -4468,7 +5148,7 @@
                 <a16:creationId xmlns:a16="http://schemas.microsoft.com/office/drawing/2014/main" id="{6981E6A2-4656-4CFE-9BF4-39D81EE2CA9B}"/>
               </a:ext>
               <a:ext uri="{C183D7F6-B498-43B3-948B-1728B52AA6E4}">
-                <adec:decorative xmlns:adec="http://schemas.microsoft.com/office/drawing/2017/decorative" xmlns="" val="1"/>
+                <adec:decorative xmlns="" xmlns:adec="http://schemas.microsoft.com/office/drawing/2017/decorative" val="1"/>
               </a:ext>
             </a:extLst>
           </p:cNvPr>
@@ -4814,7 +5494,7 @@
           <a:graphicData uri="http://schemas.openxmlformats.org/presentationml/2006/ole">
             <mc:AlternateContent xmlns:mc="http://schemas.openxmlformats.org/markup-compatibility/2006">
               <mc:Choice xmlns:v="urn:schemas-microsoft-com:vml" Requires="v">
-                <p:oleObj spid="_x0000_s1034" name="Image" r:id="rId4" imgW="3120840" imgH="3120840" progId="Photoshop.Image.18">
+                <p:oleObj spid="_x0000_s1096" name="Image" r:id="rId4" imgW="3120840" imgH="3120840" progId="Photoshop.Image.18">
                   <p:embed/>
                 </p:oleObj>
               </mc:Choice>
@@ -4859,11 +5539,11 @@
   <p:clrMapOvr>
     <a:masterClrMapping/>
   </p:clrMapOvr>
-  <mc:AlternateContent xmlns:mc="http://schemas.openxmlformats.org/markup-compatibility/2006">
-    <mc:Choice xmlns:p14="http://schemas.microsoft.com/office/powerpoint/2010/main" Requires="p14">
+  <mc:AlternateContent xmlns:mc="http://schemas.openxmlformats.org/markup-compatibility/2006" xmlns:p14="http://schemas.microsoft.com/office/powerpoint/2010/main">
+    <mc:Choice Requires="p14">
       <p:transition spd="slow" p14:dur="2000"/>
     </mc:Choice>
-    <mc:Fallback>
+    <mc:Fallback xmlns="">
       <p:transition spd="slow"/>
     </mc:Fallback>
   </mc:AlternateContent>
@@ -4877,7 +5557,2093 @@
 </p:sld>
 </file>
 
+<file path=ppt/slides/slide10.xml><?xml version="1.0" encoding="utf-8"?>
+<p:sld xmlns:a="http://schemas.openxmlformats.org/drawingml/2006/main" xmlns:r="http://schemas.openxmlformats.org/officeDocument/2006/relationships" xmlns:p="http://schemas.openxmlformats.org/presentationml/2006/main">
+  <p:cSld>
+    <p:bg>
+      <p:bgPr>
+        <a:solidFill>
+          <a:schemeClr val="bg1"/>
+        </a:solidFill>
+        <a:effectLst/>
+      </p:bgPr>
+    </p:bg>
+    <p:spTree>
+      <p:nvGrpSpPr>
+        <p:cNvPr id="1" name=""/>
+        <p:cNvGrpSpPr/>
+        <p:nvPr/>
+      </p:nvGrpSpPr>
+      <p:grpSpPr>
+        <a:xfrm>
+          <a:off x="0" y="0"/>
+          <a:ext cx="0" cy="0"/>
+          <a:chOff x="0" y="0"/>
+          <a:chExt cx="0" cy="0"/>
+        </a:xfrm>
+      </p:grpSpPr>
+      <p:sp useBgFill="1">
+        <p:nvSpPr>
+          <p:cNvPr id="18" name="Rectangle 17">
+            <a:extLst>
+              <a:ext uri="{FF2B5EF4-FFF2-40B4-BE49-F238E27FC236}">
+                <a16:creationId xmlns:a16="http://schemas.microsoft.com/office/drawing/2014/main" id="{93F0ADB5-A0B4-4B01-A8C4-FDC34CE22BD4}"/>
+              </a:ext>
+              <a:ext uri="{C183D7F6-B498-43B3-948B-1728B52AA6E4}">
+                <adec:decorative xmlns="" xmlns:adec="http://schemas.microsoft.com/office/drawing/2017/decorative" val="1"/>
+              </a:ext>
+            </a:extLst>
+          </p:cNvPr>
+          <p:cNvSpPr>
+            <a:spLocks noGrp="1" noRot="1" noChangeAspect="1" noMove="1" noResize="1" noEditPoints="1" noAdjustHandles="1" noChangeArrowheads="1" noChangeShapeType="1" noTextEdit="1"/>
+          </p:cNvSpPr>
+          <p:nvPr>
+            <p:extLst>
+              <p:ext uri="{386F3935-93C4-4BCD-93E2-E3B085C9AB24}">
+                <p16:designElem xmlns:p16="http://schemas.microsoft.com/office/powerpoint/2015/main" val="1"/>
+              </p:ext>
+            </p:extLst>
+          </p:nvPr>
+        </p:nvSpPr>
+        <p:spPr>
+          <a:xfrm>
+            <a:off x="0" y="0"/>
+            <a:ext cx="12191999" cy="6858000"/>
+          </a:xfrm>
+          <a:prstGeom prst="rect">
+            <a:avLst/>
+          </a:prstGeom>
+          <a:ln>
+            <a:noFill/>
+          </a:ln>
+        </p:spPr>
+        <p:style>
+          <a:lnRef idx="2">
+            <a:schemeClr val="accent1">
+              <a:shade val="50000"/>
+            </a:schemeClr>
+          </a:lnRef>
+          <a:fillRef idx="1">
+            <a:schemeClr val="accent1"/>
+          </a:fillRef>
+          <a:effectRef idx="0">
+            <a:schemeClr val="accent1"/>
+          </a:effectRef>
+          <a:fontRef idx="minor">
+            <a:schemeClr val="lt1"/>
+          </a:fontRef>
+        </p:style>
+        <p:txBody>
+          <a:bodyPr rtlCol="0" anchor="ctr"/>
+          <a:lstStyle/>
+          <a:p>
+            <a:pPr algn="ctr"/>
+            <a:endParaRPr lang="en-US" dirty="0"/>
+          </a:p>
+        </p:txBody>
+      </p:sp>
+      <p:sp>
+        <p:nvSpPr>
+          <p:cNvPr id="20" name="Rectangle 19">
+            <a:extLst>
+              <a:ext uri="{FF2B5EF4-FFF2-40B4-BE49-F238E27FC236}">
+                <a16:creationId xmlns:a16="http://schemas.microsoft.com/office/drawing/2014/main" id="{AA6D0FDE-0241-4C21-A720-A69475358235}"/>
+              </a:ext>
+              <a:ext uri="{C183D7F6-B498-43B3-948B-1728B52AA6E4}">
+                <adec:decorative xmlns="" xmlns:adec="http://schemas.microsoft.com/office/drawing/2017/decorative" val="1"/>
+              </a:ext>
+            </a:extLst>
+          </p:cNvPr>
+          <p:cNvSpPr>
+            <a:spLocks noGrp="1" noRot="1" noChangeAspect="1" noMove="1" noResize="1" noEditPoints="1" noAdjustHandles="1" noChangeArrowheads="1" noChangeShapeType="1" noTextEdit="1"/>
+          </p:cNvSpPr>
+          <p:nvPr>
+            <p:extLst>
+              <p:ext uri="{386F3935-93C4-4BCD-93E2-E3B085C9AB24}">
+                <p16:designElem xmlns:p16="http://schemas.microsoft.com/office/powerpoint/2015/main" val="1"/>
+              </p:ext>
+            </p:extLst>
+          </p:nvPr>
+        </p:nvSpPr>
+        <p:spPr>
+          <a:xfrm>
+            <a:off x="0" y="0"/>
+            <a:ext cx="4654296" cy="6858000"/>
+          </a:xfrm>
+          <a:prstGeom prst="rect">
+            <a:avLst/>
+          </a:prstGeom>
+          <a:solidFill>
+            <a:schemeClr val="tx1">
+              <a:lumMod val="95000"/>
+              <a:lumOff val="5000"/>
+            </a:schemeClr>
+          </a:solidFill>
+          <a:ln>
+            <a:noFill/>
+          </a:ln>
+        </p:spPr>
+        <p:style>
+          <a:lnRef idx="0">
+            <a:scrgbClr r="0" g="0" b="0"/>
+          </a:lnRef>
+          <a:fillRef idx="0">
+            <a:scrgbClr r="0" g="0" b="0"/>
+          </a:fillRef>
+          <a:effectRef idx="0">
+            <a:scrgbClr r="0" g="0" b="0"/>
+          </a:effectRef>
+          <a:fontRef idx="minor">
+            <a:schemeClr val="lt1"/>
+          </a:fontRef>
+        </p:style>
+        <p:txBody>
+          <a:bodyPr rtlCol="0" anchor="ctr"/>
+          <a:lstStyle/>
+          <a:p>
+            <a:pPr algn="ctr"/>
+            <a:endParaRPr lang="en-US" dirty="0"/>
+          </a:p>
+        </p:txBody>
+      </p:sp>
+      <p:sp>
+        <p:nvSpPr>
+          <p:cNvPr id="21" name="Rectangle 20"/>
+          <p:cNvSpPr/>
+          <p:nvPr/>
+        </p:nvSpPr>
+        <p:spPr>
+          <a:xfrm>
+            <a:off x="0" y="0"/>
+            <a:ext cx="6096000" cy="6858000"/>
+          </a:xfrm>
+          <a:prstGeom prst="rect">
+            <a:avLst/>
+          </a:prstGeom>
+          <a:solidFill>
+            <a:schemeClr val="bg1"/>
+          </a:solidFill>
+          <a:ln>
+            <a:noFill/>
+          </a:ln>
+        </p:spPr>
+        <p:style>
+          <a:lnRef idx="2">
+            <a:schemeClr val="accent1">
+              <a:shade val="50000"/>
+            </a:schemeClr>
+          </a:lnRef>
+          <a:fillRef idx="1">
+            <a:schemeClr val="accent1"/>
+          </a:fillRef>
+          <a:effectRef idx="0">
+            <a:schemeClr val="accent1"/>
+          </a:effectRef>
+          <a:fontRef idx="minor">
+            <a:schemeClr val="lt1"/>
+          </a:fontRef>
+        </p:style>
+        <p:txBody>
+          <a:bodyPr rtlCol="0" anchor="ctr"/>
+          <a:lstStyle/>
+          <a:p>
+            <a:pPr algn="ctr"/>
+            <a:endParaRPr lang="en-IN"/>
+          </a:p>
+        </p:txBody>
+      </p:sp>
+      <p:sp>
+        <p:nvSpPr>
+          <p:cNvPr id="13" name="Rectangle 12"/>
+          <p:cNvSpPr/>
+          <p:nvPr/>
+        </p:nvSpPr>
+        <p:spPr>
+          <a:xfrm>
+            <a:off x="0" y="0"/>
+            <a:ext cx="12193590" cy="1117600"/>
+          </a:xfrm>
+          <a:prstGeom prst="rect">
+            <a:avLst/>
+          </a:prstGeom>
+          <a:solidFill>
+            <a:schemeClr val="tx1"/>
+          </a:solidFill>
+          <a:ln>
+            <a:noFill/>
+          </a:ln>
+        </p:spPr>
+        <p:style>
+          <a:lnRef idx="2">
+            <a:schemeClr val="accent1">
+              <a:shade val="50000"/>
+            </a:schemeClr>
+          </a:lnRef>
+          <a:fillRef idx="1">
+            <a:schemeClr val="accent1"/>
+          </a:fillRef>
+          <a:effectRef idx="0">
+            <a:schemeClr val="accent1"/>
+          </a:effectRef>
+          <a:fontRef idx="minor">
+            <a:schemeClr val="lt1"/>
+          </a:fontRef>
+        </p:style>
+        <p:txBody>
+          <a:bodyPr rtlCol="0" anchor="ctr"/>
+          <a:lstStyle/>
+          <a:p>
+            <a:pPr algn="ctr"/>
+            <a:endParaRPr lang="en-IN" dirty="0"/>
+          </a:p>
+        </p:txBody>
+      </p:sp>
+      <p:sp>
+        <p:nvSpPr>
+          <p:cNvPr id="14" name="Title 1">
+            <a:extLst>
+              <a:ext uri="{FF2B5EF4-FFF2-40B4-BE49-F238E27FC236}">
+                <a16:creationId xmlns:a16="http://schemas.microsoft.com/office/drawing/2014/main" id="{050E78D6-F072-48E7-8270-20EFBDD26F36}"/>
+              </a:ext>
+            </a:extLst>
+          </p:cNvPr>
+          <p:cNvSpPr txBox="1">
+            <a:spLocks/>
+          </p:cNvSpPr>
+          <p:nvPr/>
+        </p:nvSpPr>
+        <p:spPr bwMode="black">
+          <a:xfrm>
+            <a:off x="2362200" y="0"/>
+            <a:ext cx="7467600" cy="1117600"/>
+          </a:xfrm>
+          <a:prstGeom prst="rect">
+            <a:avLst/>
+          </a:prstGeom>
+          <a:noFill/>
+          <a:ln w="31750" cap="sq">
+            <a:noFill/>
+            <a:miter lim="800000"/>
+          </a:ln>
+          <a:effectLst/>
+        </p:spPr>
+        <p:txBody>
+          <a:bodyPr vert="horz" lIns="182880" tIns="182880" rIns="182880" bIns="182880" rtlCol="0" anchor="ctr">
+            <a:normAutofit/>
+          </a:bodyPr>
+          <a:lstStyle>
+            <a:lvl1pPr algn="ctr" defTabSz="914400" rtl="0" eaLnBrk="1" latinLnBrk="0" hangingPunct="1">
+              <a:lnSpc>
+                <a:spcPct val="90000"/>
+              </a:lnSpc>
+              <a:spcBef>
+                <a:spcPct val="0"/>
+              </a:spcBef>
+              <a:buNone/>
+              <a:defRPr sz="2800" kern="1200" cap="all" spc="200" baseline="0">
+                <a:solidFill>
+                  <a:srgbClr val="262626"/>
+                </a:solidFill>
+                <a:latin typeface="+mj-lt"/>
+                <a:ea typeface="+mj-ea"/>
+                <a:cs typeface="+mj-cs"/>
+              </a:defRPr>
+            </a:lvl1pPr>
+          </a:lstStyle>
+          <a:p>
+            <a:r>
+              <a:rPr lang="en-US" sz="3200" b="1" cap="none" dirty="0" smtClean="0">
+                <a:solidFill>
+                  <a:schemeClr val="bg1"/>
+                </a:solidFill>
+                <a:latin typeface="Arial" panose="020B0604020202020204" pitchFamily="34" charset="0"/>
+                <a:cs typeface="Arial" panose="020B0604020202020204" pitchFamily="34" charset="0"/>
+              </a:rPr>
+              <a:t>Nonlinear Approximation</a:t>
+            </a:r>
+            <a:endParaRPr lang="en-US" sz="2400" b="1" cap="none" dirty="0">
+              <a:solidFill>
+                <a:schemeClr val="bg1"/>
+              </a:solidFill>
+              <a:latin typeface="Arial" panose="020B0604020202020204" pitchFamily="34" charset="0"/>
+              <a:cs typeface="Arial" panose="020B0604020202020204" pitchFamily="34" charset="0"/>
+            </a:endParaRPr>
+          </a:p>
+        </p:txBody>
+      </p:sp>
+      <p:pic>
+        <p:nvPicPr>
+          <p:cNvPr id="2" name="Picture 1"/>
+          <p:cNvPicPr>
+            <a:picLocks noChangeAspect="1"/>
+          </p:cNvPicPr>
+          <p:nvPr/>
+        </p:nvPicPr>
+        <p:blipFill>
+          <a:blip r:embed="rId3">
+            <a:extLst>
+              <a:ext uri="{28A0092B-C50C-407E-A947-70E740481C1C}">
+                <a14:useLocalDpi xmlns:a14="http://schemas.microsoft.com/office/drawing/2010/main" val="0"/>
+              </a:ext>
+            </a:extLst>
+          </a:blip>
+          <a:stretch>
+            <a:fillRect/>
+          </a:stretch>
+        </p:blipFill>
+        <p:spPr>
+          <a:xfrm>
+            <a:off x="1241418" y="1559843"/>
+            <a:ext cx="9705982" cy="4696672"/>
+          </a:xfrm>
+          <a:prstGeom prst="rect">
+            <a:avLst/>
+          </a:prstGeom>
+        </p:spPr>
+      </p:pic>
+    </p:spTree>
+    <p:extLst>
+      <p:ext uri="{BB962C8B-B14F-4D97-AF65-F5344CB8AC3E}">
+        <p14:creationId xmlns:p14="http://schemas.microsoft.com/office/powerpoint/2010/main" val="374643969"/>
+      </p:ext>
+    </p:extLst>
+  </p:cSld>
+  <p:clrMapOvr>
+    <a:masterClrMapping/>
+  </p:clrMapOvr>
+  <p:timing>
+    <p:tnLst>
+      <p:par>
+        <p:cTn id="1" dur="indefinite" restart="never" nodeType="tmRoot"/>
+      </p:par>
+    </p:tnLst>
+  </p:timing>
+</p:sld>
+</file>
+
+<file path=ppt/slides/slide11.xml><?xml version="1.0" encoding="utf-8"?>
+<p:sld xmlns:a="http://schemas.openxmlformats.org/drawingml/2006/main" xmlns:r="http://schemas.openxmlformats.org/officeDocument/2006/relationships" xmlns:p="http://schemas.openxmlformats.org/presentationml/2006/main">
+  <p:cSld>
+    <p:bg>
+      <p:bgPr>
+        <a:solidFill>
+          <a:schemeClr val="bg1"/>
+        </a:solidFill>
+        <a:effectLst/>
+      </p:bgPr>
+    </p:bg>
+    <p:spTree>
+      <p:nvGrpSpPr>
+        <p:cNvPr id="1" name=""/>
+        <p:cNvGrpSpPr/>
+        <p:nvPr/>
+      </p:nvGrpSpPr>
+      <p:grpSpPr>
+        <a:xfrm>
+          <a:off x="0" y="0"/>
+          <a:ext cx="0" cy="0"/>
+          <a:chOff x="0" y="0"/>
+          <a:chExt cx="0" cy="0"/>
+        </a:xfrm>
+      </p:grpSpPr>
+      <p:sp useBgFill="1">
+        <p:nvSpPr>
+          <p:cNvPr id="18" name="Rectangle 17">
+            <a:extLst>
+              <a:ext uri="{FF2B5EF4-FFF2-40B4-BE49-F238E27FC236}">
+                <a16:creationId xmlns:a16="http://schemas.microsoft.com/office/drawing/2014/main" id="{93F0ADB5-A0B4-4B01-A8C4-FDC34CE22BD4}"/>
+              </a:ext>
+              <a:ext uri="{C183D7F6-B498-43B3-948B-1728B52AA6E4}">
+                <adec:decorative xmlns="" xmlns:adec="http://schemas.microsoft.com/office/drawing/2017/decorative" val="1"/>
+              </a:ext>
+            </a:extLst>
+          </p:cNvPr>
+          <p:cNvSpPr>
+            <a:spLocks noGrp="1" noRot="1" noChangeAspect="1" noMove="1" noResize="1" noEditPoints="1" noAdjustHandles="1" noChangeArrowheads="1" noChangeShapeType="1" noTextEdit="1"/>
+          </p:cNvSpPr>
+          <p:nvPr>
+            <p:extLst>
+              <p:ext uri="{386F3935-93C4-4BCD-93E2-E3B085C9AB24}">
+                <p16:designElem xmlns:p16="http://schemas.microsoft.com/office/powerpoint/2015/main" val="1"/>
+              </p:ext>
+            </p:extLst>
+          </p:nvPr>
+        </p:nvSpPr>
+        <p:spPr>
+          <a:xfrm>
+            <a:off x="0" y="0"/>
+            <a:ext cx="12191999" cy="6858000"/>
+          </a:xfrm>
+          <a:prstGeom prst="rect">
+            <a:avLst/>
+          </a:prstGeom>
+          <a:ln>
+            <a:noFill/>
+          </a:ln>
+        </p:spPr>
+        <p:style>
+          <a:lnRef idx="2">
+            <a:schemeClr val="accent1">
+              <a:shade val="50000"/>
+            </a:schemeClr>
+          </a:lnRef>
+          <a:fillRef idx="1">
+            <a:schemeClr val="accent1"/>
+          </a:fillRef>
+          <a:effectRef idx="0">
+            <a:schemeClr val="accent1"/>
+          </a:effectRef>
+          <a:fontRef idx="minor">
+            <a:schemeClr val="lt1"/>
+          </a:fontRef>
+        </p:style>
+        <p:txBody>
+          <a:bodyPr rtlCol="0" anchor="ctr"/>
+          <a:lstStyle/>
+          <a:p>
+            <a:pPr algn="ctr"/>
+            <a:endParaRPr lang="en-US" dirty="0"/>
+          </a:p>
+        </p:txBody>
+      </p:sp>
+      <p:sp>
+        <p:nvSpPr>
+          <p:cNvPr id="20" name="Rectangle 19">
+            <a:extLst>
+              <a:ext uri="{FF2B5EF4-FFF2-40B4-BE49-F238E27FC236}">
+                <a16:creationId xmlns:a16="http://schemas.microsoft.com/office/drawing/2014/main" id="{AA6D0FDE-0241-4C21-A720-A69475358235}"/>
+              </a:ext>
+              <a:ext uri="{C183D7F6-B498-43B3-948B-1728B52AA6E4}">
+                <adec:decorative xmlns="" xmlns:adec="http://schemas.microsoft.com/office/drawing/2017/decorative" val="1"/>
+              </a:ext>
+            </a:extLst>
+          </p:cNvPr>
+          <p:cNvSpPr>
+            <a:spLocks noGrp="1" noRot="1" noChangeAspect="1" noMove="1" noResize="1" noEditPoints="1" noAdjustHandles="1" noChangeArrowheads="1" noChangeShapeType="1" noTextEdit="1"/>
+          </p:cNvSpPr>
+          <p:nvPr>
+            <p:extLst>
+              <p:ext uri="{386F3935-93C4-4BCD-93E2-E3B085C9AB24}">
+                <p16:designElem xmlns:p16="http://schemas.microsoft.com/office/powerpoint/2015/main" val="1"/>
+              </p:ext>
+            </p:extLst>
+          </p:nvPr>
+        </p:nvSpPr>
+        <p:spPr>
+          <a:xfrm>
+            <a:off x="0" y="0"/>
+            <a:ext cx="4654296" cy="6858000"/>
+          </a:xfrm>
+          <a:prstGeom prst="rect">
+            <a:avLst/>
+          </a:prstGeom>
+          <a:solidFill>
+            <a:schemeClr val="tx1">
+              <a:lumMod val="95000"/>
+              <a:lumOff val="5000"/>
+            </a:schemeClr>
+          </a:solidFill>
+          <a:ln>
+            <a:noFill/>
+          </a:ln>
+        </p:spPr>
+        <p:style>
+          <a:lnRef idx="0">
+            <a:scrgbClr r="0" g="0" b="0"/>
+          </a:lnRef>
+          <a:fillRef idx="0">
+            <a:scrgbClr r="0" g="0" b="0"/>
+          </a:fillRef>
+          <a:effectRef idx="0">
+            <a:scrgbClr r="0" g="0" b="0"/>
+          </a:effectRef>
+          <a:fontRef idx="minor">
+            <a:schemeClr val="lt1"/>
+          </a:fontRef>
+        </p:style>
+        <p:txBody>
+          <a:bodyPr rtlCol="0" anchor="ctr"/>
+          <a:lstStyle/>
+          <a:p>
+            <a:pPr algn="ctr"/>
+            <a:endParaRPr lang="en-US" dirty="0"/>
+          </a:p>
+        </p:txBody>
+      </p:sp>
+      <p:sp>
+        <p:nvSpPr>
+          <p:cNvPr id="21" name="Rectangle 20"/>
+          <p:cNvSpPr/>
+          <p:nvPr/>
+        </p:nvSpPr>
+        <p:spPr>
+          <a:xfrm>
+            <a:off x="0" y="0"/>
+            <a:ext cx="6096000" cy="6858000"/>
+          </a:xfrm>
+          <a:prstGeom prst="rect">
+            <a:avLst/>
+          </a:prstGeom>
+          <a:solidFill>
+            <a:schemeClr val="bg1"/>
+          </a:solidFill>
+          <a:ln>
+            <a:noFill/>
+          </a:ln>
+        </p:spPr>
+        <p:style>
+          <a:lnRef idx="2">
+            <a:schemeClr val="accent1">
+              <a:shade val="50000"/>
+            </a:schemeClr>
+          </a:lnRef>
+          <a:fillRef idx="1">
+            <a:schemeClr val="accent1"/>
+          </a:fillRef>
+          <a:effectRef idx="0">
+            <a:schemeClr val="accent1"/>
+          </a:effectRef>
+          <a:fontRef idx="minor">
+            <a:schemeClr val="lt1"/>
+          </a:fontRef>
+        </p:style>
+        <p:txBody>
+          <a:bodyPr rtlCol="0" anchor="ctr"/>
+          <a:lstStyle/>
+          <a:p>
+            <a:pPr algn="ctr"/>
+            <a:endParaRPr lang="en-IN"/>
+          </a:p>
+        </p:txBody>
+      </p:sp>
+      <p:sp>
+        <p:nvSpPr>
+          <p:cNvPr id="13" name="Rectangle 12"/>
+          <p:cNvSpPr/>
+          <p:nvPr/>
+        </p:nvSpPr>
+        <p:spPr>
+          <a:xfrm>
+            <a:off x="0" y="0"/>
+            <a:ext cx="12193590" cy="1117600"/>
+          </a:xfrm>
+          <a:prstGeom prst="rect">
+            <a:avLst/>
+          </a:prstGeom>
+          <a:solidFill>
+            <a:schemeClr val="tx1"/>
+          </a:solidFill>
+          <a:ln>
+            <a:noFill/>
+          </a:ln>
+        </p:spPr>
+        <p:style>
+          <a:lnRef idx="2">
+            <a:schemeClr val="accent1">
+              <a:shade val="50000"/>
+            </a:schemeClr>
+          </a:lnRef>
+          <a:fillRef idx="1">
+            <a:schemeClr val="accent1"/>
+          </a:fillRef>
+          <a:effectRef idx="0">
+            <a:schemeClr val="accent1"/>
+          </a:effectRef>
+          <a:fontRef idx="minor">
+            <a:schemeClr val="lt1"/>
+          </a:fontRef>
+        </p:style>
+        <p:txBody>
+          <a:bodyPr rtlCol="0" anchor="ctr"/>
+          <a:lstStyle/>
+          <a:p>
+            <a:pPr algn="ctr"/>
+            <a:endParaRPr lang="en-IN" dirty="0"/>
+          </a:p>
+        </p:txBody>
+      </p:sp>
+      <p:sp>
+        <p:nvSpPr>
+          <p:cNvPr id="14" name="Title 1">
+            <a:extLst>
+              <a:ext uri="{FF2B5EF4-FFF2-40B4-BE49-F238E27FC236}">
+                <a16:creationId xmlns:a16="http://schemas.microsoft.com/office/drawing/2014/main" id="{050E78D6-F072-48E7-8270-20EFBDD26F36}"/>
+              </a:ext>
+            </a:extLst>
+          </p:cNvPr>
+          <p:cNvSpPr txBox="1">
+            <a:spLocks/>
+          </p:cNvSpPr>
+          <p:nvPr/>
+        </p:nvSpPr>
+        <p:spPr bwMode="black">
+          <a:xfrm>
+            <a:off x="2362200" y="0"/>
+            <a:ext cx="7467600" cy="1117600"/>
+          </a:xfrm>
+          <a:prstGeom prst="rect">
+            <a:avLst/>
+          </a:prstGeom>
+          <a:noFill/>
+          <a:ln w="31750" cap="sq">
+            <a:noFill/>
+            <a:miter lim="800000"/>
+          </a:ln>
+          <a:effectLst/>
+        </p:spPr>
+        <p:txBody>
+          <a:bodyPr vert="horz" lIns="182880" tIns="182880" rIns="182880" bIns="182880" rtlCol="0" anchor="ctr">
+            <a:normAutofit/>
+          </a:bodyPr>
+          <a:lstStyle>
+            <a:lvl1pPr algn="ctr" defTabSz="914400" rtl="0" eaLnBrk="1" latinLnBrk="0" hangingPunct="1">
+              <a:lnSpc>
+                <a:spcPct val="90000"/>
+              </a:lnSpc>
+              <a:spcBef>
+                <a:spcPct val="0"/>
+              </a:spcBef>
+              <a:buNone/>
+              <a:defRPr sz="2800" kern="1200" cap="all" spc="200" baseline="0">
+                <a:solidFill>
+                  <a:srgbClr val="262626"/>
+                </a:solidFill>
+                <a:latin typeface="+mj-lt"/>
+                <a:ea typeface="+mj-ea"/>
+                <a:cs typeface="+mj-cs"/>
+              </a:defRPr>
+            </a:lvl1pPr>
+          </a:lstStyle>
+          <a:p>
+            <a:r>
+              <a:rPr lang="en-US" sz="3200" b="1" cap="none" dirty="0" smtClean="0">
+                <a:solidFill>
+                  <a:schemeClr val="bg1"/>
+                </a:solidFill>
+                <a:latin typeface="Arial" panose="020B0604020202020204" pitchFamily="34" charset="0"/>
+                <a:cs typeface="Arial" panose="020B0604020202020204" pitchFamily="34" charset="0"/>
+              </a:rPr>
+              <a:t>System Identification Models</a:t>
+            </a:r>
+            <a:endParaRPr lang="en-US" sz="2400" b="1" cap="none" dirty="0">
+              <a:solidFill>
+                <a:schemeClr val="bg1"/>
+              </a:solidFill>
+              <a:latin typeface="Arial" panose="020B0604020202020204" pitchFamily="34" charset="0"/>
+              <a:cs typeface="Arial" panose="020B0604020202020204" pitchFamily="34" charset="0"/>
+            </a:endParaRPr>
+          </a:p>
+        </p:txBody>
+      </p:sp>
+      <p:pic>
+        <p:nvPicPr>
+          <p:cNvPr id="3" name="Picture 2"/>
+          <p:cNvPicPr>
+            <a:picLocks noChangeAspect="1"/>
+          </p:cNvPicPr>
+          <p:nvPr/>
+        </p:nvPicPr>
+        <p:blipFill>
+          <a:blip r:embed="rId3"/>
+          <a:stretch>
+            <a:fillRect/>
+          </a:stretch>
+        </p:blipFill>
+        <p:spPr>
+          <a:xfrm>
+            <a:off x="6492084" y="2630725"/>
+            <a:ext cx="4775198" cy="3018950"/>
+          </a:xfrm>
+          <a:prstGeom prst="rect">
+            <a:avLst/>
+          </a:prstGeom>
+        </p:spPr>
+      </p:pic>
+      <p:pic>
+        <p:nvPicPr>
+          <p:cNvPr id="4" name="Picture 3"/>
+          <p:cNvPicPr>
+            <a:picLocks noChangeAspect="1"/>
+          </p:cNvPicPr>
+          <p:nvPr/>
+        </p:nvPicPr>
+        <p:blipFill>
+          <a:blip r:embed="rId4"/>
+          <a:stretch>
+            <a:fillRect/>
+          </a:stretch>
+        </p:blipFill>
+        <p:spPr>
+          <a:xfrm>
+            <a:off x="926310" y="2630487"/>
+            <a:ext cx="4781550" cy="3019425"/>
+          </a:xfrm>
+          <a:prstGeom prst="rect">
+            <a:avLst/>
+          </a:prstGeom>
+        </p:spPr>
+      </p:pic>
+    </p:spTree>
+    <p:extLst>
+      <p:ext uri="{BB962C8B-B14F-4D97-AF65-F5344CB8AC3E}">
+        <p14:creationId xmlns:p14="http://schemas.microsoft.com/office/powerpoint/2010/main" val="3879351755"/>
+      </p:ext>
+    </p:extLst>
+  </p:cSld>
+  <p:clrMapOvr>
+    <a:masterClrMapping/>
+  </p:clrMapOvr>
+  <p:timing>
+    <p:tnLst>
+      <p:par>
+        <p:cTn id="1" dur="indefinite" restart="never" nodeType="tmRoot"/>
+      </p:par>
+    </p:tnLst>
+  </p:timing>
+</p:sld>
+</file>
+
+<file path=ppt/slides/slide12.xml><?xml version="1.0" encoding="utf-8"?>
+<p:sld xmlns:a="http://schemas.openxmlformats.org/drawingml/2006/main" xmlns:r="http://schemas.openxmlformats.org/officeDocument/2006/relationships" xmlns:p="http://schemas.openxmlformats.org/presentationml/2006/main">
+  <p:cSld>
+    <p:bg>
+      <p:bgPr>
+        <a:solidFill>
+          <a:schemeClr val="bg1"/>
+        </a:solidFill>
+        <a:effectLst/>
+      </p:bgPr>
+    </p:bg>
+    <p:spTree>
+      <p:nvGrpSpPr>
+        <p:cNvPr id="1" name=""/>
+        <p:cNvGrpSpPr/>
+        <p:nvPr/>
+      </p:nvGrpSpPr>
+      <p:grpSpPr>
+        <a:xfrm>
+          <a:off x="0" y="0"/>
+          <a:ext cx="0" cy="0"/>
+          <a:chOff x="0" y="0"/>
+          <a:chExt cx="0" cy="0"/>
+        </a:xfrm>
+      </p:grpSpPr>
+      <p:sp useBgFill="1">
+        <p:nvSpPr>
+          <p:cNvPr id="18" name="Rectangle 17">
+            <a:extLst>
+              <a:ext uri="{FF2B5EF4-FFF2-40B4-BE49-F238E27FC236}">
+                <a16:creationId xmlns:a16="http://schemas.microsoft.com/office/drawing/2014/main" id="{93F0ADB5-A0B4-4B01-A8C4-FDC34CE22BD4}"/>
+              </a:ext>
+              <a:ext uri="{C183D7F6-B498-43B3-948B-1728B52AA6E4}">
+                <adec:decorative xmlns="" xmlns:adec="http://schemas.microsoft.com/office/drawing/2017/decorative" val="1"/>
+              </a:ext>
+            </a:extLst>
+          </p:cNvPr>
+          <p:cNvSpPr>
+            <a:spLocks noGrp="1" noRot="1" noChangeAspect="1" noMove="1" noResize="1" noEditPoints="1" noAdjustHandles="1" noChangeArrowheads="1" noChangeShapeType="1" noTextEdit="1"/>
+          </p:cNvSpPr>
+          <p:nvPr>
+            <p:extLst>
+              <p:ext uri="{386F3935-93C4-4BCD-93E2-E3B085C9AB24}">
+                <p16:designElem xmlns:p16="http://schemas.microsoft.com/office/powerpoint/2015/main" val="1"/>
+              </p:ext>
+            </p:extLst>
+          </p:nvPr>
+        </p:nvSpPr>
+        <p:spPr>
+          <a:xfrm>
+            <a:off x="0" y="0"/>
+            <a:ext cx="12191999" cy="6858000"/>
+          </a:xfrm>
+          <a:prstGeom prst="rect">
+            <a:avLst/>
+          </a:prstGeom>
+          <a:ln>
+            <a:noFill/>
+          </a:ln>
+        </p:spPr>
+        <p:style>
+          <a:lnRef idx="2">
+            <a:schemeClr val="accent1">
+              <a:shade val="50000"/>
+            </a:schemeClr>
+          </a:lnRef>
+          <a:fillRef idx="1">
+            <a:schemeClr val="accent1"/>
+          </a:fillRef>
+          <a:effectRef idx="0">
+            <a:schemeClr val="accent1"/>
+          </a:effectRef>
+          <a:fontRef idx="minor">
+            <a:schemeClr val="lt1"/>
+          </a:fontRef>
+        </p:style>
+        <p:txBody>
+          <a:bodyPr rtlCol="0" anchor="ctr"/>
+          <a:lstStyle/>
+          <a:p>
+            <a:pPr algn="ctr"/>
+            <a:endParaRPr lang="en-US" dirty="0"/>
+          </a:p>
+        </p:txBody>
+      </p:sp>
+      <p:sp>
+        <p:nvSpPr>
+          <p:cNvPr id="20" name="Rectangle 19">
+            <a:extLst>
+              <a:ext uri="{FF2B5EF4-FFF2-40B4-BE49-F238E27FC236}">
+                <a16:creationId xmlns:a16="http://schemas.microsoft.com/office/drawing/2014/main" id="{AA6D0FDE-0241-4C21-A720-A69475358235}"/>
+              </a:ext>
+              <a:ext uri="{C183D7F6-B498-43B3-948B-1728B52AA6E4}">
+                <adec:decorative xmlns="" xmlns:adec="http://schemas.microsoft.com/office/drawing/2017/decorative" val="1"/>
+              </a:ext>
+            </a:extLst>
+          </p:cNvPr>
+          <p:cNvSpPr>
+            <a:spLocks noGrp="1" noRot="1" noChangeAspect="1" noMove="1" noResize="1" noEditPoints="1" noAdjustHandles="1" noChangeArrowheads="1" noChangeShapeType="1" noTextEdit="1"/>
+          </p:cNvSpPr>
+          <p:nvPr>
+            <p:extLst>
+              <p:ext uri="{386F3935-93C4-4BCD-93E2-E3B085C9AB24}">
+                <p16:designElem xmlns:p16="http://schemas.microsoft.com/office/powerpoint/2015/main" val="1"/>
+              </p:ext>
+            </p:extLst>
+          </p:nvPr>
+        </p:nvSpPr>
+        <p:spPr>
+          <a:xfrm>
+            <a:off x="0" y="0"/>
+            <a:ext cx="4654296" cy="6858000"/>
+          </a:xfrm>
+          <a:prstGeom prst="rect">
+            <a:avLst/>
+          </a:prstGeom>
+          <a:solidFill>
+            <a:schemeClr val="tx1">
+              <a:lumMod val="95000"/>
+              <a:lumOff val="5000"/>
+            </a:schemeClr>
+          </a:solidFill>
+          <a:ln>
+            <a:noFill/>
+          </a:ln>
+        </p:spPr>
+        <p:style>
+          <a:lnRef idx="0">
+            <a:scrgbClr r="0" g="0" b="0"/>
+          </a:lnRef>
+          <a:fillRef idx="0">
+            <a:scrgbClr r="0" g="0" b="0"/>
+          </a:fillRef>
+          <a:effectRef idx="0">
+            <a:scrgbClr r="0" g="0" b="0"/>
+          </a:effectRef>
+          <a:fontRef idx="minor">
+            <a:schemeClr val="lt1"/>
+          </a:fontRef>
+        </p:style>
+        <p:txBody>
+          <a:bodyPr rtlCol="0" anchor="ctr"/>
+          <a:lstStyle/>
+          <a:p>
+            <a:pPr algn="ctr"/>
+            <a:endParaRPr lang="en-US" dirty="0"/>
+          </a:p>
+        </p:txBody>
+      </p:sp>
+      <p:sp>
+        <p:nvSpPr>
+          <p:cNvPr id="21" name="Rectangle 20"/>
+          <p:cNvSpPr/>
+          <p:nvPr/>
+        </p:nvSpPr>
+        <p:spPr>
+          <a:xfrm>
+            <a:off x="0" y="0"/>
+            <a:ext cx="6096000" cy="6858000"/>
+          </a:xfrm>
+          <a:prstGeom prst="rect">
+            <a:avLst/>
+          </a:prstGeom>
+          <a:solidFill>
+            <a:schemeClr val="bg1"/>
+          </a:solidFill>
+          <a:ln>
+            <a:noFill/>
+          </a:ln>
+        </p:spPr>
+        <p:style>
+          <a:lnRef idx="2">
+            <a:schemeClr val="accent1">
+              <a:shade val="50000"/>
+            </a:schemeClr>
+          </a:lnRef>
+          <a:fillRef idx="1">
+            <a:schemeClr val="accent1"/>
+          </a:fillRef>
+          <a:effectRef idx="0">
+            <a:schemeClr val="accent1"/>
+          </a:effectRef>
+          <a:fontRef idx="minor">
+            <a:schemeClr val="lt1"/>
+          </a:fontRef>
+        </p:style>
+        <p:txBody>
+          <a:bodyPr rtlCol="0" anchor="ctr"/>
+          <a:lstStyle/>
+          <a:p>
+            <a:pPr algn="ctr"/>
+            <a:endParaRPr lang="en-IN"/>
+          </a:p>
+        </p:txBody>
+      </p:sp>
+      <p:pic>
+        <p:nvPicPr>
+          <p:cNvPr id="2" name="Picture 1"/>
+          <p:cNvPicPr>
+            <a:picLocks noChangeAspect="1"/>
+          </p:cNvPicPr>
+          <p:nvPr/>
+        </p:nvPicPr>
+        <p:blipFill>
+          <a:blip r:embed="rId3">
+            <a:extLst>
+              <a:ext uri="{28A0092B-C50C-407E-A947-70E740481C1C}">
+                <a14:useLocalDpi xmlns:a14="http://schemas.microsoft.com/office/drawing/2010/main" val="0"/>
+              </a:ext>
+            </a:extLst>
+          </a:blip>
+          <a:stretch>
+            <a:fillRect/>
+          </a:stretch>
+        </p:blipFill>
+        <p:spPr>
+          <a:xfrm>
+            <a:off x="884258" y="2209802"/>
+            <a:ext cx="7348702" cy="3555996"/>
+          </a:xfrm>
+          <a:prstGeom prst="rect">
+            <a:avLst/>
+          </a:prstGeom>
+        </p:spPr>
+      </p:pic>
+      <p:sp>
+        <p:nvSpPr>
+          <p:cNvPr id="11" name="Rectangle 10"/>
+          <p:cNvSpPr/>
+          <p:nvPr/>
+        </p:nvSpPr>
+        <p:spPr>
+          <a:xfrm>
+            <a:off x="0" y="0"/>
+            <a:ext cx="12193590" cy="1117600"/>
+          </a:xfrm>
+          <a:prstGeom prst="rect">
+            <a:avLst/>
+          </a:prstGeom>
+          <a:solidFill>
+            <a:schemeClr val="tx1"/>
+          </a:solidFill>
+          <a:ln>
+            <a:noFill/>
+          </a:ln>
+        </p:spPr>
+        <p:style>
+          <a:lnRef idx="2">
+            <a:schemeClr val="accent1">
+              <a:shade val="50000"/>
+            </a:schemeClr>
+          </a:lnRef>
+          <a:fillRef idx="1">
+            <a:schemeClr val="accent1"/>
+          </a:fillRef>
+          <a:effectRef idx="0">
+            <a:schemeClr val="accent1"/>
+          </a:effectRef>
+          <a:fontRef idx="minor">
+            <a:schemeClr val="lt1"/>
+          </a:fontRef>
+        </p:style>
+        <p:txBody>
+          <a:bodyPr rtlCol="0" anchor="ctr"/>
+          <a:lstStyle/>
+          <a:p>
+            <a:pPr algn="ctr"/>
+            <a:endParaRPr lang="en-IN" dirty="0"/>
+          </a:p>
+        </p:txBody>
+      </p:sp>
+      <p:sp>
+        <p:nvSpPr>
+          <p:cNvPr id="12" name="Title 1">
+            <a:extLst>
+              <a:ext uri="{FF2B5EF4-FFF2-40B4-BE49-F238E27FC236}">
+                <a16:creationId xmlns:a16="http://schemas.microsoft.com/office/drawing/2014/main" id="{050E78D6-F072-48E7-8270-20EFBDD26F36}"/>
+              </a:ext>
+            </a:extLst>
+          </p:cNvPr>
+          <p:cNvSpPr txBox="1">
+            <a:spLocks/>
+          </p:cNvSpPr>
+          <p:nvPr/>
+        </p:nvSpPr>
+        <p:spPr bwMode="black">
+          <a:xfrm>
+            <a:off x="3599543" y="0"/>
+            <a:ext cx="4992914" cy="1117600"/>
+          </a:xfrm>
+          <a:prstGeom prst="rect">
+            <a:avLst/>
+          </a:prstGeom>
+          <a:noFill/>
+          <a:ln w="31750" cap="sq">
+            <a:noFill/>
+            <a:miter lim="800000"/>
+          </a:ln>
+          <a:effectLst/>
+        </p:spPr>
+        <p:txBody>
+          <a:bodyPr vert="horz" lIns="182880" tIns="182880" rIns="182880" bIns="182880" rtlCol="0" anchor="ctr">
+            <a:normAutofit/>
+          </a:bodyPr>
+          <a:lstStyle>
+            <a:lvl1pPr algn="ctr" defTabSz="914400" rtl="0" eaLnBrk="1" latinLnBrk="0" hangingPunct="1">
+              <a:lnSpc>
+                <a:spcPct val="90000"/>
+              </a:lnSpc>
+              <a:spcBef>
+                <a:spcPct val="0"/>
+              </a:spcBef>
+              <a:buNone/>
+              <a:defRPr sz="2800" kern="1200" cap="all" spc="200" baseline="0">
+                <a:solidFill>
+                  <a:srgbClr val="262626"/>
+                </a:solidFill>
+                <a:latin typeface="+mj-lt"/>
+                <a:ea typeface="+mj-ea"/>
+                <a:cs typeface="+mj-cs"/>
+              </a:defRPr>
+            </a:lvl1pPr>
+          </a:lstStyle>
+          <a:p>
+            <a:r>
+              <a:rPr lang="en-US" sz="3200" b="1" cap="none" dirty="0" smtClean="0">
+                <a:solidFill>
+                  <a:schemeClr val="bg1"/>
+                </a:solidFill>
+                <a:latin typeface="Arial" panose="020B0604020202020204" pitchFamily="34" charset="0"/>
+                <a:cs typeface="Arial" panose="020B0604020202020204" pitchFamily="34" charset="0"/>
+              </a:rPr>
+              <a:t>DC Motor vs. ANN</a:t>
+            </a:r>
+            <a:endParaRPr lang="en-US" sz="2400" b="1" cap="none" dirty="0">
+              <a:solidFill>
+                <a:schemeClr val="bg1"/>
+              </a:solidFill>
+              <a:latin typeface="Arial" panose="020B0604020202020204" pitchFamily="34" charset="0"/>
+              <a:cs typeface="Arial" panose="020B0604020202020204" pitchFamily="34" charset="0"/>
+            </a:endParaRPr>
+          </a:p>
+        </p:txBody>
+      </p:sp>
+      <p:pic>
+        <p:nvPicPr>
+          <p:cNvPr id="3" name="Picture 2"/>
+          <p:cNvPicPr>
+            <a:picLocks noChangeAspect="1"/>
+          </p:cNvPicPr>
+          <p:nvPr/>
+        </p:nvPicPr>
+        <p:blipFill>
+          <a:blip r:embed="rId4">
+            <a:extLst>
+              <a:ext uri="{28A0092B-C50C-407E-A947-70E740481C1C}">
+                <a14:useLocalDpi xmlns:a14="http://schemas.microsoft.com/office/drawing/2010/main" val="0"/>
+              </a:ext>
+            </a:extLst>
+          </a:blip>
+          <a:stretch>
+            <a:fillRect/>
+          </a:stretch>
+        </p:blipFill>
+        <p:spPr>
+          <a:xfrm>
+            <a:off x="8611682" y="2209802"/>
+            <a:ext cx="2697652" cy="3603624"/>
+          </a:xfrm>
+          <a:prstGeom prst="rect">
+            <a:avLst/>
+          </a:prstGeom>
+        </p:spPr>
+      </p:pic>
+      <p:sp>
+        <p:nvSpPr>
+          <p:cNvPr id="4" name="Rectangle 3"/>
+          <p:cNvSpPr/>
+          <p:nvPr/>
+        </p:nvSpPr>
+        <p:spPr>
+          <a:xfrm>
+            <a:off x="3092013" y="3695700"/>
+            <a:ext cx="762000" cy="736600"/>
+          </a:xfrm>
+          <a:prstGeom prst="rect">
+            <a:avLst/>
+          </a:prstGeom>
+          <a:noFill/>
+          <a:ln w="19050">
+            <a:solidFill>
+              <a:schemeClr val="tx1"/>
+            </a:solidFill>
+            <a:prstDash val="sysDash"/>
+          </a:ln>
+        </p:spPr>
+        <p:style>
+          <a:lnRef idx="2">
+            <a:schemeClr val="accent1">
+              <a:shade val="50000"/>
+            </a:schemeClr>
+          </a:lnRef>
+          <a:fillRef idx="1">
+            <a:schemeClr val="accent1"/>
+          </a:fillRef>
+          <a:effectRef idx="0">
+            <a:schemeClr val="accent1"/>
+          </a:effectRef>
+          <a:fontRef idx="minor">
+            <a:schemeClr val="lt1"/>
+          </a:fontRef>
+        </p:style>
+        <p:txBody>
+          <a:bodyPr rtlCol="0" anchor="ctr"/>
+          <a:lstStyle/>
+          <a:p>
+            <a:pPr algn="ctr"/>
+            <a:endParaRPr lang="en-IN"/>
+          </a:p>
+        </p:txBody>
+      </p:sp>
+      <p:cxnSp>
+        <p:nvCxnSpPr>
+          <p:cNvPr id="6" name="Straight Arrow Connector 5"/>
+          <p:cNvCxnSpPr/>
+          <p:nvPr/>
+        </p:nvCxnSpPr>
+        <p:spPr>
+          <a:xfrm>
+            <a:off x="3854013" y="4076700"/>
+            <a:ext cx="4559300" cy="0"/>
+          </a:xfrm>
+          <a:prstGeom prst="straightConnector1">
+            <a:avLst/>
+          </a:prstGeom>
+          <a:ln w="19050">
+            <a:solidFill>
+              <a:schemeClr val="tx1"/>
+            </a:solidFill>
+            <a:tailEnd type="triangle"/>
+          </a:ln>
+        </p:spPr>
+        <p:style>
+          <a:lnRef idx="1">
+            <a:schemeClr val="accent1"/>
+          </a:lnRef>
+          <a:fillRef idx="0">
+            <a:schemeClr val="accent1"/>
+          </a:fillRef>
+          <a:effectRef idx="0">
+            <a:schemeClr val="accent1"/>
+          </a:effectRef>
+          <a:fontRef idx="minor">
+            <a:schemeClr val="tx1"/>
+          </a:fontRef>
+        </p:style>
+      </p:cxnSp>
+    </p:spTree>
+    <p:extLst>
+      <p:ext uri="{BB962C8B-B14F-4D97-AF65-F5344CB8AC3E}">
+        <p14:creationId xmlns:p14="http://schemas.microsoft.com/office/powerpoint/2010/main" val="1522132776"/>
+      </p:ext>
+    </p:extLst>
+  </p:cSld>
+  <p:clrMapOvr>
+    <a:masterClrMapping/>
+  </p:clrMapOvr>
+  <p:timing>
+    <p:tnLst>
+      <p:par>
+        <p:cTn id="1" dur="indefinite" restart="never" nodeType="tmRoot"/>
+      </p:par>
+    </p:tnLst>
+  </p:timing>
+</p:sld>
+</file>
+
+<file path=ppt/slides/slide13.xml><?xml version="1.0" encoding="utf-8"?>
+<p:sld xmlns:a="http://schemas.openxmlformats.org/drawingml/2006/main" xmlns:r="http://schemas.openxmlformats.org/officeDocument/2006/relationships" xmlns:p="http://schemas.openxmlformats.org/presentationml/2006/main">
+  <p:cSld>
+    <p:bg>
+      <p:bgPr>
+        <a:solidFill>
+          <a:schemeClr val="bg1"/>
+        </a:solidFill>
+        <a:effectLst/>
+      </p:bgPr>
+    </p:bg>
+    <p:spTree>
+      <p:nvGrpSpPr>
+        <p:cNvPr id="1" name=""/>
+        <p:cNvGrpSpPr/>
+        <p:nvPr/>
+      </p:nvGrpSpPr>
+      <p:grpSpPr>
+        <a:xfrm>
+          <a:off x="0" y="0"/>
+          <a:ext cx="0" cy="0"/>
+          <a:chOff x="0" y="0"/>
+          <a:chExt cx="0" cy="0"/>
+        </a:xfrm>
+      </p:grpSpPr>
+      <p:sp useBgFill="1">
+        <p:nvSpPr>
+          <p:cNvPr id="18" name="Rectangle 17">
+            <a:extLst>
+              <a:ext uri="{FF2B5EF4-FFF2-40B4-BE49-F238E27FC236}">
+                <a16:creationId xmlns:a16="http://schemas.microsoft.com/office/drawing/2014/main" id="{93F0ADB5-A0B4-4B01-A8C4-FDC34CE22BD4}"/>
+              </a:ext>
+              <a:ext uri="{C183D7F6-B498-43B3-948B-1728B52AA6E4}">
+                <adec:decorative xmlns="" xmlns:adec="http://schemas.microsoft.com/office/drawing/2017/decorative" val="1"/>
+              </a:ext>
+            </a:extLst>
+          </p:cNvPr>
+          <p:cNvSpPr>
+            <a:spLocks noGrp="1" noRot="1" noChangeAspect="1" noMove="1" noResize="1" noEditPoints="1" noAdjustHandles="1" noChangeArrowheads="1" noChangeShapeType="1" noTextEdit="1"/>
+          </p:cNvSpPr>
+          <p:nvPr>
+            <p:extLst>
+              <p:ext uri="{386F3935-93C4-4BCD-93E2-E3B085C9AB24}">
+                <p16:designElem xmlns:p16="http://schemas.microsoft.com/office/powerpoint/2015/main" val="1"/>
+              </p:ext>
+            </p:extLst>
+          </p:nvPr>
+        </p:nvSpPr>
+        <p:spPr>
+          <a:xfrm>
+            <a:off x="0" y="0"/>
+            <a:ext cx="12191999" cy="6858000"/>
+          </a:xfrm>
+          <a:prstGeom prst="rect">
+            <a:avLst/>
+          </a:prstGeom>
+          <a:ln>
+            <a:noFill/>
+          </a:ln>
+        </p:spPr>
+        <p:style>
+          <a:lnRef idx="2">
+            <a:schemeClr val="accent1">
+              <a:shade val="50000"/>
+            </a:schemeClr>
+          </a:lnRef>
+          <a:fillRef idx="1">
+            <a:schemeClr val="accent1"/>
+          </a:fillRef>
+          <a:effectRef idx="0">
+            <a:schemeClr val="accent1"/>
+          </a:effectRef>
+          <a:fontRef idx="minor">
+            <a:schemeClr val="lt1"/>
+          </a:fontRef>
+        </p:style>
+        <p:txBody>
+          <a:bodyPr rtlCol="0" anchor="ctr"/>
+          <a:lstStyle/>
+          <a:p>
+            <a:pPr algn="ctr"/>
+            <a:endParaRPr lang="en-US" dirty="0"/>
+          </a:p>
+        </p:txBody>
+      </p:sp>
+      <p:sp>
+        <p:nvSpPr>
+          <p:cNvPr id="20" name="Rectangle 19">
+            <a:extLst>
+              <a:ext uri="{FF2B5EF4-FFF2-40B4-BE49-F238E27FC236}">
+                <a16:creationId xmlns:a16="http://schemas.microsoft.com/office/drawing/2014/main" id="{AA6D0FDE-0241-4C21-A720-A69475358235}"/>
+              </a:ext>
+              <a:ext uri="{C183D7F6-B498-43B3-948B-1728B52AA6E4}">
+                <adec:decorative xmlns="" xmlns:adec="http://schemas.microsoft.com/office/drawing/2017/decorative" val="1"/>
+              </a:ext>
+            </a:extLst>
+          </p:cNvPr>
+          <p:cNvSpPr>
+            <a:spLocks noGrp="1" noRot="1" noChangeAspect="1" noMove="1" noResize="1" noEditPoints="1" noAdjustHandles="1" noChangeArrowheads="1" noChangeShapeType="1" noTextEdit="1"/>
+          </p:cNvSpPr>
+          <p:nvPr>
+            <p:extLst>
+              <p:ext uri="{386F3935-93C4-4BCD-93E2-E3B085C9AB24}">
+                <p16:designElem xmlns:p16="http://schemas.microsoft.com/office/powerpoint/2015/main" val="1"/>
+              </p:ext>
+            </p:extLst>
+          </p:nvPr>
+        </p:nvSpPr>
+        <p:spPr>
+          <a:xfrm>
+            <a:off x="0" y="0"/>
+            <a:ext cx="4654296" cy="6858000"/>
+          </a:xfrm>
+          <a:prstGeom prst="rect">
+            <a:avLst/>
+          </a:prstGeom>
+          <a:solidFill>
+            <a:schemeClr val="tx1">
+              <a:lumMod val="95000"/>
+              <a:lumOff val="5000"/>
+            </a:schemeClr>
+          </a:solidFill>
+          <a:ln>
+            <a:noFill/>
+          </a:ln>
+        </p:spPr>
+        <p:style>
+          <a:lnRef idx="0">
+            <a:scrgbClr r="0" g="0" b="0"/>
+          </a:lnRef>
+          <a:fillRef idx="0">
+            <a:scrgbClr r="0" g="0" b="0"/>
+          </a:fillRef>
+          <a:effectRef idx="0">
+            <a:scrgbClr r="0" g="0" b="0"/>
+          </a:effectRef>
+          <a:fontRef idx="minor">
+            <a:schemeClr val="lt1"/>
+          </a:fontRef>
+        </p:style>
+        <p:txBody>
+          <a:bodyPr rtlCol="0" anchor="ctr"/>
+          <a:lstStyle/>
+          <a:p>
+            <a:pPr algn="ctr"/>
+            <a:endParaRPr lang="en-US" dirty="0"/>
+          </a:p>
+        </p:txBody>
+      </p:sp>
+      <p:sp>
+        <p:nvSpPr>
+          <p:cNvPr id="21" name="Rectangle 20"/>
+          <p:cNvSpPr/>
+          <p:nvPr/>
+        </p:nvSpPr>
+        <p:spPr>
+          <a:xfrm>
+            <a:off x="0" y="0"/>
+            <a:ext cx="6096000" cy="6858000"/>
+          </a:xfrm>
+          <a:prstGeom prst="rect">
+            <a:avLst/>
+          </a:prstGeom>
+          <a:solidFill>
+            <a:schemeClr val="bg1"/>
+          </a:solidFill>
+          <a:ln>
+            <a:noFill/>
+          </a:ln>
+        </p:spPr>
+        <p:style>
+          <a:lnRef idx="2">
+            <a:schemeClr val="accent1">
+              <a:shade val="50000"/>
+            </a:schemeClr>
+          </a:lnRef>
+          <a:fillRef idx="1">
+            <a:schemeClr val="accent1"/>
+          </a:fillRef>
+          <a:effectRef idx="0">
+            <a:schemeClr val="accent1"/>
+          </a:effectRef>
+          <a:fontRef idx="minor">
+            <a:schemeClr val="lt1"/>
+          </a:fontRef>
+        </p:style>
+        <p:txBody>
+          <a:bodyPr rtlCol="0" anchor="ctr"/>
+          <a:lstStyle/>
+          <a:p>
+            <a:pPr algn="ctr"/>
+            <a:endParaRPr lang="en-IN"/>
+          </a:p>
+        </p:txBody>
+      </p:sp>
+      <p:sp>
+        <p:nvSpPr>
+          <p:cNvPr id="11" name="Rectangle 10"/>
+          <p:cNvSpPr/>
+          <p:nvPr/>
+        </p:nvSpPr>
+        <p:spPr>
+          <a:xfrm>
+            <a:off x="0" y="0"/>
+            <a:ext cx="12193590" cy="1117600"/>
+          </a:xfrm>
+          <a:prstGeom prst="rect">
+            <a:avLst/>
+          </a:prstGeom>
+          <a:solidFill>
+            <a:schemeClr val="tx1"/>
+          </a:solidFill>
+          <a:ln>
+            <a:noFill/>
+          </a:ln>
+        </p:spPr>
+        <p:style>
+          <a:lnRef idx="2">
+            <a:schemeClr val="accent1">
+              <a:shade val="50000"/>
+            </a:schemeClr>
+          </a:lnRef>
+          <a:fillRef idx="1">
+            <a:schemeClr val="accent1"/>
+          </a:fillRef>
+          <a:effectRef idx="0">
+            <a:schemeClr val="accent1"/>
+          </a:effectRef>
+          <a:fontRef idx="minor">
+            <a:schemeClr val="lt1"/>
+          </a:fontRef>
+        </p:style>
+        <p:txBody>
+          <a:bodyPr rtlCol="0" anchor="ctr"/>
+          <a:lstStyle/>
+          <a:p>
+            <a:pPr algn="ctr"/>
+            <a:endParaRPr lang="en-IN" dirty="0"/>
+          </a:p>
+        </p:txBody>
+      </p:sp>
+      <p:sp>
+        <p:nvSpPr>
+          <p:cNvPr id="12" name="Title 1">
+            <a:extLst>
+              <a:ext uri="{FF2B5EF4-FFF2-40B4-BE49-F238E27FC236}">
+                <a16:creationId xmlns:a16="http://schemas.microsoft.com/office/drawing/2014/main" id="{050E78D6-F072-48E7-8270-20EFBDD26F36}"/>
+              </a:ext>
+            </a:extLst>
+          </p:cNvPr>
+          <p:cNvSpPr txBox="1">
+            <a:spLocks/>
+          </p:cNvSpPr>
+          <p:nvPr/>
+        </p:nvSpPr>
+        <p:spPr bwMode="black">
+          <a:xfrm>
+            <a:off x="3599543" y="0"/>
+            <a:ext cx="4992914" cy="1117600"/>
+          </a:xfrm>
+          <a:prstGeom prst="rect">
+            <a:avLst/>
+          </a:prstGeom>
+          <a:noFill/>
+          <a:ln w="31750" cap="sq">
+            <a:noFill/>
+            <a:miter lim="800000"/>
+          </a:ln>
+          <a:effectLst/>
+        </p:spPr>
+        <p:txBody>
+          <a:bodyPr vert="horz" lIns="182880" tIns="182880" rIns="182880" bIns="182880" rtlCol="0" anchor="ctr">
+            <a:normAutofit/>
+          </a:bodyPr>
+          <a:lstStyle>
+            <a:lvl1pPr algn="ctr" defTabSz="914400" rtl="0" eaLnBrk="1" latinLnBrk="0" hangingPunct="1">
+              <a:lnSpc>
+                <a:spcPct val="90000"/>
+              </a:lnSpc>
+              <a:spcBef>
+                <a:spcPct val="0"/>
+              </a:spcBef>
+              <a:buNone/>
+              <a:defRPr sz="2800" kern="1200" cap="all" spc="200" baseline="0">
+                <a:solidFill>
+                  <a:srgbClr val="262626"/>
+                </a:solidFill>
+                <a:latin typeface="+mj-lt"/>
+                <a:ea typeface="+mj-ea"/>
+                <a:cs typeface="+mj-cs"/>
+              </a:defRPr>
+            </a:lvl1pPr>
+          </a:lstStyle>
+          <a:p>
+            <a:r>
+              <a:rPr lang="en-US" sz="3200" b="1" cap="none" dirty="0" smtClean="0">
+                <a:solidFill>
+                  <a:schemeClr val="bg1"/>
+                </a:solidFill>
+                <a:latin typeface="Arial" panose="020B0604020202020204" pitchFamily="34" charset="0"/>
+                <a:cs typeface="Arial" panose="020B0604020202020204" pitchFamily="34" charset="0"/>
+              </a:rPr>
+              <a:t>ROBUSTNESS</a:t>
+            </a:r>
+            <a:endParaRPr lang="en-US" sz="2400" b="1" cap="none" dirty="0">
+              <a:solidFill>
+                <a:schemeClr val="bg1"/>
+              </a:solidFill>
+              <a:latin typeface="Arial" panose="020B0604020202020204" pitchFamily="34" charset="0"/>
+              <a:cs typeface="Arial" panose="020B0604020202020204" pitchFamily="34" charset="0"/>
+            </a:endParaRPr>
+          </a:p>
+        </p:txBody>
+      </p:sp>
+      <p:pic>
+        <p:nvPicPr>
+          <p:cNvPr id="8" name="Picture 7"/>
+          <p:cNvPicPr>
+            <a:picLocks noChangeAspect="1"/>
+          </p:cNvPicPr>
+          <p:nvPr/>
+        </p:nvPicPr>
+        <p:blipFill>
+          <a:blip r:embed="rId3">
+            <a:extLst>
+              <a:ext uri="{28A0092B-C50C-407E-A947-70E740481C1C}">
+                <a14:useLocalDpi xmlns:a14="http://schemas.microsoft.com/office/drawing/2010/main" val="0"/>
+              </a:ext>
+            </a:extLst>
+          </a:blip>
+          <a:stretch>
+            <a:fillRect/>
+          </a:stretch>
+        </p:blipFill>
+        <p:spPr>
+          <a:xfrm>
+            <a:off x="1282699" y="1658670"/>
+            <a:ext cx="9626600" cy="4658260"/>
+          </a:xfrm>
+          <a:prstGeom prst="rect">
+            <a:avLst/>
+          </a:prstGeom>
+        </p:spPr>
+      </p:pic>
+    </p:spTree>
+    <p:extLst>
+      <p:ext uri="{BB962C8B-B14F-4D97-AF65-F5344CB8AC3E}">
+        <p14:creationId xmlns:p14="http://schemas.microsoft.com/office/powerpoint/2010/main" val="3703455408"/>
+      </p:ext>
+    </p:extLst>
+  </p:cSld>
+  <p:clrMapOvr>
+    <a:masterClrMapping/>
+  </p:clrMapOvr>
+  <p:timing>
+    <p:tnLst>
+      <p:par>
+        <p:cTn id="1" dur="indefinite" restart="never" nodeType="tmRoot"/>
+      </p:par>
+    </p:tnLst>
+  </p:timing>
+</p:sld>
+</file>
+
+<file path=ppt/slides/slide14.xml><?xml version="1.0" encoding="utf-8"?>
+<p:sld xmlns:a="http://schemas.openxmlformats.org/drawingml/2006/main" xmlns:r="http://schemas.openxmlformats.org/officeDocument/2006/relationships" xmlns:p="http://schemas.openxmlformats.org/presentationml/2006/main">
+  <p:cSld>
+    <p:bg>
+      <p:bgPr>
+        <a:solidFill>
+          <a:schemeClr val="bg1"/>
+        </a:solidFill>
+        <a:effectLst/>
+      </p:bgPr>
+    </p:bg>
+    <p:spTree>
+      <p:nvGrpSpPr>
+        <p:cNvPr id="1" name=""/>
+        <p:cNvGrpSpPr/>
+        <p:nvPr/>
+      </p:nvGrpSpPr>
+      <p:grpSpPr>
+        <a:xfrm>
+          <a:off x="0" y="0"/>
+          <a:ext cx="0" cy="0"/>
+          <a:chOff x="0" y="0"/>
+          <a:chExt cx="0" cy="0"/>
+        </a:xfrm>
+      </p:grpSpPr>
+      <p:sp useBgFill="1">
+        <p:nvSpPr>
+          <p:cNvPr id="18" name="Rectangle 17">
+            <a:extLst>
+              <a:ext uri="{FF2B5EF4-FFF2-40B4-BE49-F238E27FC236}">
+                <a16:creationId xmlns:a16="http://schemas.microsoft.com/office/drawing/2014/main" id="{93F0ADB5-A0B4-4B01-A8C4-FDC34CE22BD4}"/>
+              </a:ext>
+              <a:ext uri="{C183D7F6-B498-43B3-948B-1728B52AA6E4}">
+                <adec:decorative xmlns="" xmlns:adec="http://schemas.microsoft.com/office/drawing/2017/decorative" val="1"/>
+              </a:ext>
+            </a:extLst>
+          </p:cNvPr>
+          <p:cNvSpPr>
+            <a:spLocks noGrp="1" noRot="1" noChangeAspect="1" noMove="1" noResize="1" noEditPoints="1" noAdjustHandles="1" noChangeArrowheads="1" noChangeShapeType="1" noTextEdit="1"/>
+          </p:cNvSpPr>
+          <p:nvPr>
+            <p:extLst>
+              <p:ext uri="{386F3935-93C4-4BCD-93E2-E3B085C9AB24}">
+                <p16:designElem xmlns:p16="http://schemas.microsoft.com/office/powerpoint/2015/main" val="1"/>
+              </p:ext>
+            </p:extLst>
+          </p:nvPr>
+        </p:nvSpPr>
+        <p:spPr>
+          <a:xfrm>
+            <a:off x="0" y="0"/>
+            <a:ext cx="12191999" cy="6858000"/>
+          </a:xfrm>
+          <a:prstGeom prst="rect">
+            <a:avLst/>
+          </a:prstGeom>
+          <a:ln>
+            <a:noFill/>
+          </a:ln>
+        </p:spPr>
+        <p:style>
+          <a:lnRef idx="2">
+            <a:schemeClr val="accent1">
+              <a:shade val="50000"/>
+            </a:schemeClr>
+          </a:lnRef>
+          <a:fillRef idx="1">
+            <a:schemeClr val="accent1"/>
+          </a:fillRef>
+          <a:effectRef idx="0">
+            <a:schemeClr val="accent1"/>
+          </a:effectRef>
+          <a:fontRef idx="minor">
+            <a:schemeClr val="lt1"/>
+          </a:fontRef>
+        </p:style>
+        <p:txBody>
+          <a:bodyPr rtlCol="0" anchor="ctr"/>
+          <a:lstStyle/>
+          <a:p>
+            <a:pPr algn="ctr"/>
+            <a:endParaRPr lang="en-US" dirty="0"/>
+          </a:p>
+        </p:txBody>
+      </p:sp>
+      <p:sp>
+        <p:nvSpPr>
+          <p:cNvPr id="20" name="Rectangle 19">
+            <a:extLst>
+              <a:ext uri="{FF2B5EF4-FFF2-40B4-BE49-F238E27FC236}">
+                <a16:creationId xmlns:a16="http://schemas.microsoft.com/office/drawing/2014/main" id="{AA6D0FDE-0241-4C21-A720-A69475358235}"/>
+              </a:ext>
+              <a:ext uri="{C183D7F6-B498-43B3-948B-1728B52AA6E4}">
+                <adec:decorative xmlns="" xmlns:adec="http://schemas.microsoft.com/office/drawing/2017/decorative" val="1"/>
+              </a:ext>
+            </a:extLst>
+          </p:cNvPr>
+          <p:cNvSpPr>
+            <a:spLocks noGrp="1" noRot="1" noChangeAspect="1" noMove="1" noResize="1" noEditPoints="1" noAdjustHandles="1" noChangeArrowheads="1" noChangeShapeType="1" noTextEdit="1"/>
+          </p:cNvSpPr>
+          <p:nvPr>
+            <p:extLst>
+              <p:ext uri="{386F3935-93C4-4BCD-93E2-E3B085C9AB24}">
+                <p16:designElem xmlns:p16="http://schemas.microsoft.com/office/powerpoint/2015/main" val="1"/>
+              </p:ext>
+            </p:extLst>
+          </p:nvPr>
+        </p:nvSpPr>
+        <p:spPr>
+          <a:xfrm>
+            <a:off x="0" y="0"/>
+            <a:ext cx="4654296" cy="6858000"/>
+          </a:xfrm>
+          <a:prstGeom prst="rect">
+            <a:avLst/>
+          </a:prstGeom>
+          <a:solidFill>
+            <a:schemeClr val="tx1">
+              <a:lumMod val="95000"/>
+              <a:lumOff val="5000"/>
+            </a:schemeClr>
+          </a:solidFill>
+          <a:ln>
+            <a:noFill/>
+          </a:ln>
+        </p:spPr>
+        <p:style>
+          <a:lnRef idx="0">
+            <a:scrgbClr r="0" g="0" b="0"/>
+          </a:lnRef>
+          <a:fillRef idx="0">
+            <a:scrgbClr r="0" g="0" b="0"/>
+          </a:fillRef>
+          <a:effectRef idx="0">
+            <a:scrgbClr r="0" g="0" b="0"/>
+          </a:effectRef>
+          <a:fontRef idx="minor">
+            <a:schemeClr val="lt1"/>
+          </a:fontRef>
+        </p:style>
+        <p:txBody>
+          <a:bodyPr rtlCol="0" anchor="ctr"/>
+          <a:lstStyle/>
+          <a:p>
+            <a:pPr algn="ctr"/>
+            <a:endParaRPr lang="en-US" dirty="0"/>
+          </a:p>
+        </p:txBody>
+      </p:sp>
+      <p:sp>
+        <p:nvSpPr>
+          <p:cNvPr id="21" name="Rectangle 20"/>
+          <p:cNvSpPr/>
+          <p:nvPr/>
+        </p:nvSpPr>
+        <p:spPr>
+          <a:xfrm>
+            <a:off x="0" y="0"/>
+            <a:ext cx="6096000" cy="6858000"/>
+          </a:xfrm>
+          <a:prstGeom prst="rect">
+            <a:avLst/>
+          </a:prstGeom>
+          <a:solidFill>
+            <a:schemeClr val="bg1"/>
+          </a:solidFill>
+          <a:ln>
+            <a:noFill/>
+          </a:ln>
+        </p:spPr>
+        <p:style>
+          <a:lnRef idx="2">
+            <a:schemeClr val="accent1">
+              <a:shade val="50000"/>
+            </a:schemeClr>
+          </a:lnRef>
+          <a:fillRef idx="1">
+            <a:schemeClr val="accent1"/>
+          </a:fillRef>
+          <a:effectRef idx="0">
+            <a:schemeClr val="accent1"/>
+          </a:effectRef>
+          <a:fontRef idx="minor">
+            <a:schemeClr val="lt1"/>
+          </a:fontRef>
+        </p:style>
+        <p:txBody>
+          <a:bodyPr rtlCol="0" anchor="ctr"/>
+          <a:lstStyle/>
+          <a:p>
+            <a:pPr algn="ctr"/>
+            <a:endParaRPr lang="en-IN"/>
+          </a:p>
+        </p:txBody>
+      </p:sp>
+      <p:pic>
+        <p:nvPicPr>
+          <p:cNvPr id="11" name="Picture 4" descr="Gentle introduction to Genetic Algorithm - njkhanh">
+            <a:extLst>
+              <a:ext uri="{FF2B5EF4-FFF2-40B4-BE49-F238E27FC236}">
+                <a16:creationId xmlns:a16="http://schemas.microsoft.com/office/drawing/2014/main" id="{EDCBFD45-546A-6C1F-77BE-6EF1E4989735}"/>
+              </a:ext>
+            </a:extLst>
+          </p:cNvPr>
+          <p:cNvPicPr>
+            <a:picLocks noChangeAspect="1" noChangeArrowheads="1"/>
+          </p:cNvPicPr>
+          <p:nvPr/>
+        </p:nvPicPr>
+        <p:blipFill rotWithShape="1">
+          <a:blip r:embed="rId3">
+            <a:extLst>
+              <a:ext uri="{28A0092B-C50C-407E-A947-70E740481C1C}">
+                <a14:useLocalDpi xmlns:a14="http://schemas.microsoft.com/office/drawing/2010/main" val="0"/>
+              </a:ext>
+            </a:extLst>
+          </a:blip>
+          <a:srcRect l="1292" t="2525" r="1603" b="2867"/>
+          <a:stretch/>
+        </p:blipFill>
+        <p:spPr bwMode="auto">
+          <a:xfrm>
+            <a:off x="1722276" y="1287497"/>
+            <a:ext cx="8971124" cy="4689406"/>
+          </a:xfrm>
+          <a:prstGeom prst="rect">
+            <a:avLst/>
+          </a:prstGeom>
+          <a:noFill/>
+          <a:extLst>
+            <a:ext uri="{909E8E84-426E-40DD-AFC4-6F175D3DCCD1}">
+              <a14:hiddenFill xmlns:a14="http://schemas.microsoft.com/office/drawing/2010/main">
+                <a:solidFill>
+                  <a:srgbClr val="FFFFFF"/>
+                </a:solidFill>
+              </a14:hiddenFill>
+            </a:ext>
+          </a:extLst>
+        </p:spPr>
+      </p:pic>
+    </p:spTree>
+    <p:extLst>
+      <p:ext uri="{BB962C8B-B14F-4D97-AF65-F5344CB8AC3E}">
+        <p14:creationId xmlns:p14="http://schemas.microsoft.com/office/powerpoint/2010/main" val="3734248549"/>
+      </p:ext>
+    </p:extLst>
+  </p:cSld>
+  <p:clrMapOvr>
+    <a:masterClrMapping/>
+  </p:clrMapOvr>
+  <p:timing>
+    <p:tnLst>
+      <p:par>
+        <p:cTn id="1" dur="indefinite" restart="never" nodeType="tmRoot"/>
+      </p:par>
+    </p:tnLst>
+  </p:timing>
+</p:sld>
+</file>
+
 <file path=ppt/slides/slide2.xml><?xml version="1.0" encoding="utf-8"?>
+<p:sld xmlns:a="http://schemas.openxmlformats.org/drawingml/2006/main" xmlns:r="http://schemas.openxmlformats.org/officeDocument/2006/relationships" xmlns:p="http://schemas.openxmlformats.org/presentationml/2006/main">
+  <p:cSld>
+    <p:bg>
+      <p:bgPr>
+        <a:solidFill>
+          <a:schemeClr val="bg1"/>
+        </a:solidFill>
+        <a:effectLst/>
+      </p:bgPr>
+    </p:bg>
+    <p:spTree>
+      <p:nvGrpSpPr>
+        <p:cNvPr id="1" name=""/>
+        <p:cNvGrpSpPr/>
+        <p:nvPr/>
+      </p:nvGrpSpPr>
+      <p:grpSpPr>
+        <a:xfrm>
+          <a:off x="0" y="0"/>
+          <a:ext cx="0" cy="0"/>
+          <a:chOff x="0" y="0"/>
+          <a:chExt cx="0" cy="0"/>
+        </a:xfrm>
+      </p:grpSpPr>
+      <p:sp useBgFill="1">
+        <p:nvSpPr>
+          <p:cNvPr id="10" name="Rectangle 9">
+            <a:extLst>
+              <a:ext uri="{FF2B5EF4-FFF2-40B4-BE49-F238E27FC236}">
+                <a16:creationId xmlns:a16="http://schemas.microsoft.com/office/drawing/2014/main" id="{93F0ADB5-A0B4-4B01-A8C4-FDC34CE22BD4}"/>
+              </a:ext>
+              <a:ext uri="{C183D7F6-B498-43B3-948B-1728B52AA6E4}">
+                <adec:decorative xmlns="" xmlns:adec="http://schemas.microsoft.com/office/drawing/2017/decorative" val="1"/>
+              </a:ext>
+            </a:extLst>
+          </p:cNvPr>
+          <p:cNvSpPr>
+            <a:spLocks noGrp="1" noRot="1" noChangeAspect="1" noMove="1" noResize="1" noEditPoints="1" noAdjustHandles="1" noChangeArrowheads="1" noChangeShapeType="1" noTextEdit="1"/>
+          </p:cNvSpPr>
+          <p:nvPr>
+            <p:extLst>
+              <p:ext uri="{386F3935-93C4-4BCD-93E2-E3B085C9AB24}">
+                <p16:designElem xmlns:p16="http://schemas.microsoft.com/office/powerpoint/2015/main" val="1"/>
+              </p:ext>
+            </p:extLst>
+          </p:nvPr>
+        </p:nvSpPr>
+        <p:spPr>
+          <a:xfrm>
+            <a:off x="0" y="0"/>
+            <a:ext cx="12191999" cy="6858000"/>
+          </a:xfrm>
+          <a:prstGeom prst="rect">
+            <a:avLst/>
+          </a:prstGeom>
+          <a:ln>
+            <a:noFill/>
+          </a:ln>
+        </p:spPr>
+        <p:style>
+          <a:lnRef idx="2">
+            <a:schemeClr val="accent1">
+              <a:shade val="50000"/>
+            </a:schemeClr>
+          </a:lnRef>
+          <a:fillRef idx="1">
+            <a:schemeClr val="accent1"/>
+          </a:fillRef>
+          <a:effectRef idx="0">
+            <a:schemeClr val="accent1"/>
+          </a:effectRef>
+          <a:fontRef idx="minor">
+            <a:schemeClr val="lt1"/>
+          </a:fontRef>
+        </p:style>
+        <p:txBody>
+          <a:bodyPr rtlCol="0" anchor="ctr"/>
+          <a:lstStyle/>
+          <a:p>
+            <a:pPr algn="ctr"/>
+            <a:endParaRPr lang="en-US" dirty="0"/>
+          </a:p>
+        </p:txBody>
+      </p:sp>
+      <p:sp>
+        <p:nvSpPr>
+          <p:cNvPr id="12" name="Rectangle 11">
+            <a:extLst>
+              <a:ext uri="{FF2B5EF4-FFF2-40B4-BE49-F238E27FC236}">
+                <a16:creationId xmlns:a16="http://schemas.microsoft.com/office/drawing/2014/main" id="{AA6D0FDE-0241-4C21-A720-A69475358235}"/>
+              </a:ext>
+              <a:ext uri="{C183D7F6-B498-43B3-948B-1728B52AA6E4}">
+                <adec:decorative xmlns="" xmlns:adec="http://schemas.microsoft.com/office/drawing/2017/decorative" val="1"/>
+              </a:ext>
+            </a:extLst>
+          </p:cNvPr>
+          <p:cNvSpPr>
+            <a:spLocks noGrp="1" noRot="1" noChangeAspect="1" noMove="1" noResize="1" noEditPoints="1" noAdjustHandles="1" noChangeArrowheads="1" noChangeShapeType="1" noTextEdit="1"/>
+          </p:cNvSpPr>
+          <p:nvPr>
+            <p:extLst>
+              <p:ext uri="{386F3935-93C4-4BCD-93E2-E3B085C9AB24}">
+                <p16:designElem xmlns:p16="http://schemas.microsoft.com/office/powerpoint/2015/main" val="1"/>
+              </p:ext>
+            </p:extLst>
+          </p:nvPr>
+        </p:nvSpPr>
+        <p:spPr>
+          <a:xfrm>
+            <a:off x="0" y="0"/>
+            <a:ext cx="4654296" cy="6858000"/>
+          </a:xfrm>
+          <a:prstGeom prst="rect">
+            <a:avLst/>
+          </a:prstGeom>
+          <a:solidFill>
+            <a:schemeClr val="tx1">
+              <a:lumMod val="95000"/>
+              <a:lumOff val="5000"/>
+            </a:schemeClr>
+          </a:solidFill>
+          <a:ln>
+            <a:noFill/>
+          </a:ln>
+        </p:spPr>
+        <p:style>
+          <a:lnRef idx="0">
+            <a:scrgbClr r="0" g="0" b="0"/>
+          </a:lnRef>
+          <a:fillRef idx="0">
+            <a:scrgbClr r="0" g="0" b="0"/>
+          </a:fillRef>
+          <a:effectRef idx="0">
+            <a:scrgbClr r="0" g="0" b="0"/>
+          </a:effectRef>
+          <a:fontRef idx="minor">
+            <a:schemeClr val="lt1"/>
+          </a:fontRef>
+        </p:style>
+        <p:txBody>
+          <a:bodyPr rtlCol="0" anchor="ctr"/>
+          <a:lstStyle/>
+          <a:p>
+            <a:pPr algn="ctr"/>
+            <a:endParaRPr lang="en-US" dirty="0"/>
+          </a:p>
+        </p:txBody>
+      </p:sp>
+      <p:sp>
+        <p:nvSpPr>
+          <p:cNvPr id="11" name="Rectangle 10"/>
+          <p:cNvSpPr/>
+          <p:nvPr/>
+        </p:nvSpPr>
+        <p:spPr>
+          <a:xfrm>
+            <a:off x="0" y="0"/>
+            <a:ext cx="6096000" cy="6858000"/>
+          </a:xfrm>
+          <a:prstGeom prst="rect">
+            <a:avLst/>
+          </a:prstGeom>
+          <a:solidFill>
+            <a:schemeClr val="bg1"/>
+          </a:solidFill>
+          <a:ln>
+            <a:noFill/>
+          </a:ln>
+        </p:spPr>
+        <p:style>
+          <a:lnRef idx="2">
+            <a:schemeClr val="accent1">
+              <a:shade val="50000"/>
+            </a:schemeClr>
+          </a:lnRef>
+          <a:fillRef idx="1">
+            <a:schemeClr val="accent1"/>
+          </a:fillRef>
+          <a:effectRef idx="0">
+            <a:schemeClr val="accent1"/>
+          </a:effectRef>
+          <a:fontRef idx="minor">
+            <a:schemeClr val="lt1"/>
+          </a:fontRef>
+        </p:style>
+        <p:txBody>
+          <a:bodyPr rtlCol="0" anchor="ctr"/>
+          <a:lstStyle/>
+          <a:p>
+            <a:pPr algn="ctr"/>
+            <a:endParaRPr lang="en-IN"/>
+          </a:p>
+        </p:txBody>
+      </p:sp>
+      <p:pic>
+        <p:nvPicPr>
+          <p:cNvPr id="2" name="Picture 1"/>
+          <p:cNvPicPr>
+            <a:picLocks noChangeAspect="1"/>
+          </p:cNvPicPr>
+          <p:nvPr/>
+        </p:nvPicPr>
+        <p:blipFill>
+          <a:blip r:embed="rId3"/>
+          <a:stretch>
+            <a:fillRect/>
+          </a:stretch>
+        </p:blipFill>
+        <p:spPr>
+          <a:xfrm>
+            <a:off x="722195" y="1676400"/>
+            <a:ext cx="10950810" cy="3505200"/>
+          </a:xfrm>
+          <a:prstGeom prst="rect">
+            <a:avLst/>
+          </a:prstGeom>
+        </p:spPr>
+      </p:pic>
+    </p:spTree>
+    <p:extLst>
+      <p:ext uri="{BB962C8B-B14F-4D97-AF65-F5344CB8AC3E}">
+        <p14:creationId xmlns:p14="http://schemas.microsoft.com/office/powerpoint/2010/main" val="3424314505"/>
+      </p:ext>
+    </p:extLst>
+  </p:cSld>
+  <p:clrMapOvr>
+    <a:masterClrMapping/>
+  </p:clrMapOvr>
+  <p:timing>
+    <p:tnLst>
+      <p:par>
+        <p:cTn id="1" dur="indefinite" restart="never" nodeType="tmRoot"/>
+      </p:par>
+    </p:tnLst>
+  </p:timing>
+</p:sld>
+</file>
+
+<file path=ppt/slides/slide3.xml><?xml version="1.0" encoding="utf-8"?>
 <p:sld xmlns:a="http://schemas.openxmlformats.org/drawingml/2006/main" xmlns:r="http://schemas.openxmlformats.org/officeDocument/2006/relationships" xmlns:p="http://schemas.openxmlformats.org/presentationml/2006/main">
   <p:cSld>
     <p:bg>
@@ -4910,7 +7676,7 @@
                 <a16:creationId xmlns:a16="http://schemas.microsoft.com/office/drawing/2014/main" id="{6981E6A2-4656-4CFE-9BF4-39D81EE2CA9B}"/>
               </a:ext>
               <a:ext uri="{C183D7F6-B498-43B3-948B-1728B52AA6E4}">
-                <adec:decorative xmlns:adec="http://schemas.microsoft.com/office/drawing/2017/decorative" xmlns="" val="1"/>
+                <adec:decorative xmlns="" xmlns:adec="http://schemas.microsoft.com/office/drawing/2017/decorative" val="1"/>
               </a:ext>
             </a:extLst>
           </p:cNvPr>
@@ -5153,7 +7919,7 @@
         </p:nvSpPr>
         <p:spPr>
           <a:xfrm>
-            <a:off x="2496457" y="1553608"/>
+            <a:off x="1945709" y="1553608"/>
             <a:ext cx="7199086" cy="5016758"/>
           </a:xfrm>
           <a:prstGeom prst="rect">
@@ -5185,6 +7951,14 @@
               </a:rPr>
               <a:t>AI vs. ML</a:t>
             </a:r>
+            <a:endParaRPr lang="en-IN" sz="3200" dirty="0" smtClean="0">
+              <a:solidFill>
+                <a:schemeClr val="bg1">
+                  <a:lumMod val="95000"/>
+                  <a:lumOff val="5000"/>
+                </a:schemeClr>
+              </a:solidFill>
+            </a:endParaRPr>
           </a:p>
           <a:p>
             <a:pPr marL="457200" indent="-457200">
@@ -5203,7 +7977,18 @@
                   </a:schemeClr>
                 </a:solidFill>
               </a:rPr>
-              <a:t>History of AI</a:t>
+              <a:t>Interesting history </a:t>
+            </a:r>
+            <a:r>
+              <a:rPr lang="en-IN" sz="3200" dirty="0" smtClean="0">
+                <a:solidFill>
+                  <a:schemeClr val="bg1">
+                    <a:lumMod val="95000"/>
+                    <a:lumOff val="5000"/>
+                  </a:schemeClr>
+                </a:solidFill>
+              </a:rPr>
+              <a:t>of AI</a:t>
             </a:r>
           </a:p>
           <a:p>
@@ -5223,8 +8008,27 @@
                   </a:schemeClr>
                 </a:solidFill>
               </a:rPr>
-              <a:t>ML for Motor Control?</a:t>
+              <a:t>ML </a:t>
             </a:r>
+            <a:r>
+              <a:rPr lang="en-IN" sz="3200" dirty="0" smtClean="0">
+                <a:solidFill>
+                  <a:schemeClr val="bg1">
+                    <a:lumMod val="95000"/>
+                    <a:lumOff val="5000"/>
+                  </a:schemeClr>
+                </a:solidFill>
+              </a:rPr>
+              <a:t>for Motor Control</a:t>
+            </a:r>
+            <a:endParaRPr lang="en-IN" sz="3200" dirty="0" smtClean="0">
+              <a:solidFill>
+                <a:schemeClr val="bg1">
+                  <a:lumMod val="95000"/>
+                  <a:lumOff val="5000"/>
+                </a:schemeClr>
+              </a:solidFill>
+            </a:endParaRPr>
           </a:p>
           <a:p>
             <a:pPr marL="457200" indent="-457200">
@@ -5278,474 +8082,14 @@
   <p:clrMapOvr>
     <a:masterClrMapping/>
   </p:clrMapOvr>
-  <mc:AlternateContent xmlns:mc="http://schemas.openxmlformats.org/markup-compatibility/2006">
-    <mc:Choice xmlns:p14="http://schemas.microsoft.com/office/powerpoint/2010/main" Requires="p14">
+  <mc:AlternateContent xmlns:mc="http://schemas.openxmlformats.org/markup-compatibility/2006" xmlns:p14="http://schemas.microsoft.com/office/powerpoint/2010/main">
+    <mc:Choice Requires="p14">
       <p:transition spd="slow" p14:dur="2000"/>
     </mc:Choice>
-    <mc:Fallback>
+    <mc:Fallback xmlns="">
       <p:transition spd="slow"/>
     </mc:Fallback>
   </mc:AlternateContent>
-  <p:timing>
-    <p:tnLst>
-      <p:par>
-        <p:cTn id="1" dur="indefinite" restart="never" nodeType="tmRoot"/>
-      </p:par>
-    </p:tnLst>
-  </p:timing>
-</p:sld>
-</file>
-
-<file path=ppt/slides/slide3.xml><?xml version="1.0" encoding="utf-8"?>
-<p:sld xmlns:a="http://schemas.openxmlformats.org/drawingml/2006/main" xmlns:r="http://schemas.openxmlformats.org/officeDocument/2006/relationships" xmlns:p="http://schemas.openxmlformats.org/presentationml/2006/main">
-  <p:cSld>
-    <p:bg>
-      <p:bgPr>
-        <a:solidFill>
-          <a:schemeClr val="bg1"/>
-        </a:solidFill>
-        <a:effectLst/>
-      </p:bgPr>
-    </p:bg>
-    <p:spTree>
-      <p:nvGrpSpPr>
-        <p:cNvPr id="1" name=""/>
-        <p:cNvGrpSpPr/>
-        <p:nvPr/>
-      </p:nvGrpSpPr>
-      <p:grpSpPr>
-        <a:xfrm>
-          <a:off x="0" y="0"/>
-          <a:ext cx="0" cy="0"/>
-          <a:chOff x="0" y="0"/>
-          <a:chExt cx="0" cy="0"/>
-        </a:xfrm>
-      </p:grpSpPr>
-      <p:sp useBgFill="1">
-        <p:nvSpPr>
-          <p:cNvPr id="18" name="Rectangle 17">
-            <a:extLst>
-              <a:ext uri="{FF2B5EF4-FFF2-40B4-BE49-F238E27FC236}">
-                <a16:creationId xmlns:a16="http://schemas.microsoft.com/office/drawing/2014/main" id="{93F0ADB5-A0B4-4B01-A8C4-FDC34CE22BD4}"/>
-              </a:ext>
-              <a:ext uri="{C183D7F6-B498-43B3-948B-1728B52AA6E4}">
-                <adec:decorative xmlns:adec="http://schemas.microsoft.com/office/drawing/2017/decorative" xmlns="" val="1"/>
-              </a:ext>
-            </a:extLst>
-          </p:cNvPr>
-          <p:cNvSpPr>
-            <a:spLocks noGrp="1" noRot="1" noChangeAspect="1" noMove="1" noResize="1" noEditPoints="1" noAdjustHandles="1" noChangeArrowheads="1" noChangeShapeType="1" noTextEdit="1"/>
-          </p:cNvSpPr>
-          <p:nvPr>
-            <p:extLst>
-              <p:ext uri="{386F3935-93C4-4BCD-93E2-E3B085C9AB24}">
-                <p16:designElem xmlns:p16="http://schemas.microsoft.com/office/powerpoint/2015/main" val="1"/>
-              </p:ext>
-            </p:extLst>
-          </p:nvPr>
-        </p:nvSpPr>
-        <p:spPr>
-          <a:xfrm>
-            <a:off x="0" y="0"/>
-            <a:ext cx="12191999" cy="6858000"/>
-          </a:xfrm>
-          <a:prstGeom prst="rect">
-            <a:avLst/>
-          </a:prstGeom>
-          <a:ln>
-            <a:noFill/>
-          </a:ln>
-        </p:spPr>
-        <p:style>
-          <a:lnRef idx="2">
-            <a:schemeClr val="accent1">
-              <a:shade val="50000"/>
-            </a:schemeClr>
-          </a:lnRef>
-          <a:fillRef idx="1">
-            <a:schemeClr val="accent1"/>
-          </a:fillRef>
-          <a:effectRef idx="0">
-            <a:schemeClr val="accent1"/>
-          </a:effectRef>
-          <a:fontRef idx="minor">
-            <a:schemeClr val="lt1"/>
-          </a:fontRef>
-        </p:style>
-        <p:txBody>
-          <a:bodyPr rtlCol="0" anchor="ctr"/>
-          <a:lstStyle/>
-          <a:p>
-            <a:pPr algn="ctr"/>
-            <a:endParaRPr lang="en-US" dirty="0"/>
-          </a:p>
-        </p:txBody>
-      </p:sp>
-      <p:sp>
-        <p:nvSpPr>
-          <p:cNvPr id="20" name="Rectangle 19">
-            <a:extLst>
-              <a:ext uri="{FF2B5EF4-FFF2-40B4-BE49-F238E27FC236}">
-                <a16:creationId xmlns:a16="http://schemas.microsoft.com/office/drawing/2014/main" id="{AA6D0FDE-0241-4C21-A720-A69475358235}"/>
-              </a:ext>
-              <a:ext uri="{C183D7F6-B498-43B3-948B-1728B52AA6E4}">
-                <adec:decorative xmlns:adec="http://schemas.microsoft.com/office/drawing/2017/decorative" xmlns="" val="1"/>
-              </a:ext>
-            </a:extLst>
-          </p:cNvPr>
-          <p:cNvSpPr>
-            <a:spLocks noGrp="1" noRot="1" noChangeAspect="1" noMove="1" noResize="1" noEditPoints="1" noAdjustHandles="1" noChangeArrowheads="1" noChangeShapeType="1" noTextEdit="1"/>
-          </p:cNvSpPr>
-          <p:nvPr>
-            <p:extLst>
-              <p:ext uri="{386F3935-93C4-4BCD-93E2-E3B085C9AB24}">
-                <p16:designElem xmlns:p16="http://schemas.microsoft.com/office/powerpoint/2015/main" val="1"/>
-              </p:ext>
-            </p:extLst>
-          </p:nvPr>
-        </p:nvSpPr>
-        <p:spPr>
-          <a:xfrm>
-            <a:off x="0" y="0"/>
-            <a:ext cx="4654296" cy="6858000"/>
-          </a:xfrm>
-          <a:prstGeom prst="rect">
-            <a:avLst/>
-          </a:prstGeom>
-          <a:solidFill>
-            <a:schemeClr val="tx1">
-              <a:lumMod val="95000"/>
-              <a:lumOff val="5000"/>
-            </a:schemeClr>
-          </a:solidFill>
-          <a:ln>
-            <a:noFill/>
-          </a:ln>
-        </p:spPr>
-        <p:style>
-          <a:lnRef idx="0">
-            <a:scrgbClr r="0" g="0" b="0"/>
-          </a:lnRef>
-          <a:fillRef idx="0">
-            <a:scrgbClr r="0" g="0" b="0"/>
-          </a:fillRef>
-          <a:effectRef idx="0">
-            <a:scrgbClr r="0" g="0" b="0"/>
-          </a:effectRef>
-          <a:fontRef idx="minor">
-            <a:schemeClr val="lt1"/>
-          </a:fontRef>
-        </p:style>
-        <p:txBody>
-          <a:bodyPr rtlCol="0" anchor="ctr"/>
-          <a:lstStyle/>
-          <a:p>
-            <a:pPr algn="ctr"/>
-            <a:endParaRPr lang="en-US" dirty="0"/>
-          </a:p>
-        </p:txBody>
-      </p:sp>
-      <p:sp>
-        <p:nvSpPr>
-          <p:cNvPr id="21" name="Rectangle 20"/>
-          <p:cNvSpPr/>
-          <p:nvPr/>
-        </p:nvSpPr>
-        <p:spPr>
-          <a:xfrm>
-            <a:off x="0" y="0"/>
-            <a:ext cx="6096000" cy="6858000"/>
-          </a:xfrm>
-          <a:prstGeom prst="rect">
-            <a:avLst/>
-          </a:prstGeom>
-          <a:solidFill>
-            <a:schemeClr val="bg1"/>
-          </a:solidFill>
-          <a:ln>
-            <a:noFill/>
-          </a:ln>
-        </p:spPr>
-        <p:style>
-          <a:lnRef idx="2">
-            <a:schemeClr val="accent1">
-              <a:shade val="50000"/>
-            </a:schemeClr>
-          </a:lnRef>
-          <a:fillRef idx="1">
-            <a:schemeClr val="accent1"/>
-          </a:fillRef>
-          <a:effectRef idx="0">
-            <a:schemeClr val="accent1"/>
-          </a:effectRef>
-          <a:fontRef idx="minor">
-            <a:schemeClr val="lt1"/>
-          </a:fontRef>
-        </p:style>
-        <p:txBody>
-          <a:bodyPr rtlCol="0" anchor="ctr"/>
-          <a:lstStyle/>
-          <a:p>
-            <a:pPr algn="ctr"/>
-            <a:endParaRPr lang="en-IN"/>
-          </a:p>
-        </p:txBody>
-      </p:sp>
-      <p:sp>
-        <p:nvSpPr>
-          <p:cNvPr id="5" name="Oval 4"/>
-          <p:cNvSpPr/>
-          <p:nvPr/>
-        </p:nvSpPr>
-        <p:spPr>
-          <a:xfrm>
-            <a:off x="3585029" y="1011961"/>
-            <a:ext cx="5021942" cy="5021942"/>
-          </a:xfrm>
-          <a:prstGeom prst="ellipse">
-            <a:avLst/>
-          </a:prstGeom>
-          <a:solidFill>
-            <a:schemeClr val="tx1">
-              <a:lumMod val="95000"/>
-              <a:lumOff val="5000"/>
-            </a:schemeClr>
-          </a:solidFill>
-          <a:ln>
-            <a:noFill/>
-          </a:ln>
-        </p:spPr>
-        <p:style>
-          <a:lnRef idx="2">
-            <a:schemeClr val="accent1">
-              <a:shade val="50000"/>
-            </a:schemeClr>
-          </a:lnRef>
-          <a:fillRef idx="1">
-            <a:schemeClr val="accent1"/>
-          </a:fillRef>
-          <a:effectRef idx="0">
-            <a:schemeClr val="accent1"/>
-          </a:effectRef>
-          <a:fontRef idx="minor">
-            <a:schemeClr val="lt1"/>
-          </a:fontRef>
-        </p:style>
-        <p:txBody>
-          <a:bodyPr rtlCol="0" anchor="ctr"/>
-          <a:lstStyle/>
-          <a:p>
-            <a:pPr algn="ctr"/>
-            <a:endParaRPr lang="en-IN"/>
-          </a:p>
-        </p:txBody>
-      </p:sp>
-      <p:sp>
-        <p:nvSpPr>
-          <p:cNvPr id="10" name="Oval 9"/>
-          <p:cNvSpPr/>
-          <p:nvPr/>
-        </p:nvSpPr>
-        <p:spPr>
-          <a:xfrm>
-            <a:off x="4721182" y="3284267"/>
-            <a:ext cx="2749636" cy="2749636"/>
-          </a:xfrm>
-          <a:prstGeom prst="ellipse">
-            <a:avLst/>
-          </a:prstGeom>
-          <a:solidFill>
-            <a:schemeClr val="bg1"/>
-          </a:solidFill>
-          <a:ln>
-            <a:noFill/>
-          </a:ln>
-        </p:spPr>
-        <p:style>
-          <a:lnRef idx="2">
-            <a:schemeClr val="accent1">
-              <a:shade val="50000"/>
-            </a:schemeClr>
-          </a:lnRef>
-          <a:fillRef idx="1">
-            <a:schemeClr val="accent1"/>
-          </a:fillRef>
-          <a:effectRef idx="0">
-            <a:schemeClr val="accent1"/>
-          </a:effectRef>
-          <a:fontRef idx="minor">
-            <a:schemeClr val="lt1"/>
-          </a:fontRef>
-        </p:style>
-        <p:txBody>
-          <a:bodyPr rtlCol="0" anchor="ctr"/>
-          <a:lstStyle/>
-          <a:p>
-            <a:pPr algn="ctr"/>
-            <a:endParaRPr lang="en-IN"/>
-          </a:p>
-        </p:txBody>
-      </p:sp>
-      <p:sp>
-        <p:nvSpPr>
-          <p:cNvPr id="13" name="Title 1">
-            <a:extLst>
-              <a:ext uri="{FF2B5EF4-FFF2-40B4-BE49-F238E27FC236}">
-                <a16:creationId xmlns:a16="http://schemas.microsoft.com/office/drawing/2014/main" id="{8EB78894-19E5-4916-B37E-B4A80B9B8D52}"/>
-              </a:ext>
-            </a:extLst>
-          </p:cNvPr>
-          <p:cNvSpPr txBox="1">
-            <a:spLocks/>
-          </p:cNvSpPr>
-          <p:nvPr/>
-        </p:nvSpPr>
-        <p:spPr bwMode="black">
-          <a:xfrm>
-            <a:off x="5678251" y="1946766"/>
-            <a:ext cx="835498" cy="815654"/>
-          </a:xfrm>
-          <a:prstGeom prst="rect">
-            <a:avLst/>
-          </a:prstGeom>
-          <a:noFill/>
-          <a:ln w="31750" cap="sq">
-            <a:noFill/>
-            <a:miter lim="800000"/>
-          </a:ln>
-          <a:effectLst>
-            <a:glow rad="152400">
-              <a:schemeClr val="bg1">
-                <a:alpha val="13000"/>
-              </a:schemeClr>
-            </a:glow>
-          </a:effectLst>
-        </p:spPr>
-        <p:txBody>
-          <a:bodyPr vert="horz" wrap="square" lIns="182880" tIns="182880" rIns="182880" bIns="182880" rtlCol="0" anchor="ctr">
-            <a:normAutofit/>
-          </a:bodyPr>
-          <a:lstStyle>
-            <a:lvl1pPr algn="ctr" defTabSz="914400" rtl="0" eaLnBrk="1" latinLnBrk="0" hangingPunct="1">
-              <a:lnSpc>
-                <a:spcPct val="90000"/>
-              </a:lnSpc>
-              <a:spcBef>
-                <a:spcPct val="0"/>
-              </a:spcBef>
-              <a:buNone/>
-              <a:defRPr sz="2800" kern="1200" cap="all" spc="200" baseline="0">
-                <a:solidFill>
-                  <a:srgbClr val="262626"/>
-                </a:solidFill>
-                <a:latin typeface="+mj-lt"/>
-                <a:ea typeface="+mj-ea"/>
-                <a:cs typeface="+mj-cs"/>
-              </a:defRPr>
-            </a:lvl1pPr>
-          </a:lstStyle>
-          <a:p>
-            <a:r>
-              <a:rPr lang="en-US" b="1" dirty="0" smtClean="0">
-                <a:solidFill>
-                  <a:srgbClr val="FFFFFF"/>
-                </a:solidFill>
-              </a:rPr>
-              <a:t>AI</a:t>
-            </a:r>
-            <a:endParaRPr lang="en-US" b="1" dirty="0">
-              <a:solidFill>
-                <a:srgbClr val="FFFFFF"/>
-              </a:solidFill>
-            </a:endParaRPr>
-          </a:p>
-        </p:txBody>
-      </p:sp>
-      <p:sp>
-        <p:nvSpPr>
-          <p:cNvPr id="15" name="Title 1">
-            <a:extLst>
-              <a:ext uri="{FF2B5EF4-FFF2-40B4-BE49-F238E27FC236}">
-                <a16:creationId xmlns:a16="http://schemas.microsoft.com/office/drawing/2014/main" id="{8EB78894-19E5-4916-B37E-B4A80B9B8D52}"/>
-              </a:ext>
-            </a:extLst>
-          </p:cNvPr>
-          <p:cNvSpPr txBox="1">
-            <a:spLocks/>
-          </p:cNvSpPr>
-          <p:nvPr/>
-        </p:nvSpPr>
-        <p:spPr bwMode="black">
-          <a:xfrm>
-            <a:off x="5563833" y="4251258"/>
-            <a:ext cx="1064334" cy="815654"/>
-          </a:xfrm>
-          <a:prstGeom prst="rect">
-            <a:avLst/>
-          </a:prstGeom>
-          <a:noFill/>
-          <a:ln w="31750" cap="sq">
-            <a:noFill/>
-            <a:miter lim="800000"/>
-          </a:ln>
-          <a:effectLst>
-            <a:glow rad="152400">
-              <a:schemeClr val="bg1">
-                <a:alpha val="13000"/>
-              </a:schemeClr>
-            </a:glow>
-          </a:effectLst>
-        </p:spPr>
-        <p:txBody>
-          <a:bodyPr vert="horz" wrap="square" lIns="182880" tIns="182880" rIns="182880" bIns="182880" rtlCol="0" anchor="ctr">
-            <a:normAutofit/>
-          </a:bodyPr>
-          <a:lstStyle>
-            <a:lvl1pPr algn="ctr" defTabSz="914400" rtl="0" eaLnBrk="1" latinLnBrk="0" hangingPunct="1">
-              <a:lnSpc>
-                <a:spcPct val="90000"/>
-              </a:lnSpc>
-              <a:spcBef>
-                <a:spcPct val="0"/>
-              </a:spcBef>
-              <a:buNone/>
-              <a:defRPr sz="2800" kern="1200" cap="all" spc="200" baseline="0">
-                <a:solidFill>
-                  <a:srgbClr val="262626"/>
-                </a:solidFill>
-                <a:latin typeface="+mj-lt"/>
-                <a:ea typeface="+mj-ea"/>
-                <a:cs typeface="+mj-cs"/>
-              </a:defRPr>
-            </a:lvl1pPr>
-          </a:lstStyle>
-          <a:p>
-            <a:r>
-              <a:rPr lang="en-US" b="1" dirty="0" smtClean="0">
-                <a:solidFill>
-                  <a:schemeClr val="tx1"/>
-                </a:solidFill>
-              </a:rPr>
-              <a:t>ML</a:t>
-            </a:r>
-            <a:endParaRPr lang="en-US" b="1" dirty="0">
-              <a:solidFill>
-                <a:schemeClr val="tx1"/>
-              </a:solidFill>
-            </a:endParaRPr>
-          </a:p>
-        </p:txBody>
-      </p:sp>
-    </p:spTree>
-    <p:extLst>
-      <p:ext uri="{BB962C8B-B14F-4D97-AF65-F5344CB8AC3E}">
-        <p14:creationId xmlns:p14="http://schemas.microsoft.com/office/powerpoint/2010/main" val="154989318"/>
-      </p:ext>
-    </p:extLst>
-  </p:cSld>
-  <p:clrMapOvr>
-    <a:masterClrMapping/>
-  </p:clrMapOvr>
   <p:timing>
     <p:tnLst>
       <p:par>
@@ -5783,13 +8127,13 @@
       </p:grpSpPr>
       <p:sp useBgFill="1">
         <p:nvSpPr>
-          <p:cNvPr id="10" name="Rectangle 9">
+          <p:cNvPr id="18" name="Rectangle 17">
             <a:extLst>
               <a:ext uri="{FF2B5EF4-FFF2-40B4-BE49-F238E27FC236}">
                 <a16:creationId xmlns:a16="http://schemas.microsoft.com/office/drawing/2014/main" id="{93F0ADB5-A0B4-4B01-A8C4-FDC34CE22BD4}"/>
               </a:ext>
               <a:ext uri="{C183D7F6-B498-43B3-948B-1728B52AA6E4}">
-                <adec:decorative xmlns:adec="http://schemas.microsoft.com/office/drawing/2017/decorative" xmlns="" val="1"/>
+                <adec:decorative xmlns="" xmlns:adec="http://schemas.microsoft.com/office/drawing/2017/decorative" val="1"/>
               </a:ext>
             </a:extLst>
           </p:cNvPr>
@@ -5843,13 +8187,13 @@
       </p:sp>
       <p:sp>
         <p:nvSpPr>
-          <p:cNvPr id="12" name="Rectangle 11">
+          <p:cNvPr id="20" name="Rectangle 19">
             <a:extLst>
               <a:ext uri="{FF2B5EF4-FFF2-40B4-BE49-F238E27FC236}">
                 <a16:creationId xmlns:a16="http://schemas.microsoft.com/office/drawing/2014/main" id="{AA6D0FDE-0241-4C21-A720-A69475358235}"/>
               </a:ext>
               <a:ext uri="{C183D7F6-B498-43B3-948B-1728B52AA6E4}">
-                <adec:decorative xmlns:adec="http://schemas.microsoft.com/office/drawing/2017/decorative" xmlns="" val="1"/>
+                <adec:decorative xmlns="" xmlns:adec="http://schemas.microsoft.com/office/drawing/2017/decorative" val="1"/>
               </a:ext>
             </a:extLst>
           </p:cNvPr>
@@ -5907,7 +8251,7 @@
       </p:sp>
       <p:sp>
         <p:nvSpPr>
-          <p:cNvPr id="11" name="Rectangle 10"/>
+          <p:cNvPr id="21" name="Rectangle 20"/>
           <p:cNvSpPr/>
           <p:nvPr/>
         </p:nvSpPr>
@@ -5951,52 +8295,25 @@
           </a:p>
         </p:txBody>
       </p:sp>
-      <p:pic>
-        <p:nvPicPr>
-          <p:cNvPr id="13" name="Picture 12"/>
-          <p:cNvPicPr>
-            <a:picLocks noChangeAspect="1"/>
-          </p:cNvPicPr>
+      <p:sp>
+        <p:nvSpPr>
+          <p:cNvPr id="5" name="Oval 4"/>
+          <p:cNvSpPr/>
           <p:nvPr/>
-        </p:nvPicPr>
-        <p:blipFill>
-          <a:blip r:embed="rId3">
-            <a:extLst>
-              <a:ext uri="{28A0092B-C50C-407E-A947-70E740481C1C}">
-                <a14:useLocalDpi xmlns:a14="http://schemas.microsoft.com/office/drawing/2010/main" val="0"/>
-              </a:ext>
-            </a:extLst>
-          </a:blip>
-          <a:stretch>
-            <a:fillRect/>
-          </a:stretch>
-        </p:blipFill>
+        </p:nvSpPr>
         <p:spPr>
           <a:xfrm>
-            <a:off x="349852" y="181628"/>
-            <a:ext cx="5396296" cy="6462556"/>
+            <a:off x="3585029" y="1011961"/>
+            <a:ext cx="5021942" cy="5021942"/>
           </a:xfrm>
-          <a:prstGeom prst="rect">
-            <a:avLst/>
-          </a:prstGeom>
-        </p:spPr>
-      </p:pic>
-      <p:sp>
-        <p:nvSpPr>
-          <p:cNvPr id="14" name="Rectangle 13"/>
-          <p:cNvSpPr/>
-          <p:nvPr/>
-        </p:nvSpPr>
-        <p:spPr>
-          <a:xfrm>
-            <a:off x="6095999" y="0"/>
-            <a:ext cx="6096000" cy="6858000"/>
-          </a:xfrm>
-          <a:prstGeom prst="rect">
+          <a:prstGeom prst="ellipse">
             <a:avLst/>
           </a:prstGeom>
           <a:solidFill>
-            <a:schemeClr val="tx1"/>
+            <a:schemeClr val="tx1">
+              <a:lumMod val="95000"/>
+              <a:lumOff val="5000"/>
+            </a:schemeClr>
           </a:solidFill>
           <a:ln>
             <a:noFill/>
@@ -6027,10 +8344,206 @@
           </a:p>
         </p:txBody>
       </p:sp>
+      <p:sp>
+        <p:nvSpPr>
+          <p:cNvPr id="10" name="Oval 9"/>
+          <p:cNvSpPr/>
+          <p:nvPr/>
+        </p:nvSpPr>
+        <p:spPr>
+          <a:xfrm>
+            <a:off x="4721182" y="3284267"/>
+            <a:ext cx="2749636" cy="2749636"/>
+          </a:xfrm>
+          <a:prstGeom prst="ellipse">
+            <a:avLst/>
+          </a:prstGeom>
+          <a:solidFill>
+            <a:schemeClr val="bg1"/>
+          </a:solidFill>
+          <a:ln>
+            <a:noFill/>
+          </a:ln>
+        </p:spPr>
+        <p:style>
+          <a:lnRef idx="2">
+            <a:schemeClr val="accent1">
+              <a:shade val="50000"/>
+            </a:schemeClr>
+          </a:lnRef>
+          <a:fillRef idx="1">
+            <a:schemeClr val="accent1"/>
+          </a:fillRef>
+          <a:effectRef idx="0">
+            <a:schemeClr val="accent1"/>
+          </a:effectRef>
+          <a:fontRef idx="minor">
+            <a:schemeClr val="lt1"/>
+          </a:fontRef>
+        </p:style>
+        <p:txBody>
+          <a:bodyPr rtlCol="0" anchor="ctr"/>
+          <a:lstStyle/>
+          <a:p>
+            <a:pPr algn="ctr"/>
+            <a:endParaRPr lang="en-IN"/>
+          </a:p>
+        </p:txBody>
+      </p:sp>
+      <p:sp>
+        <p:nvSpPr>
+          <p:cNvPr id="13" name="Title 1">
+            <a:extLst>
+              <a:ext uri="{FF2B5EF4-FFF2-40B4-BE49-F238E27FC236}">
+                <a16:creationId xmlns:a16="http://schemas.microsoft.com/office/drawing/2014/main" id="{8EB78894-19E5-4916-B37E-B4A80B9B8D52}"/>
+              </a:ext>
+            </a:extLst>
+          </p:cNvPr>
+          <p:cNvSpPr txBox="1">
+            <a:spLocks/>
+          </p:cNvSpPr>
+          <p:nvPr/>
+        </p:nvSpPr>
+        <p:spPr bwMode="black">
+          <a:xfrm>
+            <a:off x="5678251" y="1946766"/>
+            <a:ext cx="835498" cy="815654"/>
+          </a:xfrm>
+          <a:prstGeom prst="rect">
+            <a:avLst/>
+          </a:prstGeom>
+          <a:noFill/>
+          <a:ln w="31750" cap="sq">
+            <a:noFill/>
+            <a:miter lim="800000"/>
+          </a:ln>
+          <a:effectLst>
+            <a:glow rad="152400">
+              <a:schemeClr val="bg1">
+                <a:alpha val="13000"/>
+              </a:schemeClr>
+            </a:glow>
+          </a:effectLst>
+        </p:spPr>
+        <p:txBody>
+          <a:bodyPr vert="horz" wrap="square" lIns="182880" tIns="182880" rIns="182880" bIns="182880" rtlCol="0" anchor="ctr">
+            <a:normAutofit/>
+          </a:bodyPr>
+          <a:lstStyle>
+            <a:lvl1pPr algn="ctr" defTabSz="914400" rtl="0" eaLnBrk="1" latinLnBrk="0" hangingPunct="1">
+              <a:lnSpc>
+                <a:spcPct val="90000"/>
+              </a:lnSpc>
+              <a:spcBef>
+                <a:spcPct val="0"/>
+              </a:spcBef>
+              <a:buNone/>
+              <a:defRPr sz="2800" kern="1200" cap="all" spc="200" baseline="0">
+                <a:solidFill>
+                  <a:srgbClr val="262626"/>
+                </a:solidFill>
+                <a:latin typeface="+mj-lt"/>
+                <a:ea typeface="+mj-ea"/>
+                <a:cs typeface="+mj-cs"/>
+              </a:defRPr>
+            </a:lvl1pPr>
+          </a:lstStyle>
+          <a:p>
+            <a:r>
+              <a:rPr lang="en-US" b="1" dirty="0" smtClean="0">
+                <a:solidFill>
+                  <a:srgbClr val="FFFFFF"/>
+                </a:solidFill>
+              </a:rPr>
+              <a:t>AI</a:t>
+            </a:r>
+            <a:endParaRPr lang="en-US" b="1" dirty="0">
+              <a:solidFill>
+                <a:srgbClr val="FFFFFF"/>
+              </a:solidFill>
+            </a:endParaRPr>
+          </a:p>
+        </p:txBody>
+      </p:sp>
+      <p:sp>
+        <p:nvSpPr>
+          <p:cNvPr id="15" name="Title 1">
+            <a:extLst>
+              <a:ext uri="{FF2B5EF4-FFF2-40B4-BE49-F238E27FC236}">
+                <a16:creationId xmlns:a16="http://schemas.microsoft.com/office/drawing/2014/main" id="{8EB78894-19E5-4916-B37E-B4A80B9B8D52}"/>
+              </a:ext>
+            </a:extLst>
+          </p:cNvPr>
+          <p:cNvSpPr txBox="1">
+            <a:spLocks/>
+          </p:cNvSpPr>
+          <p:nvPr/>
+        </p:nvSpPr>
+        <p:spPr bwMode="black">
+          <a:xfrm>
+            <a:off x="5563833" y="4251258"/>
+            <a:ext cx="1064334" cy="815654"/>
+          </a:xfrm>
+          <a:prstGeom prst="rect">
+            <a:avLst/>
+          </a:prstGeom>
+          <a:noFill/>
+          <a:ln w="31750" cap="sq">
+            <a:noFill/>
+            <a:miter lim="800000"/>
+          </a:ln>
+          <a:effectLst>
+            <a:glow rad="152400">
+              <a:schemeClr val="bg1">
+                <a:alpha val="13000"/>
+              </a:schemeClr>
+            </a:glow>
+          </a:effectLst>
+        </p:spPr>
+        <p:txBody>
+          <a:bodyPr vert="horz" wrap="square" lIns="182880" tIns="182880" rIns="182880" bIns="182880" rtlCol="0" anchor="ctr">
+            <a:normAutofit/>
+          </a:bodyPr>
+          <a:lstStyle>
+            <a:lvl1pPr algn="ctr" defTabSz="914400" rtl="0" eaLnBrk="1" latinLnBrk="0" hangingPunct="1">
+              <a:lnSpc>
+                <a:spcPct val="90000"/>
+              </a:lnSpc>
+              <a:spcBef>
+                <a:spcPct val="0"/>
+              </a:spcBef>
+              <a:buNone/>
+              <a:defRPr sz="2800" kern="1200" cap="all" spc="200" baseline="0">
+                <a:solidFill>
+                  <a:srgbClr val="262626"/>
+                </a:solidFill>
+                <a:latin typeface="+mj-lt"/>
+                <a:ea typeface="+mj-ea"/>
+                <a:cs typeface="+mj-cs"/>
+              </a:defRPr>
+            </a:lvl1pPr>
+          </a:lstStyle>
+          <a:p>
+            <a:r>
+              <a:rPr lang="en-US" b="1" dirty="0" smtClean="0">
+                <a:solidFill>
+                  <a:schemeClr val="tx1"/>
+                </a:solidFill>
+              </a:rPr>
+              <a:t>ML</a:t>
+            </a:r>
+            <a:endParaRPr lang="en-US" b="1" dirty="0">
+              <a:solidFill>
+                <a:schemeClr val="tx1"/>
+              </a:solidFill>
+            </a:endParaRPr>
+          </a:p>
+        </p:txBody>
+      </p:sp>
     </p:spTree>
     <p:extLst>
       <p:ext uri="{BB962C8B-B14F-4D97-AF65-F5344CB8AC3E}">
-        <p14:creationId xmlns:p14="http://schemas.microsoft.com/office/powerpoint/2010/main" val="3424314505"/>
+        <p14:creationId xmlns:p14="http://schemas.microsoft.com/office/powerpoint/2010/main" val="440187549"/>
       </p:ext>
     </p:extLst>
   </p:cSld>
@@ -6053,10 +8566,7 @@
     <p:bg>
       <p:bgPr>
         <a:solidFill>
-          <a:schemeClr val="tx1">
-            <a:lumMod val="95000"/>
-            <a:lumOff val="5000"/>
-          </a:schemeClr>
+          <a:schemeClr val="bg1"/>
         </a:solidFill>
         <a:effectLst/>
       </p:bgPr>
@@ -6075,65 +8585,182 @@
           <a:chExt cx="0" cy="0"/>
         </a:xfrm>
       </p:grpSpPr>
-      <p:sp>
-        <p:nvSpPr>
-          <p:cNvPr id="2" name="Title 1">
+      <p:sp useBgFill="1">
+        <p:nvSpPr>
+          <p:cNvPr id="18" name="Rectangle 17">
             <a:extLst>
               <a:ext uri="{FF2B5EF4-FFF2-40B4-BE49-F238E27FC236}">
-                <a16:creationId xmlns:a16="http://schemas.microsoft.com/office/drawing/2014/main" id="{51F70220-677A-411B-B416-94321A555329}"/>
+                <a16:creationId xmlns:a16="http://schemas.microsoft.com/office/drawing/2014/main" id="{93F0ADB5-A0B4-4B01-A8C4-FDC34CE22BD4}"/>
+              </a:ext>
+              <a:ext uri="{C183D7F6-B498-43B3-948B-1728B52AA6E4}">
+                <adec:decorative xmlns="" xmlns:adec="http://schemas.microsoft.com/office/drawing/2017/decorative" val="1"/>
               </a:ext>
             </a:extLst>
           </p:cNvPr>
           <p:cNvSpPr>
-            <a:spLocks noGrp="1"/>
-          </p:cNvSpPr>
-          <p:nvPr>
-            <p:ph type="title"/>
+            <a:spLocks noGrp="1" noRot="1" noChangeAspect="1" noMove="1" noResize="1" noEditPoints="1" noAdjustHandles="1" noChangeArrowheads="1" noChangeShapeType="1" noTextEdit="1"/>
+          </p:cNvSpPr>
+          <p:nvPr>
+            <p:extLst>
+              <p:ext uri="{386F3935-93C4-4BCD-93E2-E3B085C9AB24}">
+                <p16:designElem xmlns:p16="http://schemas.microsoft.com/office/powerpoint/2015/main" val="1"/>
+              </p:ext>
+            </p:extLst>
           </p:nvPr>
         </p:nvSpPr>
         <p:spPr>
           <a:xfrm>
-            <a:off x="6182265" y="978776"/>
-            <a:ext cx="4451773" cy="1174991"/>
+            <a:off x="0" y="0"/>
+            <a:ext cx="12191999" cy="6858000"/>
           </a:xfrm>
-          <a:noFill/>
-          <a:ln w="31750" cap="sq">
-            <a:solidFill>
-              <a:schemeClr val="bg1"/>
-            </a:solidFill>
-            <a:miter lim="800000"/>
+          <a:prstGeom prst="rect">
+            <a:avLst/>
+          </a:prstGeom>
+          <a:ln>
+            <a:noFill/>
           </a:ln>
-          <a:effectLst>
-            <a:glow rad="152400">
-              <a:schemeClr val="bg1">
-                <a:alpha val="13000"/>
-              </a:schemeClr>
-            </a:glow>
-          </a:effectLst>
         </p:spPr>
-        <p:txBody>
-          <a:bodyPr vert="horz" wrap="square" lIns="182880" tIns="182880" rIns="182880" bIns="182880" rtlCol="0" anchor="ctr">
-            <a:normAutofit/>
-          </a:bodyPr>
-          <a:lstStyle/>
-          <a:p>
-            <a:r>
-              <a:rPr lang="en-US" dirty="0">
-                <a:solidFill>
-                  <a:schemeClr val="bg1"/>
-                </a:solidFill>
-              </a:rPr>
-              <a:t>Thank you</a:t>
-            </a:r>
+        <p:style>
+          <a:lnRef idx="2">
+            <a:schemeClr val="accent1">
+              <a:shade val="50000"/>
+            </a:schemeClr>
+          </a:lnRef>
+          <a:fillRef idx="1">
+            <a:schemeClr val="accent1"/>
+          </a:fillRef>
+          <a:effectRef idx="0">
+            <a:schemeClr val="accent1"/>
+          </a:effectRef>
+          <a:fontRef idx="minor">
+            <a:schemeClr val="lt1"/>
+          </a:fontRef>
+        </p:style>
+        <p:txBody>
+          <a:bodyPr rtlCol="0" anchor="ctr"/>
+          <a:lstStyle/>
+          <a:p>
+            <a:pPr algn="ctr"/>
+            <a:endParaRPr lang="en-US" dirty="0"/>
+          </a:p>
+        </p:txBody>
+      </p:sp>
+      <p:sp>
+        <p:nvSpPr>
+          <p:cNvPr id="20" name="Rectangle 19">
+            <a:extLst>
+              <a:ext uri="{FF2B5EF4-FFF2-40B4-BE49-F238E27FC236}">
+                <a16:creationId xmlns:a16="http://schemas.microsoft.com/office/drawing/2014/main" id="{AA6D0FDE-0241-4C21-A720-A69475358235}"/>
+              </a:ext>
+              <a:ext uri="{C183D7F6-B498-43B3-948B-1728B52AA6E4}">
+                <adec:decorative xmlns="" xmlns:adec="http://schemas.microsoft.com/office/drawing/2017/decorative" val="1"/>
+              </a:ext>
+            </a:extLst>
+          </p:cNvPr>
+          <p:cNvSpPr>
+            <a:spLocks noGrp="1" noRot="1" noChangeAspect="1" noMove="1" noResize="1" noEditPoints="1" noAdjustHandles="1" noChangeArrowheads="1" noChangeShapeType="1" noTextEdit="1"/>
+          </p:cNvSpPr>
+          <p:nvPr>
+            <p:extLst>
+              <p:ext uri="{386F3935-93C4-4BCD-93E2-E3B085C9AB24}">
+                <p16:designElem xmlns:p16="http://schemas.microsoft.com/office/powerpoint/2015/main" val="1"/>
+              </p:ext>
+            </p:extLst>
+          </p:nvPr>
+        </p:nvSpPr>
+        <p:spPr>
+          <a:xfrm>
+            <a:off x="0" y="0"/>
+            <a:ext cx="4654296" cy="6858000"/>
+          </a:xfrm>
+          <a:prstGeom prst="rect">
+            <a:avLst/>
+          </a:prstGeom>
+          <a:solidFill>
+            <a:schemeClr val="tx1">
+              <a:lumMod val="95000"/>
+              <a:lumOff val="5000"/>
+            </a:schemeClr>
+          </a:solidFill>
+          <a:ln>
+            <a:noFill/>
+          </a:ln>
+        </p:spPr>
+        <p:style>
+          <a:lnRef idx="0">
+            <a:scrgbClr r="0" g="0" b="0"/>
+          </a:lnRef>
+          <a:fillRef idx="0">
+            <a:scrgbClr r="0" g="0" b="0"/>
+          </a:fillRef>
+          <a:effectRef idx="0">
+            <a:scrgbClr r="0" g="0" b="0"/>
+          </a:effectRef>
+          <a:fontRef idx="minor">
+            <a:schemeClr val="lt1"/>
+          </a:fontRef>
+        </p:style>
+        <p:txBody>
+          <a:bodyPr rtlCol="0" anchor="ctr"/>
+          <a:lstStyle/>
+          <a:p>
+            <a:pPr algn="ctr"/>
+            <a:endParaRPr lang="en-US" dirty="0"/>
+          </a:p>
+        </p:txBody>
+      </p:sp>
+      <p:sp>
+        <p:nvSpPr>
+          <p:cNvPr id="21" name="Rectangle 20"/>
+          <p:cNvSpPr/>
+          <p:nvPr/>
+        </p:nvSpPr>
+        <p:spPr>
+          <a:xfrm>
+            <a:off x="0" y="0"/>
+            <a:ext cx="6096000" cy="6858000"/>
+          </a:xfrm>
+          <a:prstGeom prst="rect">
+            <a:avLst/>
+          </a:prstGeom>
+          <a:solidFill>
+            <a:schemeClr val="bg1"/>
+          </a:solidFill>
+          <a:ln>
+            <a:noFill/>
+          </a:ln>
+        </p:spPr>
+        <p:style>
+          <a:lnRef idx="2">
+            <a:schemeClr val="accent1">
+              <a:shade val="50000"/>
+            </a:schemeClr>
+          </a:lnRef>
+          <a:fillRef idx="1">
+            <a:schemeClr val="accent1"/>
+          </a:fillRef>
+          <a:effectRef idx="0">
+            <a:schemeClr val="accent1"/>
+          </a:effectRef>
+          <a:fontRef idx="minor">
+            <a:schemeClr val="lt1"/>
+          </a:fontRef>
+        </p:style>
+        <p:txBody>
+          <a:bodyPr rtlCol="0" anchor="ctr"/>
+          <a:lstStyle/>
+          <a:p>
+            <a:pPr algn="ctr"/>
+            <a:endParaRPr lang="en-IN"/>
           </a:p>
         </p:txBody>
       </p:sp>
       <p:pic>
         <p:nvPicPr>
-          <p:cNvPr id="4" name="Picture 3" descr="Hand with pen pointing at financial numbers">
+          <p:cNvPr id="9" name="Picture 8" descr="Diagram, timeline&#10;&#10;Description automatically generated">
             <a:extLst>
               <a:ext uri="{FF2B5EF4-FFF2-40B4-BE49-F238E27FC236}">
-                <a16:creationId xmlns:a16="http://schemas.microsoft.com/office/drawing/2014/main" id="{AB2E0BE0-B684-4228-A4DF-58C8CAFFDF47}"/>
+                <a16:creationId xmlns:a16="http://schemas.microsoft.com/office/drawing/2014/main" id="{F7BCCE18-3B44-4D6F-9543-8E8E5BCE7B72}"/>
               </a:ext>
             </a:extLst>
           </p:cNvPr>
@@ -6142,21 +8769,22 @@
           </p:cNvPicPr>
           <p:nvPr/>
         </p:nvPicPr>
-        <p:blipFill rotWithShape="1">
-          <a:blip r:embed="rId3" cstate="print">
+        <p:blipFill>
+          <a:blip r:embed="rId3">
             <a:extLst>
               <a:ext uri="{28A0092B-C50C-407E-A947-70E740481C1C}">
-                <a14:useLocalDpi xmlns:a14="http://schemas.microsoft.com/office/drawing/2010/main"/>
+                <a14:useLocalDpi xmlns:a14="http://schemas.microsoft.com/office/drawing/2010/main" val="0"/>
               </a:ext>
             </a:extLst>
           </a:blip>
-          <a:srcRect b="-1"/>
-          <a:stretch/>
+          <a:stretch>
+            <a:fillRect/>
+          </a:stretch>
         </p:blipFill>
         <p:spPr>
           <a:xfrm>
-            <a:off x="20" y="10"/>
-            <a:ext cx="4657325" cy="6857990"/>
+            <a:off x="563772" y="1631048"/>
+            <a:ext cx="11064454" cy="4505470"/>
           </a:xfrm>
           <a:prstGeom prst="rect">
             <a:avLst/>
@@ -6165,55 +8793,90 @@
       </p:pic>
       <p:sp>
         <p:nvSpPr>
-          <p:cNvPr id="3" name="Content Placeholder 2">
+          <p:cNvPr id="11" name="Rectangle 10"/>
+          <p:cNvSpPr/>
+          <p:nvPr/>
+        </p:nvSpPr>
+        <p:spPr>
+          <a:xfrm>
+            <a:off x="9258300" y="4358518"/>
+            <a:ext cx="2514600" cy="1778000"/>
+          </a:xfrm>
+          <a:prstGeom prst="rect">
+            <a:avLst/>
+          </a:prstGeom>
+          <a:solidFill>
+            <a:schemeClr val="bg1"/>
+          </a:solidFill>
+          <a:ln>
+            <a:noFill/>
+          </a:ln>
+        </p:spPr>
+        <p:style>
+          <a:lnRef idx="2">
+            <a:schemeClr val="accent1">
+              <a:shade val="50000"/>
+            </a:schemeClr>
+          </a:lnRef>
+          <a:fillRef idx="1">
+            <a:schemeClr val="accent1"/>
+          </a:fillRef>
+          <a:effectRef idx="0">
+            <a:schemeClr val="accent1"/>
+          </a:effectRef>
+          <a:fontRef idx="minor">
+            <a:schemeClr val="lt1"/>
+          </a:fontRef>
+        </p:style>
+        <p:txBody>
+          <a:bodyPr rtlCol="0" anchor="ctr"/>
+          <a:lstStyle/>
+          <a:p>
+            <a:pPr algn="ctr"/>
+            <a:endParaRPr lang="en-IN"/>
+          </a:p>
+        </p:txBody>
+      </p:sp>
+      <p:pic>
+        <p:nvPicPr>
+          <p:cNvPr id="12" name="Picture 11" descr="A picture containing text, computer&#10;&#10;Description automatically generated">
             <a:extLst>
               <a:ext uri="{FF2B5EF4-FFF2-40B4-BE49-F238E27FC236}">
-                <a16:creationId xmlns:a16="http://schemas.microsoft.com/office/drawing/2014/main" id="{667D1328-A694-4327-A93A-3D919FD65B27}"/>
+                <a16:creationId xmlns:a16="http://schemas.microsoft.com/office/drawing/2014/main" id="{7BBA5917-024B-0096-C3DC-6B10C594CE0E}"/>
               </a:ext>
             </a:extLst>
           </p:cNvPr>
-          <p:cNvSpPr>
-            <a:spLocks noGrp="1"/>
-          </p:cNvSpPr>
-          <p:nvPr>
-            <p:ph idx="1"/>
-          </p:nvPr>
-        </p:nvSpPr>
+          <p:cNvPicPr>
+            <a:picLocks noChangeAspect="1"/>
+          </p:cNvPicPr>
+          <p:nvPr/>
+        </p:nvPicPr>
+        <p:blipFill>
+          <a:blip r:embed="rId4">
+            <a:extLst>
+              <a:ext uri="{28A0092B-C50C-407E-A947-70E740481C1C}">
+                <a14:useLocalDpi xmlns:a14="http://schemas.microsoft.com/office/drawing/2010/main" val="0"/>
+              </a:ext>
+            </a:extLst>
+          </a:blip>
+          <a:stretch>
+            <a:fillRect/>
+          </a:stretch>
+        </p:blipFill>
         <p:spPr>
           <a:xfrm>
-            <a:off x="6182264" y="2638044"/>
-            <a:ext cx="4451773" cy="3101983"/>
+            <a:off x="1473046" y="964390"/>
+            <a:ext cx="2044854" cy="2511224"/>
           </a:xfrm>
+          <a:prstGeom prst="rect">
+            <a:avLst/>
+          </a:prstGeom>
         </p:spPr>
-        <p:txBody>
-          <a:bodyPr/>
-          <a:lstStyle/>
-          <a:p>
-            <a:pPr marL="0" indent="0">
-              <a:buNone/>
-            </a:pPr>
-            <a:r>
-              <a:rPr lang="en-US" dirty="0">
-                <a:solidFill>
-                  <a:schemeClr val="bg1"/>
-                </a:solidFill>
-              </a:rPr>
-              <a:t>someone@example.com</a:t>
-            </a:r>
-          </a:p>
-          <a:p>
-            <a:endParaRPr lang="en-US" dirty="0">
-              <a:solidFill>
-                <a:schemeClr val="bg1"/>
-              </a:solidFill>
-            </a:endParaRPr>
-          </a:p>
-        </p:txBody>
-      </p:sp>
+      </p:pic>
     </p:spTree>
     <p:extLst>
       <p:ext uri="{BB962C8B-B14F-4D97-AF65-F5344CB8AC3E}">
-        <p14:creationId xmlns:p14="http://schemas.microsoft.com/office/powerpoint/2010/main" val="2673849116"/>
+        <p14:creationId xmlns:p14="http://schemas.microsoft.com/office/powerpoint/2010/main" val="154989318"/>
       </p:ext>
     </p:extLst>
   </p:cSld>
@@ -6255,16 +8918,93 @@
           <a:chExt cx="0" cy="0"/>
         </a:xfrm>
       </p:grpSpPr>
-      <p:sp>
-        <p:nvSpPr>
-          <p:cNvPr id="7" name="Rectangle 6"/>
-          <p:cNvSpPr/>
-          <p:nvPr/>
+      <p:sp useBgFill="1">
+        <p:nvSpPr>
+          <p:cNvPr id="18" name="Rectangle 17">
+            <a:extLst>
+              <a:ext uri="{FF2B5EF4-FFF2-40B4-BE49-F238E27FC236}">
+                <a16:creationId xmlns:a16="http://schemas.microsoft.com/office/drawing/2014/main" id="{93F0ADB5-A0B4-4B01-A8C4-FDC34CE22BD4}"/>
+              </a:ext>
+              <a:ext uri="{C183D7F6-B498-43B3-948B-1728B52AA6E4}">
+                <adec:decorative xmlns="" xmlns:adec="http://schemas.microsoft.com/office/drawing/2017/decorative" val="1"/>
+              </a:ext>
+            </a:extLst>
+          </p:cNvPr>
+          <p:cNvSpPr>
+            <a:spLocks noGrp="1" noRot="1" noChangeAspect="1" noMove="1" noResize="1" noEditPoints="1" noAdjustHandles="1" noChangeArrowheads="1" noChangeShapeType="1" noTextEdit="1"/>
+          </p:cNvSpPr>
+          <p:nvPr>
+            <p:extLst>
+              <p:ext uri="{386F3935-93C4-4BCD-93E2-E3B085C9AB24}">
+                <p16:designElem xmlns:p16="http://schemas.microsoft.com/office/powerpoint/2015/main" val="1"/>
+              </p:ext>
+            </p:extLst>
+          </p:nvPr>
         </p:nvSpPr>
         <p:spPr>
           <a:xfrm>
             <a:off x="0" y="0"/>
-            <a:ext cx="12193590" cy="1117600"/>
+            <a:ext cx="12191999" cy="6858000"/>
+          </a:xfrm>
+          <a:prstGeom prst="rect">
+            <a:avLst/>
+          </a:prstGeom>
+          <a:ln>
+            <a:noFill/>
+          </a:ln>
+        </p:spPr>
+        <p:style>
+          <a:lnRef idx="2">
+            <a:schemeClr val="accent1">
+              <a:shade val="50000"/>
+            </a:schemeClr>
+          </a:lnRef>
+          <a:fillRef idx="1">
+            <a:schemeClr val="accent1"/>
+          </a:fillRef>
+          <a:effectRef idx="0">
+            <a:schemeClr val="accent1"/>
+          </a:effectRef>
+          <a:fontRef idx="minor">
+            <a:schemeClr val="lt1"/>
+          </a:fontRef>
+        </p:style>
+        <p:txBody>
+          <a:bodyPr rtlCol="0" anchor="ctr"/>
+          <a:lstStyle/>
+          <a:p>
+            <a:pPr algn="ctr"/>
+            <a:endParaRPr lang="en-US" dirty="0"/>
+          </a:p>
+        </p:txBody>
+      </p:sp>
+      <p:sp>
+        <p:nvSpPr>
+          <p:cNvPr id="20" name="Rectangle 19">
+            <a:extLst>
+              <a:ext uri="{FF2B5EF4-FFF2-40B4-BE49-F238E27FC236}">
+                <a16:creationId xmlns:a16="http://schemas.microsoft.com/office/drawing/2014/main" id="{AA6D0FDE-0241-4C21-A720-A69475358235}"/>
+              </a:ext>
+              <a:ext uri="{C183D7F6-B498-43B3-948B-1728B52AA6E4}">
+                <adec:decorative xmlns="" xmlns:adec="http://schemas.microsoft.com/office/drawing/2017/decorative" val="1"/>
+              </a:ext>
+            </a:extLst>
+          </p:cNvPr>
+          <p:cNvSpPr>
+            <a:spLocks noGrp="1" noRot="1" noChangeAspect="1" noMove="1" noResize="1" noEditPoints="1" noAdjustHandles="1" noChangeArrowheads="1" noChangeShapeType="1" noTextEdit="1"/>
+          </p:cNvSpPr>
+          <p:nvPr>
+            <p:extLst>
+              <p:ext uri="{386F3935-93C4-4BCD-93E2-E3B085C9AB24}">
+                <p16:designElem xmlns:p16="http://schemas.microsoft.com/office/powerpoint/2015/main" val="1"/>
+              </p:ext>
+            </p:extLst>
+          </p:nvPr>
+        </p:nvSpPr>
+        <p:spPr>
+          <a:xfrm>
+            <a:off x="0" y="0"/>
+            <a:ext cx="4654296" cy="6858000"/>
           </a:xfrm>
           <a:prstGeom prst="rect">
             <a:avLst/>
@@ -6274,6 +9014,50 @@
               <a:lumMod val="95000"/>
               <a:lumOff val="5000"/>
             </a:schemeClr>
+          </a:solidFill>
+          <a:ln>
+            <a:noFill/>
+          </a:ln>
+        </p:spPr>
+        <p:style>
+          <a:lnRef idx="0">
+            <a:scrgbClr r="0" g="0" b="0"/>
+          </a:lnRef>
+          <a:fillRef idx="0">
+            <a:scrgbClr r="0" g="0" b="0"/>
+          </a:fillRef>
+          <a:effectRef idx="0">
+            <a:scrgbClr r="0" g="0" b="0"/>
+          </a:effectRef>
+          <a:fontRef idx="minor">
+            <a:schemeClr val="lt1"/>
+          </a:fontRef>
+        </p:style>
+        <p:txBody>
+          <a:bodyPr rtlCol="0" anchor="ctr"/>
+          <a:lstStyle/>
+          <a:p>
+            <a:pPr algn="ctr"/>
+            <a:endParaRPr lang="en-US" dirty="0"/>
+          </a:p>
+        </p:txBody>
+      </p:sp>
+      <p:sp>
+        <p:nvSpPr>
+          <p:cNvPr id="21" name="Rectangle 20"/>
+          <p:cNvSpPr/>
+          <p:nvPr/>
+        </p:nvSpPr>
+        <p:spPr>
+          <a:xfrm>
+            <a:off x="0" y="0"/>
+            <a:ext cx="6096000" cy="6858000"/>
+          </a:xfrm>
+          <a:prstGeom prst="rect">
+            <a:avLst/>
+          </a:prstGeom>
+          <a:solidFill>
+            <a:schemeClr val="bg1"/>
           </a:solidFill>
           <a:ln>
             <a:noFill/>
@@ -6300,29 +9084,26 @@
           <a:lstStyle/>
           <a:p>
             <a:pPr algn="ctr"/>
-            <a:endParaRPr lang="en-IN" dirty="0"/>
-          </a:p>
-        </p:txBody>
-      </p:sp>
-      <p:sp>
-        <p:nvSpPr>
-          <p:cNvPr id="8" name="Oval 7"/>
+            <a:endParaRPr lang="en-IN"/>
+          </a:p>
+        </p:txBody>
+      </p:sp>
+      <p:sp>
+        <p:nvSpPr>
+          <p:cNvPr id="13" name="Rectangle 12"/>
           <p:cNvSpPr/>
           <p:nvPr/>
         </p:nvSpPr>
         <p:spPr>
           <a:xfrm>
-            <a:off x="3585824" y="2666590"/>
-            <a:ext cx="5021942" cy="5021942"/>
+            <a:off x="0" y="0"/>
+            <a:ext cx="12193590" cy="1117600"/>
           </a:xfrm>
-          <a:prstGeom prst="ellipse">
+          <a:prstGeom prst="rect">
             <a:avLst/>
           </a:prstGeom>
           <a:solidFill>
-            <a:schemeClr val="tx1">
-              <a:lumMod val="95000"/>
-              <a:lumOff val="5000"/>
-            </a:schemeClr>
+            <a:schemeClr val="tx1"/>
           </a:solidFill>
           <a:ln>
             <a:noFill/>
@@ -6349,14 +9130,2406 @@
           <a:lstStyle/>
           <a:p>
             <a:pPr algn="ctr"/>
-            <a:endParaRPr lang="en-IN"/>
+            <a:endParaRPr lang="en-IN" dirty="0"/>
+          </a:p>
+        </p:txBody>
+      </p:sp>
+      <p:sp>
+        <p:nvSpPr>
+          <p:cNvPr id="14" name="Title 1">
+            <a:extLst>
+              <a:ext uri="{FF2B5EF4-FFF2-40B4-BE49-F238E27FC236}">
+                <a16:creationId xmlns:a16="http://schemas.microsoft.com/office/drawing/2014/main" id="{050E78D6-F072-48E7-8270-20EFBDD26F36}"/>
+              </a:ext>
+            </a:extLst>
+          </p:cNvPr>
+          <p:cNvSpPr txBox="1">
+            <a:spLocks/>
+          </p:cNvSpPr>
+          <p:nvPr/>
+        </p:nvSpPr>
+        <p:spPr bwMode="black">
+          <a:xfrm>
+            <a:off x="3327400" y="0"/>
+            <a:ext cx="5537200" cy="1117600"/>
+          </a:xfrm>
+          <a:prstGeom prst="rect">
+            <a:avLst/>
+          </a:prstGeom>
+          <a:noFill/>
+          <a:ln w="31750" cap="sq">
+            <a:noFill/>
+            <a:miter lim="800000"/>
+          </a:ln>
+          <a:effectLst/>
+        </p:spPr>
+        <p:txBody>
+          <a:bodyPr vert="horz" lIns="182880" tIns="182880" rIns="182880" bIns="182880" rtlCol="0" anchor="ctr">
+            <a:normAutofit fontScale="92500"/>
+          </a:bodyPr>
+          <a:lstStyle>
+            <a:lvl1pPr algn="ctr" defTabSz="914400" rtl="0" eaLnBrk="1" latinLnBrk="0" hangingPunct="1">
+              <a:lnSpc>
+                <a:spcPct val="90000"/>
+              </a:lnSpc>
+              <a:spcBef>
+                <a:spcPct val="0"/>
+              </a:spcBef>
+              <a:buNone/>
+              <a:defRPr sz="2800" kern="1200" cap="all" spc="200" baseline="0">
+                <a:solidFill>
+                  <a:srgbClr val="262626"/>
+                </a:solidFill>
+                <a:latin typeface="+mj-lt"/>
+                <a:ea typeface="+mj-ea"/>
+                <a:cs typeface="+mj-cs"/>
+              </a:defRPr>
+            </a:lvl1pPr>
+          </a:lstStyle>
+          <a:p>
+            <a:r>
+              <a:rPr lang="en-US" sz="3200" b="1" cap="none" dirty="0" smtClean="0">
+                <a:solidFill>
+                  <a:schemeClr val="bg1"/>
+                </a:solidFill>
+                <a:latin typeface="Arial" panose="020B0604020202020204" pitchFamily="34" charset="0"/>
+                <a:cs typeface="Arial" panose="020B0604020202020204" pitchFamily="34" charset="0"/>
+              </a:rPr>
+              <a:t>ML &amp; MOTOR CONTROL</a:t>
+            </a:r>
+            <a:endParaRPr lang="en-US" sz="2400" b="1" cap="none" dirty="0">
+              <a:solidFill>
+                <a:schemeClr val="bg1"/>
+              </a:solidFill>
+              <a:latin typeface="Arial" panose="020B0604020202020204" pitchFamily="34" charset="0"/>
+              <a:cs typeface="Arial" panose="020B0604020202020204" pitchFamily="34" charset="0"/>
+            </a:endParaRPr>
           </a:p>
         </p:txBody>
       </p:sp>
     </p:spTree>
     <p:extLst>
       <p:ext uri="{BB962C8B-B14F-4D97-AF65-F5344CB8AC3E}">
-        <p14:creationId xmlns:p14="http://schemas.microsoft.com/office/powerpoint/2010/main" val="1393986471"/>
+        <p14:creationId xmlns:p14="http://schemas.microsoft.com/office/powerpoint/2010/main" val="4255536015"/>
+      </p:ext>
+    </p:extLst>
+  </p:cSld>
+  <p:clrMapOvr>
+    <a:masterClrMapping/>
+  </p:clrMapOvr>
+  <p:timing>
+    <p:tnLst>
+      <p:par>
+        <p:cTn id="1" dur="indefinite" restart="never" nodeType="tmRoot"/>
+      </p:par>
+    </p:tnLst>
+  </p:timing>
+</p:sld>
+</file>
+
+<file path=ppt/slides/slide7.xml><?xml version="1.0" encoding="utf-8"?>
+<p:sld xmlns:a="http://schemas.openxmlformats.org/drawingml/2006/main" xmlns:r="http://schemas.openxmlformats.org/officeDocument/2006/relationships" xmlns:p="http://schemas.openxmlformats.org/presentationml/2006/main">
+  <p:cSld>
+    <p:bg>
+      <p:bgPr>
+        <a:solidFill>
+          <a:schemeClr val="bg1"/>
+        </a:solidFill>
+        <a:effectLst/>
+      </p:bgPr>
+    </p:bg>
+    <p:spTree>
+      <p:nvGrpSpPr>
+        <p:cNvPr id="1" name=""/>
+        <p:cNvGrpSpPr/>
+        <p:nvPr/>
+      </p:nvGrpSpPr>
+      <p:grpSpPr>
+        <a:xfrm>
+          <a:off x="0" y="0"/>
+          <a:ext cx="0" cy="0"/>
+          <a:chOff x="0" y="0"/>
+          <a:chExt cx="0" cy="0"/>
+        </a:xfrm>
+      </p:grpSpPr>
+      <p:sp useBgFill="1">
+        <p:nvSpPr>
+          <p:cNvPr id="18" name="Rectangle 17">
+            <a:extLst>
+              <a:ext uri="{FF2B5EF4-FFF2-40B4-BE49-F238E27FC236}">
+                <a16:creationId xmlns:a16="http://schemas.microsoft.com/office/drawing/2014/main" id="{93F0ADB5-A0B4-4B01-A8C4-FDC34CE22BD4}"/>
+              </a:ext>
+              <a:ext uri="{C183D7F6-B498-43B3-948B-1728B52AA6E4}">
+                <adec:decorative xmlns="" xmlns:adec="http://schemas.microsoft.com/office/drawing/2017/decorative" val="1"/>
+              </a:ext>
+            </a:extLst>
+          </p:cNvPr>
+          <p:cNvSpPr>
+            <a:spLocks noGrp="1" noRot="1" noChangeAspect="1" noMove="1" noResize="1" noEditPoints="1" noAdjustHandles="1" noChangeArrowheads="1" noChangeShapeType="1" noTextEdit="1"/>
+          </p:cNvSpPr>
+          <p:nvPr>
+            <p:extLst>
+              <p:ext uri="{386F3935-93C4-4BCD-93E2-E3B085C9AB24}">
+                <p16:designElem xmlns:p16="http://schemas.microsoft.com/office/powerpoint/2015/main" val="1"/>
+              </p:ext>
+            </p:extLst>
+          </p:nvPr>
+        </p:nvSpPr>
+        <p:spPr>
+          <a:xfrm>
+            <a:off x="0" y="0"/>
+            <a:ext cx="12191999" cy="6858000"/>
+          </a:xfrm>
+          <a:prstGeom prst="rect">
+            <a:avLst/>
+          </a:prstGeom>
+          <a:ln>
+            <a:noFill/>
+          </a:ln>
+        </p:spPr>
+        <p:style>
+          <a:lnRef idx="2">
+            <a:schemeClr val="accent1">
+              <a:shade val="50000"/>
+            </a:schemeClr>
+          </a:lnRef>
+          <a:fillRef idx="1">
+            <a:schemeClr val="accent1"/>
+          </a:fillRef>
+          <a:effectRef idx="0">
+            <a:schemeClr val="accent1"/>
+          </a:effectRef>
+          <a:fontRef idx="minor">
+            <a:schemeClr val="lt1"/>
+          </a:fontRef>
+        </p:style>
+        <p:txBody>
+          <a:bodyPr rtlCol="0" anchor="ctr"/>
+          <a:lstStyle/>
+          <a:p>
+            <a:pPr algn="ctr"/>
+            <a:endParaRPr lang="en-US" dirty="0"/>
+          </a:p>
+        </p:txBody>
+      </p:sp>
+      <p:sp>
+        <p:nvSpPr>
+          <p:cNvPr id="20" name="Rectangle 19">
+            <a:extLst>
+              <a:ext uri="{FF2B5EF4-FFF2-40B4-BE49-F238E27FC236}">
+                <a16:creationId xmlns:a16="http://schemas.microsoft.com/office/drawing/2014/main" id="{AA6D0FDE-0241-4C21-A720-A69475358235}"/>
+              </a:ext>
+              <a:ext uri="{C183D7F6-B498-43B3-948B-1728B52AA6E4}">
+                <adec:decorative xmlns="" xmlns:adec="http://schemas.microsoft.com/office/drawing/2017/decorative" val="1"/>
+              </a:ext>
+            </a:extLst>
+          </p:cNvPr>
+          <p:cNvSpPr>
+            <a:spLocks noGrp="1" noRot="1" noChangeAspect="1" noMove="1" noResize="1" noEditPoints="1" noAdjustHandles="1" noChangeArrowheads="1" noChangeShapeType="1" noTextEdit="1"/>
+          </p:cNvSpPr>
+          <p:nvPr>
+            <p:extLst>
+              <p:ext uri="{386F3935-93C4-4BCD-93E2-E3B085C9AB24}">
+                <p16:designElem xmlns:p16="http://schemas.microsoft.com/office/powerpoint/2015/main" val="1"/>
+              </p:ext>
+            </p:extLst>
+          </p:nvPr>
+        </p:nvSpPr>
+        <p:spPr>
+          <a:xfrm>
+            <a:off x="0" y="0"/>
+            <a:ext cx="4654296" cy="6858000"/>
+          </a:xfrm>
+          <a:prstGeom prst="rect">
+            <a:avLst/>
+          </a:prstGeom>
+          <a:solidFill>
+            <a:schemeClr val="tx1">
+              <a:lumMod val="95000"/>
+              <a:lumOff val="5000"/>
+            </a:schemeClr>
+          </a:solidFill>
+          <a:ln>
+            <a:noFill/>
+          </a:ln>
+        </p:spPr>
+        <p:style>
+          <a:lnRef idx="0">
+            <a:scrgbClr r="0" g="0" b="0"/>
+          </a:lnRef>
+          <a:fillRef idx="0">
+            <a:scrgbClr r="0" g="0" b="0"/>
+          </a:fillRef>
+          <a:effectRef idx="0">
+            <a:scrgbClr r="0" g="0" b="0"/>
+          </a:effectRef>
+          <a:fontRef idx="minor">
+            <a:schemeClr val="lt1"/>
+          </a:fontRef>
+        </p:style>
+        <p:txBody>
+          <a:bodyPr rtlCol="0" anchor="ctr"/>
+          <a:lstStyle/>
+          <a:p>
+            <a:pPr algn="ctr"/>
+            <a:endParaRPr lang="en-US" dirty="0"/>
+          </a:p>
+        </p:txBody>
+      </p:sp>
+      <p:sp>
+        <p:nvSpPr>
+          <p:cNvPr id="21" name="Rectangle 20"/>
+          <p:cNvSpPr/>
+          <p:nvPr/>
+        </p:nvSpPr>
+        <p:spPr>
+          <a:xfrm>
+            <a:off x="0" y="0"/>
+            <a:ext cx="6096000" cy="6858000"/>
+          </a:xfrm>
+          <a:prstGeom prst="rect">
+            <a:avLst/>
+          </a:prstGeom>
+          <a:solidFill>
+            <a:schemeClr val="bg1"/>
+          </a:solidFill>
+          <a:ln>
+            <a:noFill/>
+          </a:ln>
+        </p:spPr>
+        <p:style>
+          <a:lnRef idx="2">
+            <a:schemeClr val="accent1">
+              <a:shade val="50000"/>
+            </a:schemeClr>
+          </a:lnRef>
+          <a:fillRef idx="1">
+            <a:schemeClr val="accent1"/>
+          </a:fillRef>
+          <a:effectRef idx="0">
+            <a:schemeClr val="accent1"/>
+          </a:effectRef>
+          <a:fontRef idx="minor">
+            <a:schemeClr val="lt1"/>
+          </a:fontRef>
+        </p:style>
+        <p:txBody>
+          <a:bodyPr rtlCol="0" anchor="ctr"/>
+          <a:lstStyle/>
+          <a:p>
+            <a:pPr algn="ctr"/>
+            <a:endParaRPr lang="en-IN"/>
+          </a:p>
+        </p:txBody>
+      </p:sp>
+      <p:pic>
+        <p:nvPicPr>
+          <p:cNvPr id="8" name="Picture 7" descr="Diagram&#10;&#10;Description automatically generated">
+            <a:extLst>
+              <a:ext uri="{FF2B5EF4-FFF2-40B4-BE49-F238E27FC236}">
+                <a16:creationId xmlns:a16="http://schemas.microsoft.com/office/drawing/2014/main" id="{93B8674F-5DF1-7387-B539-B43EC78D23E4}"/>
+              </a:ext>
+            </a:extLst>
+          </p:cNvPr>
+          <p:cNvPicPr>
+            <a:picLocks noChangeAspect="1"/>
+          </p:cNvPicPr>
+          <p:nvPr/>
+        </p:nvPicPr>
+        <p:blipFill>
+          <a:blip r:embed="rId3">
+            <a:extLst>
+              <a:ext uri="{28A0092B-C50C-407E-A947-70E740481C1C}">
+                <a14:useLocalDpi xmlns:a14="http://schemas.microsoft.com/office/drawing/2010/main" val="0"/>
+              </a:ext>
+            </a:extLst>
+          </a:blip>
+          <a:stretch>
+            <a:fillRect/>
+          </a:stretch>
+        </p:blipFill>
+        <p:spPr>
+          <a:xfrm>
+            <a:off x="905329" y="2597815"/>
+            <a:ext cx="4292600" cy="2779970"/>
+          </a:xfrm>
+          <a:prstGeom prst="rect">
+            <a:avLst/>
+          </a:prstGeom>
+        </p:spPr>
+      </p:pic>
+      <p:sp>
+        <p:nvSpPr>
+          <p:cNvPr id="13" name="Rectangle 12"/>
+          <p:cNvSpPr/>
+          <p:nvPr/>
+        </p:nvSpPr>
+        <p:spPr>
+          <a:xfrm>
+            <a:off x="0" y="0"/>
+            <a:ext cx="12193590" cy="1117600"/>
+          </a:xfrm>
+          <a:prstGeom prst="rect">
+            <a:avLst/>
+          </a:prstGeom>
+          <a:solidFill>
+            <a:schemeClr val="tx1"/>
+          </a:solidFill>
+          <a:ln>
+            <a:noFill/>
+          </a:ln>
+        </p:spPr>
+        <p:style>
+          <a:lnRef idx="2">
+            <a:schemeClr val="accent1">
+              <a:shade val="50000"/>
+            </a:schemeClr>
+          </a:lnRef>
+          <a:fillRef idx="1">
+            <a:schemeClr val="accent1"/>
+          </a:fillRef>
+          <a:effectRef idx="0">
+            <a:schemeClr val="accent1"/>
+          </a:effectRef>
+          <a:fontRef idx="minor">
+            <a:schemeClr val="lt1"/>
+          </a:fontRef>
+        </p:style>
+        <p:txBody>
+          <a:bodyPr rtlCol="0" anchor="ctr"/>
+          <a:lstStyle/>
+          <a:p>
+            <a:pPr algn="ctr"/>
+            <a:endParaRPr lang="en-IN" dirty="0"/>
+          </a:p>
+        </p:txBody>
+      </p:sp>
+      <p:sp>
+        <p:nvSpPr>
+          <p:cNvPr id="14" name="Title 1">
+            <a:extLst>
+              <a:ext uri="{FF2B5EF4-FFF2-40B4-BE49-F238E27FC236}">
+                <a16:creationId xmlns:a16="http://schemas.microsoft.com/office/drawing/2014/main" id="{050E78D6-F072-48E7-8270-20EFBDD26F36}"/>
+              </a:ext>
+            </a:extLst>
+          </p:cNvPr>
+          <p:cNvSpPr txBox="1">
+            <a:spLocks/>
+          </p:cNvSpPr>
+          <p:nvPr/>
+        </p:nvSpPr>
+        <p:spPr bwMode="black">
+          <a:xfrm>
+            <a:off x="3599543" y="0"/>
+            <a:ext cx="4992914" cy="1117600"/>
+          </a:xfrm>
+          <a:prstGeom prst="rect">
+            <a:avLst/>
+          </a:prstGeom>
+          <a:noFill/>
+          <a:ln w="31750" cap="sq">
+            <a:noFill/>
+            <a:miter lim="800000"/>
+          </a:ln>
+          <a:effectLst/>
+        </p:spPr>
+        <p:txBody>
+          <a:bodyPr vert="horz" lIns="182880" tIns="182880" rIns="182880" bIns="182880" rtlCol="0" anchor="ctr">
+            <a:normAutofit/>
+          </a:bodyPr>
+          <a:lstStyle>
+            <a:lvl1pPr algn="ctr" defTabSz="914400" rtl="0" eaLnBrk="1" latinLnBrk="0" hangingPunct="1">
+              <a:lnSpc>
+                <a:spcPct val="90000"/>
+              </a:lnSpc>
+              <a:spcBef>
+                <a:spcPct val="0"/>
+              </a:spcBef>
+              <a:buNone/>
+              <a:defRPr sz="2800" kern="1200" cap="all" spc="200" baseline="0">
+                <a:solidFill>
+                  <a:srgbClr val="262626"/>
+                </a:solidFill>
+                <a:latin typeface="+mj-lt"/>
+                <a:ea typeface="+mj-ea"/>
+                <a:cs typeface="+mj-cs"/>
+              </a:defRPr>
+            </a:lvl1pPr>
+          </a:lstStyle>
+          <a:p>
+            <a:r>
+              <a:rPr lang="en-US" sz="3200" b="1" cap="none" dirty="0" smtClean="0">
+                <a:solidFill>
+                  <a:schemeClr val="bg1"/>
+                </a:solidFill>
+                <a:latin typeface="Arial" panose="020B0604020202020204" pitchFamily="34" charset="0"/>
+                <a:cs typeface="Arial" panose="020B0604020202020204" pitchFamily="34" charset="0"/>
+              </a:rPr>
+              <a:t>ARTIFICIAL NEURON</a:t>
+            </a:r>
+            <a:endParaRPr lang="en-US" sz="2400" b="1" cap="none" dirty="0">
+              <a:solidFill>
+                <a:schemeClr val="bg1"/>
+              </a:solidFill>
+              <a:latin typeface="Arial" panose="020B0604020202020204" pitchFamily="34" charset="0"/>
+              <a:cs typeface="Arial" panose="020B0604020202020204" pitchFamily="34" charset="0"/>
+            </a:endParaRPr>
+          </a:p>
+        </p:txBody>
+      </p:sp>
+      <p:pic>
+        <p:nvPicPr>
+          <p:cNvPr id="4" name="Picture 3"/>
+          <p:cNvPicPr>
+            <a:picLocks noChangeAspect="1"/>
+          </p:cNvPicPr>
+          <p:nvPr/>
+        </p:nvPicPr>
+        <p:blipFill>
+          <a:blip r:embed="rId4">
+            <a:biLevel thresh="75000"/>
+          </a:blip>
+          <a:stretch>
+            <a:fillRect/>
+          </a:stretch>
+        </p:blipFill>
+        <p:spPr>
+          <a:xfrm>
+            <a:off x="6103258" y="2822427"/>
+            <a:ext cx="5316537" cy="2330745"/>
+          </a:xfrm>
+          <a:prstGeom prst="rect">
+            <a:avLst/>
+          </a:prstGeom>
+        </p:spPr>
+      </p:pic>
+    </p:spTree>
+    <p:extLst>
+      <p:ext uri="{BB962C8B-B14F-4D97-AF65-F5344CB8AC3E}">
+        <p14:creationId xmlns:p14="http://schemas.microsoft.com/office/powerpoint/2010/main" val="4274167200"/>
+      </p:ext>
+    </p:extLst>
+  </p:cSld>
+  <p:clrMapOvr>
+    <a:masterClrMapping/>
+  </p:clrMapOvr>
+  <p:timing>
+    <p:tnLst>
+      <p:par>
+        <p:cTn id="1" dur="indefinite" restart="never" nodeType="tmRoot"/>
+      </p:par>
+    </p:tnLst>
+  </p:timing>
+</p:sld>
+</file>
+
+<file path=ppt/slides/slide8.xml><?xml version="1.0" encoding="utf-8"?>
+<p:sld xmlns:a="http://schemas.openxmlformats.org/drawingml/2006/main" xmlns:r="http://schemas.openxmlformats.org/officeDocument/2006/relationships" xmlns:p="http://schemas.openxmlformats.org/presentationml/2006/main">
+  <p:cSld>
+    <p:bg>
+      <p:bgPr>
+        <a:solidFill>
+          <a:schemeClr val="bg1"/>
+        </a:solidFill>
+        <a:effectLst/>
+      </p:bgPr>
+    </p:bg>
+    <p:spTree>
+      <p:nvGrpSpPr>
+        <p:cNvPr id="1" name=""/>
+        <p:cNvGrpSpPr/>
+        <p:nvPr/>
+      </p:nvGrpSpPr>
+      <p:grpSpPr>
+        <a:xfrm>
+          <a:off x="0" y="0"/>
+          <a:ext cx="0" cy="0"/>
+          <a:chOff x="0" y="0"/>
+          <a:chExt cx="0" cy="0"/>
+        </a:xfrm>
+      </p:grpSpPr>
+      <p:sp useBgFill="1">
+        <p:nvSpPr>
+          <p:cNvPr id="18" name="Rectangle 17">
+            <a:extLst>
+              <a:ext uri="{FF2B5EF4-FFF2-40B4-BE49-F238E27FC236}">
+                <a16:creationId xmlns:a16="http://schemas.microsoft.com/office/drawing/2014/main" id="{93F0ADB5-A0B4-4B01-A8C4-FDC34CE22BD4}"/>
+              </a:ext>
+              <a:ext uri="{C183D7F6-B498-43B3-948B-1728B52AA6E4}">
+                <adec:decorative xmlns="" xmlns:adec="http://schemas.microsoft.com/office/drawing/2017/decorative" val="1"/>
+              </a:ext>
+            </a:extLst>
+          </p:cNvPr>
+          <p:cNvSpPr>
+            <a:spLocks noGrp="1" noRot="1" noChangeAspect="1" noMove="1" noResize="1" noEditPoints="1" noAdjustHandles="1" noChangeArrowheads="1" noChangeShapeType="1" noTextEdit="1"/>
+          </p:cNvSpPr>
+          <p:nvPr>
+            <p:extLst>
+              <p:ext uri="{386F3935-93C4-4BCD-93E2-E3B085C9AB24}">
+                <p16:designElem xmlns:p16="http://schemas.microsoft.com/office/powerpoint/2015/main" val="1"/>
+              </p:ext>
+            </p:extLst>
+          </p:nvPr>
+        </p:nvSpPr>
+        <p:spPr>
+          <a:xfrm>
+            <a:off x="0" y="0"/>
+            <a:ext cx="12191999" cy="6858000"/>
+          </a:xfrm>
+          <a:prstGeom prst="rect">
+            <a:avLst/>
+          </a:prstGeom>
+          <a:ln>
+            <a:noFill/>
+          </a:ln>
+        </p:spPr>
+        <p:style>
+          <a:lnRef idx="2">
+            <a:schemeClr val="accent1">
+              <a:shade val="50000"/>
+            </a:schemeClr>
+          </a:lnRef>
+          <a:fillRef idx="1">
+            <a:schemeClr val="accent1"/>
+          </a:fillRef>
+          <a:effectRef idx="0">
+            <a:schemeClr val="accent1"/>
+          </a:effectRef>
+          <a:fontRef idx="minor">
+            <a:schemeClr val="lt1"/>
+          </a:fontRef>
+        </p:style>
+        <p:txBody>
+          <a:bodyPr rtlCol="0" anchor="ctr"/>
+          <a:lstStyle/>
+          <a:p>
+            <a:pPr algn="ctr"/>
+            <a:endParaRPr lang="en-US" dirty="0"/>
+          </a:p>
+        </p:txBody>
+      </p:sp>
+      <p:sp>
+        <p:nvSpPr>
+          <p:cNvPr id="20" name="Rectangle 19">
+            <a:extLst>
+              <a:ext uri="{FF2B5EF4-FFF2-40B4-BE49-F238E27FC236}">
+                <a16:creationId xmlns:a16="http://schemas.microsoft.com/office/drawing/2014/main" id="{AA6D0FDE-0241-4C21-A720-A69475358235}"/>
+              </a:ext>
+              <a:ext uri="{C183D7F6-B498-43B3-948B-1728B52AA6E4}">
+                <adec:decorative xmlns="" xmlns:adec="http://schemas.microsoft.com/office/drawing/2017/decorative" val="1"/>
+              </a:ext>
+            </a:extLst>
+          </p:cNvPr>
+          <p:cNvSpPr>
+            <a:spLocks noGrp="1" noRot="1" noChangeAspect="1" noMove="1" noResize="1" noEditPoints="1" noAdjustHandles="1" noChangeArrowheads="1" noChangeShapeType="1" noTextEdit="1"/>
+          </p:cNvSpPr>
+          <p:nvPr>
+            <p:extLst>
+              <p:ext uri="{386F3935-93C4-4BCD-93E2-E3B085C9AB24}">
+                <p16:designElem xmlns:p16="http://schemas.microsoft.com/office/powerpoint/2015/main" val="1"/>
+              </p:ext>
+            </p:extLst>
+          </p:nvPr>
+        </p:nvSpPr>
+        <p:spPr>
+          <a:xfrm>
+            <a:off x="0" y="0"/>
+            <a:ext cx="4654296" cy="6858000"/>
+          </a:xfrm>
+          <a:prstGeom prst="rect">
+            <a:avLst/>
+          </a:prstGeom>
+          <a:solidFill>
+            <a:schemeClr val="tx1">
+              <a:lumMod val="95000"/>
+              <a:lumOff val="5000"/>
+            </a:schemeClr>
+          </a:solidFill>
+          <a:ln>
+            <a:noFill/>
+          </a:ln>
+        </p:spPr>
+        <p:style>
+          <a:lnRef idx="0">
+            <a:scrgbClr r="0" g="0" b="0"/>
+          </a:lnRef>
+          <a:fillRef idx="0">
+            <a:scrgbClr r="0" g="0" b="0"/>
+          </a:fillRef>
+          <a:effectRef idx="0">
+            <a:scrgbClr r="0" g="0" b="0"/>
+          </a:effectRef>
+          <a:fontRef idx="minor">
+            <a:schemeClr val="lt1"/>
+          </a:fontRef>
+        </p:style>
+        <p:txBody>
+          <a:bodyPr rtlCol="0" anchor="ctr"/>
+          <a:lstStyle/>
+          <a:p>
+            <a:pPr algn="ctr"/>
+            <a:endParaRPr lang="en-US" dirty="0"/>
+          </a:p>
+        </p:txBody>
+      </p:sp>
+      <p:sp>
+        <p:nvSpPr>
+          <p:cNvPr id="21" name="Rectangle 20"/>
+          <p:cNvSpPr/>
+          <p:nvPr/>
+        </p:nvSpPr>
+        <p:spPr>
+          <a:xfrm>
+            <a:off x="0" y="0"/>
+            <a:ext cx="6096000" cy="6858000"/>
+          </a:xfrm>
+          <a:prstGeom prst="rect">
+            <a:avLst/>
+          </a:prstGeom>
+          <a:solidFill>
+            <a:schemeClr val="bg1"/>
+          </a:solidFill>
+          <a:ln>
+            <a:noFill/>
+          </a:ln>
+        </p:spPr>
+        <p:style>
+          <a:lnRef idx="2">
+            <a:schemeClr val="accent1">
+              <a:shade val="50000"/>
+            </a:schemeClr>
+          </a:lnRef>
+          <a:fillRef idx="1">
+            <a:schemeClr val="accent1"/>
+          </a:fillRef>
+          <a:effectRef idx="0">
+            <a:schemeClr val="accent1"/>
+          </a:effectRef>
+          <a:fontRef idx="minor">
+            <a:schemeClr val="lt1"/>
+          </a:fontRef>
+        </p:style>
+        <p:txBody>
+          <a:bodyPr rtlCol="0" anchor="ctr"/>
+          <a:lstStyle/>
+          <a:p>
+            <a:pPr algn="ctr"/>
+            <a:endParaRPr lang="en-IN"/>
+          </a:p>
+        </p:txBody>
+      </p:sp>
+      <p:sp>
+        <p:nvSpPr>
+          <p:cNvPr id="13" name="Rectangle 12"/>
+          <p:cNvSpPr/>
+          <p:nvPr/>
+        </p:nvSpPr>
+        <p:spPr>
+          <a:xfrm>
+            <a:off x="0" y="0"/>
+            <a:ext cx="12193590" cy="1117600"/>
+          </a:xfrm>
+          <a:prstGeom prst="rect">
+            <a:avLst/>
+          </a:prstGeom>
+          <a:solidFill>
+            <a:schemeClr val="tx1"/>
+          </a:solidFill>
+          <a:ln>
+            <a:noFill/>
+          </a:ln>
+        </p:spPr>
+        <p:style>
+          <a:lnRef idx="2">
+            <a:schemeClr val="accent1">
+              <a:shade val="50000"/>
+            </a:schemeClr>
+          </a:lnRef>
+          <a:fillRef idx="1">
+            <a:schemeClr val="accent1"/>
+          </a:fillRef>
+          <a:effectRef idx="0">
+            <a:schemeClr val="accent1"/>
+          </a:effectRef>
+          <a:fontRef idx="minor">
+            <a:schemeClr val="lt1"/>
+          </a:fontRef>
+        </p:style>
+        <p:txBody>
+          <a:bodyPr rtlCol="0" anchor="ctr"/>
+          <a:lstStyle/>
+          <a:p>
+            <a:pPr algn="ctr"/>
+            <a:endParaRPr lang="en-IN" dirty="0"/>
+          </a:p>
+        </p:txBody>
+      </p:sp>
+      <p:sp>
+        <p:nvSpPr>
+          <p:cNvPr id="14" name="Title 1">
+            <a:extLst>
+              <a:ext uri="{FF2B5EF4-FFF2-40B4-BE49-F238E27FC236}">
+                <a16:creationId xmlns:a16="http://schemas.microsoft.com/office/drawing/2014/main" id="{050E78D6-F072-48E7-8270-20EFBDD26F36}"/>
+              </a:ext>
+            </a:extLst>
+          </p:cNvPr>
+          <p:cNvSpPr txBox="1">
+            <a:spLocks/>
+          </p:cNvSpPr>
+          <p:nvPr/>
+        </p:nvSpPr>
+        <p:spPr bwMode="black">
+          <a:xfrm>
+            <a:off x="2362200" y="0"/>
+            <a:ext cx="7467600" cy="1117600"/>
+          </a:xfrm>
+          <a:prstGeom prst="rect">
+            <a:avLst/>
+          </a:prstGeom>
+          <a:noFill/>
+          <a:ln w="31750" cap="sq">
+            <a:noFill/>
+            <a:miter lim="800000"/>
+          </a:ln>
+          <a:effectLst/>
+        </p:spPr>
+        <p:txBody>
+          <a:bodyPr vert="horz" lIns="182880" tIns="182880" rIns="182880" bIns="182880" rtlCol="0" anchor="ctr">
+            <a:normAutofit/>
+          </a:bodyPr>
+          <a:lstStyle>
+            <a:lvl1pPr algn="ctr" defTabSz="914400" rtl="0" eaLnBrk="1" latinLnBrk="0" hangingPunct="1">
+              <a:lnSpc>
+                <a:spcPct val="90000"/>
+              </a:lnSpc>
+              <a:spcBef>
+                <a:spcPct val="0"/>
+              </a:spcBef>
+              <a:buNone/>
+              <a:defRPr sz="2800" kern="1200" cap="all" spc="200" baseline="0">
+                <a:solidFill>
+                  <a:srgbClr val="262626"/>
+                </a:solidFill>
+                <a:latin typeface="+mj-lt"/>
+                <a:ea typeface="+mj-ea"/>
+                <a:cs typeface="+mj-cs"/>
+              </a:defRPr>
+            </a:lvl1pPr>
+          </a:lstStyle>
+          <a:p>
+            <a:r>
+              <a:rPr lang="en-US" sz="3200" b="1" cap="none" dirty="0" smtClean="0">
+                <a:solidFill>
+                  <a:schemeClr val="bg1"/>
+                </a:solidFill>
+                <a:latin typeface="Arial" panose="020B0604020202020204" pitchFamily="34" charset="0"/>
+                <a:cs typeface="Arial" panose="020B0604020202020204" pitchFamily="34" charset="0"/>
+              </a:rPr>
+              <a:t>Regression</a:t>
+            </a:r>
+            <a:endParaRPr lang="en-US" sz="2400" b="1" cap="none" dirty="0">
+              <a:solidFill>
+                <a:schemeClr val="bg1"/>
+              </a:solidFill>
+              <a:latin typeface="Arial" panose="020B0604020202020204" pitchFamily="34" charset="0"/>
+              <a:cs typeface="Arial" panose="020B0604020202020204" pitchFamily="34" charset="0"/>
+            </a:endParaRPr>
+          </a:p>
+        </p:txBody>
+      </p:sp>
+      <p:grpSp>
+        <p:nvGrpSpPr>
+          <p:cNvPr id="51" name="Group 50"/>
+          <p:cNvGrpSpPr/>
+          <p:nvPr/>
+        </p:nvGrpSpPr>
+        <p:grpSpPr>
+          <a:xfrm>
+            <a:off x="3143248" y="1460837"/>
+            <a:ext cx="5905502" cy="5053926"/>
+            <a:chOff x="457200" y="1574959"/>
+            <a:chExt cx="5638800" cy="4825682"/>
+          </a:xfrm>
+        </p:grpSpPr>
+        <p:pic>
+          <p:nvPicPr>
+            <p:cNvPr id="5" name="Picture 4"/>
+            <p:cNvPicPr>
+              <a:picLocks noChangeAspect="1"/>
+            </p:cNvPicPr>
+            <p:nvPr/>
+          </p:nvPicPr>
+          <p:blipFill>
+            <a:blip r:embed="rId3">
+              <a:extLst>
+                <a:ext uri="{28A0092B-C50C-407E-A947-70E740481C1C}">
+                  <a14:useLocalDpi xmlns:a14="http://schemas.microsoft.com/office/drawing/2010/main" val="0"/>
+                </a:ext>
+              </a:extLst>
+            </a:blip>
+            <a:stretch>
+              <a:fillRect/>
+            </a:stretch>
+          </p:blipFill>
+          <p:spPr>
+            <a:xfrm>
+              <a:off x="457200" y="1574959"/>
+              <a:ext cx="5638800" cy="4825682"/>
+            </a:xfrm>
+            <a:prstGeom prst="rect">
+              <a:avLst/>
+            </a:prstGeom>
+          </p:spPr>
+        </p:pic>
+        <mc:AlternateContent xmlns:mc="http://schemas.openxmlformats.org/markup-compatibility/2006">
+          <mc:Choice xmlns:a14="http://schemas.microsoft.com/office/drawing/2010/main" Requires="a14">
+            <p:sp>
+              <p:nvSpPr>
+                <p:cNvPr id="15" name="TextBox 14"/>
+                <p:cNvSpPr txBox="1"/>
+                <p:nvPr/>
+              </p:nvSpPr>
+              <p:spPr>
+                <a:xfrm>
+                  <a:off x="2153809" y="2692856"/>
+                  <a:ext cx="1173591" cy="430887"/>
+                </a:xfrm>
+                <a:prstGeom prst="rect">
+                  <a:avLst/>
+                </a:prstGeom>
+                <a:noFill/>
+              </p:spPr>
+              <p:txBody>
+                <a:bodyPr wrap="none" lIns="0" tIns="0" rIns="0" bIns="0" rtlCol="0">
+                  <a:spAutoFit/>
+                </a:bodyPr>
+                <a:lstStyle/>
+                <a:p>
+                  <a14:m>
+                    <m:oMathPara xmlns:m="http://schemas.openxmlformats.org/officeDocument/2006/math">
+                      <m:oMathParaPr>
+                        <m:jc m:val="centerGroup"/>
+                      </m:oMathParaPr>
+                      <m:oMath xmlns:m="http://schemas.openxmlformats.org/officeDocument/2006/math">
+                        <m:r>
+                          <a:rPr lang="en-IN" sz="2800" b="0" i="1" smtClean="0">
+                            <a:latin typeface="Cambria Math" panose="02040503050406030204" pitchFamily="18" charset="0"/>
+                          </a:rPr>
+                          <m:t>𝑦</m:t>
+                        </m:r>
+                        <m:r>
+                          <a:rPr lang="en-IN" sz="2800" i="1" smtClean="0">
+                            <a:latin typeface="Cambria Math" panose="02040503050406030204" pitchFamily="18" charset="0"/>
+                          </a:rPr>
+                          <m:t>=</m:t>
+                        </m:r>
+                        <m:r>
+                          <a:rPr lang="en-IN" sz="2800" b="0" i="1" smtClean="0">
+                            <a:latin typeface="Cambria Math" panose="02040503050406030204" pitchFamily="18" charset="0"/>
+                          </a:rPr>
+                          <m:t>2</m:t>
+                        </m:r>
+                        <m:r>
+                          <a:rPr lang="en-IN" sz="2800" b="0" i="1" smtClean="0">
+                            <a:latin typeface="Cambria Math" panose="02040503050406030204" pitchFamily="18" charset="0"/>
+                          </a:rPr>
+                          <m:t>𝑥</m:t>
+                        </m:r>
+                      </m:oMath>
+                    </m:oMathPara>
+                  </a14:m>
+                  <a:endParaRPr lang="en-IN" sz="2800" dirty="0"/>
+                </a:p>
+              </p:txBody>
+            </p:sp>
+          </mc:Choice>
+          <mc:Fallback>
+            <p:sp>
+              <p:nvSpPr>
+                <p:cNvPr id="15" name="TextBox 14"/>
+                <p:cNvSpPr txBox="1">
+                  <a:spLocks noRot="1" noChangeAspect="1" noMove="1" noResize="1" noEditPoints="1" noAdjustHandles="1" noChangeArrowheads="1" noChangeShapeType="1" noTextEdit="1"/>
+                </p:cNvSpPr>
+                <p:nvPr/>
+              </p:nvSpPr>
+              <p:spPr>
+                <a:xfrm>
+                  <a:off x="2153809" y="2692856"/>
+                  <a:ext cx="1173591" cy="430887"/>
+                </a:xfrm>
+                <a:prstGeom prst="rect">
+                  <a:avLst/>
+                </a:prstGeom>
+                <a:blipFill>
+                  <a:blip r:embed="rId4"/>
+                  <a:stretch>
+                    <a:fillRect/>
+                  </a:stretch>
+                </a:blipFill>
+              </p:spPr>
+              <p:txBody>
+                <a:bodyPr/>
+                <a:lstStyle/>
+                <a:p>
+                  <a:r>
+                    <a:rPr lang="en-IN">
+                      <a:noFill/>
+                    </a:rPr>
+                    <a:t> </a:t>
+                  </a:r>
+                </a:p>
+              </p:txBody>
+            </p:sp>
+          </mc:Fallback>
+        </mc:AlternateContent>
+      </p:grpSp>
+      <p:grpSp>
+        <p:nvGrpSpPr>
+          <p:cNvPr id="81" name="Group 80"/>
+          <p:cNvGrpSpPr/>
+          <p:nvPr/>
+        </p:nvGrpSpPr>
+        <p:grpSpPr>
+          <a:xfrm>
+            <a:off x="6174144" y="3775163"/>
+            <a:ext cx="3824833" cy="640718"/>
+            <a:chOff x="3399698" y="3775163"/>
+            <a:chExt cx="3824833" cy="640718"/>
+          </a:xfrm>
+        </p:grpSpPr>
+        <p:cxnSp>
+          <p:nvCxnSpPr>
+            <p:cNvPr id="9" name="Straight Arrow Connector 8"/>
+            <p:cNvCxnSpPr/>
+            <p:nvPr/>
+          </p:nvCxnSpPr>
+          <p:spPr>
+            <a:xfrm>
+              <a:off x="3818798" y="4078515"/>
+              <a:ext cx="877881" cy="0"/>
+            </a:xfrm>
+            <a:prstGeom prst="straightConnector1">
+              <a:avLst/>
+            </a:prstGeom>
+            <a:ln w="19050">
+              <a:solidFill>
+                <a:schemeClr val="tx1">
+                  <a:lumMod val="95000"/>
+                  <a:lumOff val="5000"/>
+                </a:schemeClr>
+              </a:solidFill>
+              <a:tailEnd type="triangle"/>
+            </a:ln>
+          </p:spPr>
+          <p:style>
+            <a:lnRef idx="1">
+              <a:schemeClr val="accent1"/>
+            </a:lnRef>
+            <a:fillRef idx="0">
+              <a:schemeClr val="accent1"/>
+            </a:fillRef>
+            <a:effectRef idx="0">
+              <a:schemeClr val="accent1"/>
+            </a:effectRef>
+            <a:fontRef idx="minor">
+              <a:schemeClr val="tx1"/>
+            </a:fontRef>
+          </p:style>
+        </p:cxnSp>
+        <mc:AlternateContent xmlns:mc="http://schemas.openxmlformats.org/markup-compatibility/2006">
+          <mc:Choice xmlns:a14="http://schemas.microsoft.com/office/drawing/2010/main" Requires="a14">
+            <p:sp>
+              <p:nvSpPr>
+                <p:cNvPr id="23" name="TextBox 22"/>
+                <p:cNvSpPr txBox="1"/>
+                <p:nvPr/>
+              </p:nvSpPr>
+              <p:spPr>
+                <a:xfrm>
+                  <a:off x="3399698" y="3819753"/>
+                  <a:ext cx="301043" cy="430887"/>
+                </a:xfrm>
+                <a:prstGeom prst="rect">
+                  <a:avLst/>
+                </a:prstGeom>
+                <a:noFill/>
+              </p:spPr>
+              <p:txBody>
+                <a:bodyPr wrap="none" lIns="0" tIns="0" rIns="0" bIns="0" rtlCol="0">
+                  <a:spAutoFit/>
+                </a:bodyPr>
+                <a:lstStyle/>
+                <a:p>
+                  <a14:m>
+                    <m:oMathPara xmlns:m="http://schemas.openxmlformats.org/officeDocument/2006/math">
+                      <m:oMathParaPr>
+                        <m:jc m:val="centerGroup"/>
+                      </m:oMathParaPr>
+                      <m:oMath xmlns:m="http://schemas.openxmlformats.org/officeDocument/2006/math">
+                        <m:r>
+                          <a:rPr lang="en-IN" sz="2800" b="0" i="1" smtClean="0">
+                            <a:latin typeface="Cambria Math" panose="02040503050406030204" pitchFamily="18" charset="0"/>
+                          </a:rPr>
+                          <m:t>𝑥</m:t>
+                        </m:r>
+                      </m:oMath>
+                    </m:oMathPara>
+                  </a14:m>
+                  <a:endParaRPr lang="en-IN" sz="2800" dirty="0"/>
+                </a:p>
+              </p:txBody>
+            </p:sp>
+          </mc:Choice>
+          <mc:Fallback>
+            <p:sp>
+              <p:nvSpPr>
+                <p:cNvPr id="23" name="TextBox 22"/>
+                <p:cNvSpPr txBox="1">
+                  <a:spLocks noRot="1" noChangeAspect="1" noMove="1" noResize="1" noEditPoints="1" noAdjustHandles="1" noChangeArrowheads="1" noChangeShapeType="1" noTextEdit="1"/>
+                </p:cNvSpPr>
+                <p:nvPr/>
+              </p:nvSpPr>
+              <p:spPr>
+                <a:xfrm>
+                  <a:off x="3399698" y="3819753"/>
+                  <a:ext cx="301043" cy="430887"/>
+                </a:xfrm>
+                <a:prstGeom prst="rect">
+                  <a:avLst/>
+                </a:prstGeom>
+                <a:blipFill>
+                  <a:blip r:embed="rId5"/>
+                  <a:stretch>
+                    <a:fillRect/>
+                  </a:stretch>
+                </a:blipFill>
+              </p:spPr>
+              <p:txBody>
+                <a:bodyPr/>
+                <a:lstStyle/>
+                <a:p>
+                  <a:r>
+                    <a:rPr lang="en-IN">
+                      <a:noFill/>
+                    </a:rPr>
+                    <a:t> </a:t>
+                  </a:r>
+                </a:p>
+              </p:txBody>
+            </p:sp>
+          </mc:Fallback>
+        </mc:AlternateContent>
+        <p:grpSp>
+          <p:nvGrpSpPr>
+            <p:cNvPr id="28" name="Group 27"/>
+            <p:cNvGrpSpPr/>
+            <p:nvPr/>
+          </p:nvGrpSpPr>
+          <p:grpSpPr>
+            <a:xfrm>
+              <a:off x="4691284" y="3775163"/>
+              <a:ext cx="699200" cy="640718"/>
+              <a:chOff x="8071481" y="3667441"/>
+              <a:chExt cx="699200" cy="640718"/>
+            </a:xfrm>
+          </p:grpSpPr>
+          <p:sp>
+            <p:nvSpPr>
+              <p:cNvPr id="6" name="Oval 5"/>
+              <p:cNvSpPr/>
+              <p:nvPr/>
+            </p:nvSpPr>
+            <p:spPr>
+              <a:xfrm>
+                <a:off x="8071481" y="3667441"/>
+                <a:ext cx="640718" cy="640718"/>
+              </a:xfrm>
+              <a:prstGeom prst="ellipse">
+                <a:avLst/>
+              </a:prstGeom>
+              <a:noFill/>
+              <a:ln w="19050">
+                <a:solidFill>
+                  <a:schemeClr val="tx1">
+                    <a:lumMod val="95000"/>
+                    <a:lumOff val="5000"/>
+                  </a:schemeClr>
+                </a:solidFill>
+              </a:ln>
+            </p:spPr>
+            <p:style>
+              <a:lnRef idx="2">
+                <a:schemeClr val="accent1">
+                  <a:shade val="50000"/>
+                </a:schemeClr>
+              </a:lnRef>
+              <a:fillRef idx="1">
+                <a:schemeClr val="accent1"/>
+              </a:fillRef>
+              <a:effectRef idx="0">
+                <a:schemeClr val="accent1"/>
+              </a:effectRef>
+              <a:fontRef idx="minor">
+                <a:schemeClr val="lt1"/>
+              </a:fontRef>
+            </p:style>
+            <p:txBody>
+              <a:bodyPr rtlCol="0" anchor="ctr"/>
+              <a:lstStyle/>
+              <a:p>
+                <a:pPr algn="ctr"/>
+                <a:endParaRPr lang="en-IN"/>
+              </a:p>
+            </p:txBody>
+          </p:sp>
+          <mc:AlternateContent xmlns:mc="http://schemas.openxmlformats.org/markup-compatibility/2006">
+            <mc:Choice xmlns:a14="http://schemas.microsoft.com/office/drawing/2010/main" Requires="a14">
+              <p:sp>
+                <p:nvSpPr>
+                  <p:cNvPr id="30" name="TextBox 29"/>
+                  <p:cNvSpPr txBox="1"/>
+                  <p:nvPr/>
+                </p:nvSpPr>
+                <p:spPr>
+                  <a:xfrm>
+                    <a:off x="8253272" y="3710900"/>
+                    <a:ext cx="517409" cy="596253"/>
+                  </a:xfrm>
+                  <a:prstGeom prst="rect">
+                    <a:avLst/>
+                  </a:prstGeom>
+                  <a:noFill/>
+                </p:spPr>
+                <p:txBody>
+                  <a:bodyPr wrap="square" lIns="0" tIns="0" rIns="0" bIns="0" rtlCol="0">
+                    <a:spAutoFit/>
+                  </a:bodyPr>
+                  <a:lstStyle/>
+                  <a:p>
+                    <a14:m>
+                      <m:oMathPara xmlns:m="http://schemas.openxmlformats.org/officeDocument/2006/math">
+                        <m:oMathParaPr>
+                          <m:jc m:val="centerGroup"/>
+                        </m:oMathParaPr>
+                        <m:oMath xmlns:m="http://schemas.openxmlformats.org/officeDocument/2006/math">
+                          <m:nary>
+                            <m:naryPr>
+                              <m:chr m:val="∑"/>
+                              <m:subHide m:val="on"/>
+                              <m:supHide m:val="on"/>
+                              <m:ctrlPr>
+                                <a:rPr lang="en-IN" sz="1600" b="0" i="1" smtClean="0">
+                                  <a:latin typeface="Cambria Math" panose="02040503050406030204" pitchFamily="18" charset="0"/>
+                                </a:rPr>
+                              </m:ctrlPr>
+                            </m:naryPr>
+                            <m:sub/>
+                            <m:sup/>
+                            <m:e/>
+                          </m:nary>
+                        </m:oMath>
+                      </m:oMathPara>
+                    </a14:m>
+                    <a:endParaRPr lang="en-IN" sz="1600" i="1" dirty="0"/>
+                  </a:p>
+                </p:txBody>
+              </p:sp>
+            </mc:Choice>
+            <mc:Fallback>
+              <p:sp>
+                <p:nvSpPr>
+                  <p:cNvPr id="30" name="TextBox 29"/>
+                  <p:cNvSpPr txBox="1">
+                    <a:spLocks noRot="1" noChangeAspect="1" noMove="1" noResize="1" noEditPoints="1" noAdjustHandles="1" noChangeArrowheads="1" noChangeShapeType="1" noTextEdit="1"/>
+                  </p:cNvSpPr>
+                  <p:nvPr/>
+                </p:nvSpPr>
+                <p:spPr>
+                  <a:xfrm>
+                    <a:off x="8253272" y="3710900"/>
+                    <a:ext cx="517409" cy="596253"/>
+                  </a:xfrm>
+                  <a:prstGeom prst="rect">
+                    <a:avLst/>
+                  </a:prstGeom>
+                  <a:blipFill>
+                    <a:blip r:embed="rId6"/>
+                    <a:stretch>
+                      <a:fillRect/>
+                    </a:stretch>
+                  </a:blipFill>
+                </p:spPr>
+                <p:txBody>
+                  <a:bodyPr/>
+                  <a:lstStyle/>
+                  <a:p>
+                    <a:r>
+                      <a:rPr lang="en-IN">
+                        <a:noFill/>
+                      </a:rPr>
+                      <a:t> </a:t>
+                    </a:r>
+                  </a:p>
+                </p:txBody>
+              </p:sp>
+            </mc:Fallback>
+          </mc:AlternateContent>
+        </p:grpSp>
+        <p:cxnSp>
+          <p:nvCxnSpPr>
+            <p:cNvPr id="35" name="Straight Arrow Connector 34"/>
+            <p:cNvCxnSpPr/>
+            <p:nvPr/>
+          </p:nvCxnSpPr>
+          <p:spPr>
+            <a:xfrm>
+              <a:off x="6697481" y="4103915"/>
+              <a:ext cx="527050" cy="0"/>
+            </a:xfrm>
+            <a:prstGeom prst="straightConnector1">
+              <a:avLst/>
+            </a:prstGeom>
+            <a:ln w="19050">
+              <a:solidFill>
+                <a:schemeClr val="tx1">
+                  <a:lumMod val="95000"/>
+                  <a:lumOff val="5000"/>
+                </a:schemeClr>
+              </a:solidFill>
+              <a:tailEnd type="triangle"/>
+            </a:ln>
+          </p:spPr>
+          <p:style>
+            <a:lnRef idx="1">
+              <a:schemeClr val="accent1"/>
+            </a:lnRef>
+            <a:fillRef idx="0">
+              <a:schemeClr val="accent1"/>
+            </a:fillRef>
+            <a:effectRef idx="0">
+              <a:schemeClr val="accent1"/>
+            </a:effectRef>
+            <a:fontRef idx="minor">
+              <a:schemeClr val="tx1"/>
+            </a:fontRef>
+          </p:style>
+        </p:cxnSp>
+        <p:cxnSp>
+          <p:nvCxnSpPr>
+            <p:cNvPr id="36" name="Straight Arrow Connector 35"/>
+            <p:cNvCxnSpPr/>
+            <p:nvPr/>
+          </p:nvCxnSpPr>
+          <p:spPr>
+            <a:xfrm>
+              <a:off x="5332002" y="4097565"/>
+              <a:ext cx="836839" cy="0"/>
+            </a:xfrm>
+            <a:prstGeom prst="straightConnector1">
+              <a:avLst/>
+            </a:prstGeom>
+            <a:ln w="19050">
+              <a:solidFill>
+                <a:schemeClr val="tx1">
+                  <a:lumMod val="95000"/>
+                  <a:lumOff val="5000"/>
+                </a:schemeClr>
+              </a:solidFill>
+              <a:tailEnd type="triangle"/>
+            </a:ln>
+          </p:spPr>
+          <p:style>
+            <a:lnRef idx="1">
+              <a:schemeClr val="accent1"/>
+            </a:lnRef>
+            <a:fillRef idx="0">
+              <a:schemeClr val="accent1"/>
+            </a:fillRef>
+            <a:effectRef idx="0">
+              <a:schemeClr val="accent1"/>
+            </a:effectRef>
+            <a:fontRef idx="minor">
+              <a:schemeClr val="tx1"/>
+            </a:fontRef>
+          </p:style>
+        </p:cxnSp>
+        <p:sp>
+          <p:nvSpPr>
+            <p:cNvPr id="40" name="Rectangle 39"/>
+            <p:cNvSpPr/>
+            <p:nvPr/>
+          </p:nvSpPr>
+          <p:spPr>
+            <a:xfrm>
+              <a:off x="6168841" y="3799438"/>
+              <a:ext cx="527049" cy="596253"/>
+            </a:xfrm>
+            <a:prstGeom prst="rect">
+              <a:avLst/>
+            </a:prstGeom>
+            <a:noFill/>
+            <a:ln>
+              <a:solidFill>
+                <a:schemeClr val="tx1"/>
+              </a:solidFill>
+            </a:ln>
+          </p:spPr>
+          <p:style>
+            <a:lnRef idx="2">
+              <a:schemeClr val="accent1">
+                <a:shade val="50000"/>
+              </a:schemeClr>
+            </a:lnRef>
+            <a:fillRef idx="1">
+              <a:schemeClr val="accent1"/>
+            </a:fillRef>
+            <a:effectRef idx="0">
+              <a:schemeClr val="accent1"/>
+            </a:effectRef>
+            <a:fontRef idx="minor">
+              <a:schemeClr val="lt1"/>
+            </a:fontRef>
+          </p:style>
+          <p:txBody>
+            <a:bodyPr rtlCol="0" anchor="ctr"/>
+            <a:lstStyle/>
+            <a:p>
+              <a:pPr algn="ctr"/>
+              <a:endParaRPr lang="en-IN"/>
+            </a:p>
+          </p:txBody>
+        </p:sp>
+        <p:grpSp>
+          <p:nvGrpSpPr>
+            <p:cNvPr id="49" name="Group 48"/>
+            <p:cNvGrpSpPr/>
+            <p:nvPr/>
+          </p:nvGrpSpPr>
+          <p:grpSpPr>
+            <a:xfrm>
+              <a:off x="6185504" y="3935902"/>
+              <a:ext cx="493722" cy="336026"/>
+              <a:chOff x="9386487" y="3857625"/>
+              <a:chExt cx="407193" cy="277136"/>
+            </a:xfrm>
+          </p:grpSpPr>
+          <p:grpSp>
+            <p:nvGrpSpPr>
+              <p:cNvPr id="45" name="Group 44"/>
+              <p:cNvGrpSpPr/>
+              <p:nvPr/>
+            </p:nvGrpSpPr>
+            <p:grpSpPr>
+              <a:xfrm>
+                <a:off x="9451515" y="3857625"/>
+                <a:ext cx="277138" cy="277136"/>
+                <a:chOff x="9386487" y="3792596"/>
+                <a:chExt cx="407193" cy="407193"/>
+              </a:xfrm>
+            </p:grpSpPr>
+            <p:cxnSp>
+              <p:nvCxnSpPr>
+                <p:cNvPr id="44" name="Straight Connector 43"/>
+                <p:cNvCxnSpPr/>
+                <p:nvPr/>
+              </p:nvCxnSpPr>
+              <p:spPr>
+                <a:xfrm>
+                  <a:off x="9590084" y="3792596"/>
+                  <a:ext cx="0" cy="407193"/>
+                </a:xfrm>
+                <a:prstGeom prst="line">
+                  <a:avLst/>
+                </a:prstGeom>
+                <a:ln>
+                  <a:solidFill>
+                    <a:schemeClr val="bg1">
+                      <a:lumMod val="75000"/>
+                    </a:schemeClr>
+                  </a:solidFill>
+                </a:ln>
+              </p:spPr>
+              <p:style>
+                <a:lnRef idx="1">
+                  <a:schemeClr val="accent1"/>
+                </a:lnRef>
+                <a:fillRef idx="0">
+                  <a:schemeClr val="accent1"/>
+                </a:fillRef>
+                <a:effectRef idx="0">
+                  <a:schemeClr val="accent1"/>
+                </a:effectRef>
+                <a:fontRef idx="minor">
+                  <a:schemeClr val="tx1"/>
+                </a:fontRef>
+              </p:style>
+            </p:cxnSp>
+            <p:cxnSp>
+              <p:nvCxnSpPr>
+                <p:cNvPr id="46" name="Straight Connector 45"/>
+                <p:cNvCxnSpPr/>
+                <p:nvPr/>
+              </p:nvCxnSpPr>
+              <p:spPr>
+                <a:xfrm rot="5400000">
+                  <a:off x="9590084" y="3805429"/>
+                  <a:ext cx="0" cy="407193"/>
+                </a:xfrm>
+                <a:prstGeom prst="line">
+                  <a:avLst/>
+                </a:prstGeom>
+                <a:ln>
+                  <a:solidFill>
+                    <a:schemeClr val="bg1">
+                      <a:lumMod val="75000"/>
+                    </a:schemeClr>
+                  </a:solidFill>
+                </a:ln>
+              </p:spPr>
+              <p:style>
+                <a:lnRef idx="1">
+                  <a:schemeClr val="accent1"/>
+                </a:lnRef>
+                <a:fillRef idx="0">
+                  <a:schemeClr val="accent1"/>
+                </a:fillRef>
+                <a:effectRef idx="0">
+                  <a:schemeClr val="accent1"/>
+                </a:effectRef>
+                <a:fontRef idx="minor">
+                  <a:schemeClr val="tx1"/>
+                </a:fontRef>
+              </p:style>
+            </p:cxnSp>
+          </p:grpSp>
+          <p:cxnSp>
+            <p:nvCxnSpPr>
+              <p:cNvPr id="47" name="Straight Connector 46"/>
+              <p:cNvCxnSpPr/>
+              <p:nvPr/>
+            </p:nvCxnSpPr>
+            <p:spPr>
+              <a:xfrm rot="2700000">
+                <a:off x="9590084" y="3805429"/>
+                <a:ext cx="0" cy="407193"/>
+              </a:xfrm>
+              <a:prstGeom prst="line">
+                <a:avLst/>
+              </a:prstGeom>
+              <a:ln w="12700">
+                <a:solidFill>
+                  <a:schemeClr val="tx1"/>
+                </a:solidFill>
+              </a:ln>
+            </p:spPr>
+            <p:style>
+              <a:lnRef idx="1">
+                <a:schemeClr val="accent1"/>
+              </a:lnRef>
+              <a:fillRef idx="0">
+                <a:schemeClr val="accent1"/>
+              </a:fillRef>
+              <a:effectRef idx="0">
+                <a:schemeClr val="accent1"/>
+              </a:effectRef>
+              <a:fontRef idx="minor">
+                <a:schemeClr val="tx1"/>
+              </a:fontRef>
+            </p:style>
+          </p:cxnSp>
+        </p:grpSp>
+      </p:grpSp>
+      <mc:AlternateContent xmlns:mc="http://schemas.openxmlformats.org/markup-compatibility/2006">
+        <mc:Choice xmlns:a14="http://schemas.microsoft.com/office/drawing/2010/main" Requires="a14">
+          <p:sp>
+            <p:nvSpPr>
+              <p:cNvPr id="25" name="TextBox 24"/>
+              <p:cNvSpPr txBox="1"/>
+              <p:nvPr/>
+            </p:nvSpPr>
+            <p:spPr>
+              <a:xfrm>
+                <a:off x="6717314" y="3559719"/>
+                <a:ext cx="374398" cy="430887"/>
+              </a:xfrm>
+              <a:prstGeom prst="rect">
+                <a:avLst/>
+              </a:prstGeom>
+              <a:solidFill>
+                <a:schemeClr val="bg1"/>
+              </a:solidFill>
+            </p:spPr>
+            <p:txBody>
+              <a:bodyPr wrap="none" lIns="0" tIns="0" rIns="0" bIns="0" rtlCol="0">
+                <a:spAutoFit/>
+              </a:bodyPr>
+              <a:lstStyle/>
+              <a:p>
+                <a14:m>
+                  <m:oMathPara xmlns:m="http://schemas.openxmlformats.org/officeDocument/2006/math">
+                    <m:oMathParaPr>
+                      <m:jc m:val="centerGroup"/>
+                    </m:oMathParaPr>
+                    <m:oMath xmlns:m="http://schemas.openxmlformats.org/officeDocument/2006/math">
+                      <m:r>
+                        <a:rPr lang="en-IN" sz="2800" b="0" i="1" smtClean="0">
+                          <a:latin typeface="Cambria Math" panose="02040503050406030204" pitchFamily="18" charset="0"/>
+                        </a:rPr>
+                        <m:t>𝑤</m:t>
+                      </m:r>
+                    </m:oMath>
+                  </m:oMathPara>
+                </a14:m>
+                <a:endParaRPr lang="en-IN" sz="2800" i="1" dirty="0"/>
+              </a:p>
+            </p:txBody>
+          </p:sp>
+        </mc:Choice>
+        <mc:Fallback>
+          <p:sp>
+            <p:nvSpPr>
+              <p:cNvPr id="25" name="TextBox 24"/>
+              <p:cNvSpPr txBox="1">
+                <a:spLocks noRot="1" noChangeAspect="1" noMove="1" noResize="1" noEditPoints="1" noAdjustHandles="1" noChangeArrowheads="1" noChangeShapeType="1" noTextEdit="1"/>
+              </p:cNvSpPr>
+              <p:nvPr/>
+            </p:nvSpPr>
+            <p:spPr>
+              <a:xfrm>
+                <a:off x="6717314" y="3559719"/>
+                <a:ext cx="374398" cy="430887"/>
+              </a:xfrm>
+              <a:prstGeom prst="rect">
+                <a:avLst/>
+              </a:prstGeom>
+              <a:blipFill>
+                <a:blip r:embed="rId7"/>
+                <a:stretch>
+                  <a:fillRect/>
+                </a:stretch>
+              </a:blipFill>
+            </p:spPr>
+            <p:txBody>
+              <a:bodyPr/>
+              <a:lstStyle/>
+              <a:p>
+                <a:r>
+                  <a:rPr lang="en-IN">
+                    <a:noFill/>
+                  </a:rPr>
+                  <a:t> </a:t>
+                </a:r>
+              </a:p>
+            </p:txBody>
+          </p:sp>
+        </mc:Fallback>
+      </mc:AlternateContent>
+      <mc:AlternateContent xmlns:mc="http://schemas.openxmlformats.org/markup-compatibility/2006">
+        <mc:Choice xmlns:a14="http://schemas.microsoft.com/office/drawing/2010/main" Requires="a14">
+          <p:sp>
+            <p:nvSpPr>
+              <p:cNvPr id="73" name="TextBox 72"/>
+              <p:cNvSpPr txBox="1"/>
+              <p:nvPr/>
+            </p:nvSpPr>
+            <p:spPr>
+              <a:xfrm>
+                <a:off x="10057989" y="3819752"/>
+                <a:ext cx="1510350" cy="430887"/>
+              </a:xfrm>
+              <a:prstGeom prst="rect">
+                <a:avLst/>
+              </a:prstGeom>
+              <a:solidFill>
+                <a:schemeClr val="bg1"/>
+              </a:solidFill>
+            </p:spPr>
+            <p:txBody>
+              <a:bodyPr wrap="none" lIns="0" tIns="0" rIns="0" bIns="0" rtlCol="0">
+                <a:spAutoFit/>
+              </a:bodyPr>
+              <a:lstStyle/>
+              <a:p>
+                <a14:m>
+                  <m:oMathPara xmlns:m="http://schemas.openxmlformats.org/officeDocument/2006/math">
+                    <m:oMathParaPr>
+                      <m:jc m:val="centerGroup"/>
+                    </m:oMathParaPr>
+                    <m:oMath xmlns:m="http://schemas.openxmlformats.org/officeDocument/2006/math">
+                      <m:r>
+                        <a:rPr lang="en-IN" sz="2800" b="0" i="1" smtClean="0">
+                          <a:latin typeface="Cambria Math" panose="02040503050406030204" pitchFamily="18" charset="0"/>
+                        </a:rPr>
+                        <m:t>𝑦</m:t>
+                      </m:r>
+                      <m:r>
+                        <a:rPr lang="en-IN" sz="2800" i="1" smtClean="0">
+                          <a:latin typeface="Cambria Math" panose="02040503050406030204" pitchFamily="18" charset="0"/>
+                        </a:rPr>
+                        <m:t>=</m:t>
+                      </m:r>
+                      <m:r>
+                        <a:rPr lang="en-IN" sz="2800" b="0" i="1" smtClean="0">
+                          <a:latin typeface="Cambria Math" panose="02040503050406030204" pitchFamily="18" charset="0"/>
+                        </a:rPr>
+                        <m:t>𝑤</m:t>
+                      </m:r>
+                      <m:r>
+                        <a:rPr lang="en-IN" sz="2800" b="0" i="1" smtClean="0">
+                          <a:latin typeface="Cambria Math" panose="02040503050406030204" pitchFamily="18" charset="0"/>
+                          <a:ea typeface="Cambria Math" panose="02040503050406030204" pitchFamily="18" charset="0"/>
+                        </a:rPr>
+                        <m:t>∙</m:t>
+                      </m:r>
+                      <m:r>
+                        <a:rPr lang="en-IN" sz="2800" b="0" i="1" smtClean="0">
+                          <a:latin typeface="Cambria Math" panose="02040503050406030204" pitchFamily="18" charset="0"/>
+                        </a:rPr>
+                        <m:t>𝑥</m:t>
+                      </m:r>
+                    </m:oMath>
+                  </m:oMathPara>
+                </a14:m>
+                <a:endParaRPr lang="en-IN" sz="2800" dirty="0"/>
+              </a:p>
+            </p:txBody>
+          </p:sp>
+        </mc:Choice>
+        <mc:Fallback>
+          <p:sp>
+            <p:nvSpPr>
+              <p:cNvPr id="73" name="TextBox 72"/>
+              <p:cNvSpPr txBox="1">
+                <a:spLocks noRot="1" noChangeAspect="1" noMove="1" noResize="1" noEditPoints="1" noAdjustHandles="1" noChangeArrowheads="1" noChangeShapeType="1" noTextEdit="1"/>
+              </p:cNvSpPr>
+              <p:nvPr/>
+            </p:nvSpPr>
+            <p:spPr>
+              <a:xfrm>
+                <a:off x="10057989" y="3819752"/>
+                <a:ext cx="1510350" cy="430887"/>
+              </a:xfrm>
+              <a:prstGeom prst="rect">
+                <a:avLst/>
+              </a:prstGeom>
+              <a:blipFill>
+                <a:blip r:embed="rId8"/>
+                <a:stretch>
+                  <a:fillRect/>
+                </a:stretch>
+              </a:blipFill>
+            </p:spPr>
+            <p:txBody>
+              <a:bodyPr/>
+              <a:lstStyle/>
+              <a:p>
+                <a:r>
+                  <a:rPr lang="en-IN">
+                    <a:noFill/>
+                  </a:rPr>
+                  <a:t> </a:t>
+                </a:r>
+              </a:p>
+            </p:txBody>
+          </p:sp>
+        </mc:Fallback>
+      </mc:AlternateContent>
+      <mc:AlternateContent xmlns:mc="http://schemas.openxmlformats.org/markup-compatibility/2006">
+        <mc:Choice xmlns:a14="http://schemas.microsoft.com/office/drawing/2010/main" Requires="a14">
+          <p:sp>
+            <p:nvSpPr>
+              <p:cNvPr id="80" name="Rectangle 79"/>
+              <p:cNvSpPr/>
+              <p:nvPr/>
+            </p:nvSpPr>
+            <p:spPr>
+              <a:xfrm>
+                <a:off x="8130157" y="3692631"/>
+                <a:ext cx="724173" cy="369332"/>
+              </a:xfrm>
+              <a:prstGeom prst="rect">
+                <a:avLst/>
+              </a:prstGeom>
+              <a:solidFill>
+                <a:schemeClr val="bg1"/>
+              </a:solidFill>
+            </p:spPr>
+            <p:txBody>
+              <a:bodyPr wrap="none">
+                <a:spAutoFit/>
+              </a:bodyPr>
+              <a:lstStyle/>
+              <a:p>
+                <a:pPr/>
+                <a14:m>
+                  <m:oMathPara xmlns:m="http://schemas.openxmlformats.org/officeDocument/2006/math">
+                    <m:oMathParaPr>
+                      <m:jc m:val="centerGroup"/>
+                    </m:oMathParaPr>
+                    <m:oMath xmlns:m="http://schemas.openxmlformats.org/officeDocument/2006/math">
+                      <m:r>
+                        <a:rPr lang="en-IN" i="1">
+                          <a:latin typeface="Cambria Math" panose="02040503050406030204" pitchFamily="18" charset="0"/>
+                        </a:rPr>
+                        <m:t>𝑤</m:t>
+                      </m:r>
+                      <m:r>
+                        <a:rPr lang="en-IN" i="1">
+                          <a:latin typeface="Cambria Math" panose="02040503050406030204" pitchFamily="18" charset="0"/>
+                          <a:ea typeface="Cambria Math" panose="02040503050406030204" pitchFamily="18" charset="0"/>
+                        </a:rPr>
+                        <m:t>∙</m:t>
+                      </m:r>
+                      <m:r>
+                        <a:rPr lang="en-IN" i="1">
+                          <a:latin typeface="Cambria Math" panose="02040503050406030204" pitchFamily="18" charset="0"/>
+                        </a:rPr>
+                        <m:t>𝑥</m:t>
+                      </m:r>
+                    </m:oMath>
+                  </m:oMathPara>
+                </a14:m>
+                <a:endParaRPr lang="en-IN" dirty="0"/>
+              </a:p>
+            </p:txBody>
+          </p:sp>
+        </mc:Choice>
+        <mc:Fallback>
+          <p:sp>
+            <p:nvSpPr>
+              <p:cNvPr id="80" name="Rectangle 79"/>
+              <p:cNvSpPr>
+                <a:spLocks noRot="1" noChangeAspect="1" noMove="1" noResize="1" noEditPoints="1" noAdjustHandles="1" noChangeArrowheads="1" noChangeShapeType="1" noTextEdit="1"/>
+              </p:cNvSpPr>
+              <p:nvPr/>
+            </p:nvSpPr>
+            <p:spPr>
+              <a:xfrm>
+                <a:off x="8130157" y="3692631"/>
+                <a:ext cx="724173" cy="369332"/>
+              </a:xfrm>
+              <a:prstGeom prst="rect">
+                <a:avLst/>
+              </a:prstGeom>
+              <a:blipFill>
+                <a:blip r:embed="rId9"/>
+                <a:stretch>
+                  <a:fillRect/>
+                </a:stretch>
+              </a:blipFill>
+            </p:spPr>
+            <p:txBody>
+              <a:bodyPr/>
+              <a:lstStyle/>
+              <a:p>
+                <a:r>
+                  <a:rPr lang="en-IN">
+                    <a:noFill/>
+                  </a:rPr>
+                  <a:t> </a:t>
+                </a:r>
+              </a:p>
+            </p:txBody>
+          </p:sp>
+        </mc:Fallback>
+      </mc:AlternateContent>
+      <p:sp>
+        <p:nvSpPr>
+          <p:cNvPr id="83" name="Rectangle 82"/>
+          <p:cNvSpPr/>
+          <p:nvPr/>
+        </p:nvSpPr>
+        <p:spPr>
+          <a:xfrm>
+            <a:off x="7258050" y="3575094"/>
+            <a:ext cx="2477402" cy="1040856"/>
+          </a:xfrm>
+          <a:prstGeom prst="rect">
+            <a:avLst/>
+          </a:prstGeom>
+          <a:noFill/>
+          <a:ln>
+            <a:solidFill>
+              <a:schemeClr val="tx1"/>
+            </a:solidFill>
+          </a:ln>
+        </p:spPr>
+        <p:style>
+          <a:lnRef idx="2">
+            <a:schemeClr val="accent1">
+              <a:shade val="50000"/>
+            </a:schemeClr>
+          </a:lnRef>
+          <a:fillRef idx="1">
+            <a:schemeClr val="accent1"/>
+          </a:fillRef>
+          <a:effectRef idx="0">
+            <a:schemeClr val="accent1"/>
+          </a:effectRef>
+          <a:fontRef idx="minor">
+            <a:schemeClr val="lt1"/>
+          </a:fontRef>
+        </p:style>
+        <p:txBody>
+          <a:bodyPr rtlCol="0" anchor="ctr"/>
+          <a:lstStyle/>
+          <a:p>
+            <a:pPr algn="ctr"/>
+            <a:endParaRPr lang="en-IN"/>
+          </a:p>
+        </p:txBody>
+      </p:sp>
+    </p:spTree>
+    <p:extLst>
+      <p:ext uri="{BB962C8B-B14F-4D97-AF65-F5344CB8AC3E}">
+        <p14:creationId xmlns:p14="http://schemas.microsoft.com/office/powerpoint/2010/main" val="582870067"/>
+      </p:ext>
+    </p:extLst>
+  </p:cSld>
+  <p:clrMapOvr>
+    <a:masterClrMapping/>
+  </p:clrMapOvr>
+  <p:timing>
+    <p:tnLst>
+      <p:par>
+        <p:cTn id="1" dur="indefinite" restart="never" nodeType="tmRoot">
+          <p:childTnLst>
+            <p:seq concurrent="1" nextAc="seek">
+              <p:cTn id="2" dur="indefinite" nodeType="mainSeq">
+                <p:childTnLst>
+                  <p:par>
+                    <p:cTn id="3" fill="hold">
+                      <p:stCondLst>
+                        <p:cond delay="indefinite"/>
+                      </p:stCondLst>
+                      <p:childTnLst>
+                        <p:par>
+                          <p:cTn id="4" fill="hold">
+                            <p:stCondLst>
+                              <p:cond delay="0"/>
+                            </p:stCondLst>
+                            <p:childTnLst>
+                              <p:par>
+                                <p:cTn id="5" presetID="42" presetClass="path" presetSubtype="0" accel="50000" decel="50000" fill="hold" nodeType="clickEffect">
+                                  <p:stCondLst>
+                                    <p:cond delay="0"/>
+                                  </p:stCondLst>
+                                  <p:childTnLst>
+                                    <p:animMotion origin="layout" path="M 0 -1.48148E-6 L -0.22109 -1.48148E-6 " pathEditMode="relative" rAng="0" ptsTypes="AA">
+                                      <p:cBhvr>
+                                        <p:cTn id="6" dur="2000" fill="hold"/>
+                                        <p:tgtEl>
+                                          <p:spTgt spid="51"/>
+                                        </p:tgtEl>
+                                        <p:attrNameLst>
+                                          <p:attrName>ppt_x</p:attrName>
+                                          <p:attrName>ppt_y</p:attrName>
+                                        </p:attrNameLst>
+                                      </p:cBhvr>
+                                      <p:rCtr x="-11055" y="0"/>
+                                    </p:animMotion>
+                                  </p:childTnLst>
+                                </p:cTn>
+                              </p:par>
+                            </p:childTnLst>
+                          </p:cTn>
+                        </p:par>
+                        <p:par>
+                          <p:cTn id="7" fill="hold">
+                            <p:stCondLst>
+                              <p:cond delay="2000"/>
+                            </p:stCondLst>
+                            <p:childTnLst>
+                              <p:par>
+                                <p:cTn id="8" presetID="1" presetClass="entr" presetSubtype="0" fill="hold" grpId="1" nodeType="afterEffect">
+                                  <p:stCondLst>
+                                    <p:cond delay="0"/>
+                                  </p:stCondLst>
+                                  <p:childTnLst>
+                                    <p:set>
+                                      <p:cBhvr>
+                                        <p:cTn id="9" dur="1" fill="hold">
+                                          <p:stCondLst>
+                                            <p:cond delay="0"/>
+                                          </p:stCondLst>
+                                        </p:cTn>
+                                        <p:tgtEl>
+                                          <p:spTgt spid="25"/>
+                                        </p:tgtEl>
+                                        <p:attrNameLst>
+                                          <p:attrName>style.visibility</p:attrName>
+                                        </p:attrNameLst>
+                                      </p:cBhvr>
+                                      <p:to>
+                                        <p:strVal val="visible"/>
+                                      </p:to>
+                                    </p:set>
+                                  </p:childTnLst>
+                                </p:cTn>
+                              </p:par>
+                              <p:par>
+                                <p:cTn id="10" presetID="1" presetClass="entr" presetSubtype="0" fill="hold" grpId="1" nodeType="withEffect">
+                                  <p:stCondLst>
+                                    <p:cond delay="0"/>
+                                  </p:stCondLst>
+                                  <p:childTnLst>
+                                    <p:set>
+                                      <p:cBhvr>
+                                        <p:cTn id="11" dur="1" fill="hold">
+                                          <p:stCondLst>
+                                            <p:cond delay="0"/>
+                                          </p:stCondLst>
+                                        </p:cTn>
+                                        <p:tgtEl>
+                                          <p:spTgt spid="73"/>
+                                        </p:tgtEl>
+                                        <p:attrNameLst>
+                                          <p:attrName>style.visibility</p:attrName>
+                                        </p:attrNameLst>
+                                      </p:cBhvr>
+                                      <p:to>
+                                        <p:strVal val="visible"/>
+                                      </p:to>
+                                    </p:set>
+                                  </p:childTnLst>
+                                </p:cTn>
+                              </p:par>
+                              <p:par>
+                                <p:cTn id="12" presetID="1" presetClass="entr" presetSubtype="0" fill="hold" grpId="1" nodeType="withEffect">
+                                  <p:stCondLst>
+                                    <p:cond delay="0"/>
+                                  </p:stCondLst>
+                                  <p:childTnLst>
+                                    <p:set>
+                                      <p:cBhvr>
+                                        <p:cTn id="13" dur="1" fill="hold">
+                                          <p:stCondLst>
+                                            <p:cond delay="0"/>
+                                          </p:stCondLst>
+                                        </p:cTn>
+                                        <p:tgtEl>
+                                          <p:spTgt spid="80"/>
+                                        </p:tgtEl>
+                                        <p:attrNameLst>
+                                          <p:attrName>style.visibility</p:attrName>
+                                        </p:attrNameLst>
+                                      </p:cBhvr>
+                                      <p:to>
+                                        <p:strVal val="visible"/>
+                                      </p:to>
+                                    </p:set>
+                                  </p:childTnLst>
+                                </p:cTn>
+                              </p:par>
+                              <p:par>
+                                <p:cTn id="14" presetID="1" presetClass="entr" presetSubtype="0" fill="hold" nodeType="withEffect">
+                                  <p:stCondLst>
+                                    <p:cond delay="0"/>
+                                  </p:stCondLst>
+                                  <p:childTnLst>
+                                    <p:set>
+                                      <p:cBhvr>
+                                        <p:cTn id="15" dur="1" fill="hold">
+                                          <p:stCondLst>
+                                            <p:cond delay="0"/>
+                                          </p:stCondLst>
+                                        </p:cTn>
+                                        <p:tgtEl>
+                                          <p:spTgt spid="81"/>
+                                        </p:tgtEl>
+                                        <p:attrNameLst>
+                                          <p:attrName>style.visibility</p:attrName>
+                                        </p:attrNameLst>
+                                      </p:cBhvr>
+                                      <p:to>
+                                        <p:strVal val="visible"/>
+                                      </p:to>
+                                    </p:set>
+                                  </p:childTnLst>
+                                </p:cTn>
+                              </p:par>
+                              <p:par>
+                                <p:cTn id="16" presetID="1" presetClass="entr" presetSubtype="0" fill="hold" grpId="0" nodeType="withEffect">
+                                  <p:stCondLst>
+                                    <p:cond delay="0"/>
+                                  </p:stCondLst>
+                                  <p:childTnLst>
+                                    <p:set>
+                                      <p:cBhvr>
+                                        <p:cTn id="17" dur="1" fill="hold">
+                                          <p:stCondLst>
+                                            <p:cond delay="0"/>
+                                          </p:stCondLst>
+                                        </p:cTn>
+                                        <p:tgtEl>
+                                          <p:spTgt spid="83"/>
+                                        </p:tgtEl>
+                                        <p:attrNameLst>
+                                          <p:attrName>style.visibility</p:attrName>
+                                        </p:attrNameLst>
+                                      </p:cBhvr>
+                                      <p:to>
+                                        <p:strVal val="visible"/>
+                                      </p:to>
+                                    </p:set>
+                                  </p:childTnLst>
+                                </p:cTn>
+                              </p:par>
+                            </p:childTnLst>
+                          </p:cTn>
+                        </p:par>
+                      </p:childTnLst>
+                    </p:cTn>
+                  </p:par>
+                </p:childTnLst>
+              </p:cTn>
+              <p:prevCondLst>
+                <p:cond evt="onPrev" delay="0">
+                  <p:tgtEl>
+                    <p:sldTgt/>
+                  </p:tgtEl>
+                </p:cond>
+              </p:prevCondLst>
+              <p:nextCondLst>
+                <p:cond evt="onNext" delay="0">
+                  <p:tgtEl>
+                    <p:sldTgt/>
+                  </p:tgtEl>
+                </p:cond>
+              </p:nextCondLst>
+            </p:seq>
+          </p:childTnLst>
+        </p:cTn>
+      </p:par>
+    </p:tnLst>
+    <p:bldLst>
+      <p:bldP spid="25" grpId="1" animBg="1"/>
+      <p:bldP spid="73" grpId="1" animBg="1"/>
+      <p:bldP spid="80" grpId="1" animBg="1"/>
+      <p:bldP spid="83" grpId="0" animBg="1"/>
+    </p:bldLst>
+  </p:timing>
+</p:sld>
+</file>
+
+<file path=ppt/slides/slide9.xml><?xml version="1.0" encoding="utf-8"?>
+<p:sld xmlns:a="http://schemas.openxmlformats.org/drawingml/2006/main" xmlns:r="http://schemas.openxmlformats.org/officeDocument/2006/relationships" xmlns:p="http://schemas.openxmlformats.org/presentationml/2006/main">
+  <p:cSld>
+    <p:bg>
+      <p:bgPr>
+        <a:solidFill>
+          <a:schemeClr val="bg1"/>
+        </a:solidFill>
+        <a:effectLst/>
+      </p:bgPr>
+    </p:bg>
+    <p:spTree>
+      <p:nvGrpSpPr>
+        <p:cNvPr id="1" name=""/>
+        <p:cNvGrpSpPr/>
+        <p:nvPr/>
+      </p:nvGrpSpPr>
+      <p:grpSpPr>
+        <a:xfrm>
+          <a:off x="0" y="0"/>
+          <a:ext cx="0" cy="0"/>
+          <a:chOff x="0" y="0"/>
+          <a:chExt cx="0" cy="0"/>
+        </a:xfrm>
+      </p:grpSpPr>
+      <p:sp useBgFill="1">
+        <p:nvSpPr>
+          <p:cNvPr id="18" name="Rectangle 17">
+            <a:extLst>
+              <a:ext uri="{FF2B5EF4-FFF2-40B4-BE49-F238E27FC236}">
+                <a16:creationId xmlns:a16="http://schemas.microsoft.com/office/drawing/2014/main" id="{93F0ADB5-A0B4-4B01-A8C4-FDC34CE22BD4}"/>
+              </a:ext>
+              <a:ext uri="{C183D7F6-B498-43B3-948B-1728B52AA6E4}">
+                <adec:decorative xmlns="" xmlns:adec="http://schemas.microsoft.com/office/drawing/2017/decorative" val="1"/>
+              </a:ext>
+            </a:extLst>
+          </p:cNvPr>
+          <p:cNvSpPr>
+            <a:spLocks noGrp="1" noRot="1" noChangeAspect="1" noMove="1" noResize="1" noEditPoints="1" noAdjustHandles="1" noChangeArrowheads="1" noChangeShapeType="1" noTextEdit="1"/>
+          </p:cNvSpPr>
+          <p:nvPr>
+            <p:extLst>
+              <p:ext uri="{386F3935-93C4-4BCD-93E2-E3B085C9AB24}">
+                <p16:designElem xmlns:p16="http://schemas.microsoft.com/office/powerpoint/2015/main" val="1"/>
+              </p:ext>
+            </p:extLst>
+          </p:nvPr>
+        </p:nvSpPr>
+        <p:spPr>
+          <a:xfrm>
+            <a:off x="0" y="0"/>
+            <a:ext cx="12191999" cy="6858000"/>
+          </a:xfrm>
+          <a:prstGeom prst="rect">
+            <a:avLst/>
+          </a:prstGeom>
+          <a:ln>
+            <a:noFill/>
+          </a:ln>
+        </p:spPr>
+        <p:style>
+          <a:lnRef idx="2">
+            <a:schemeClr val="accent1">
+              <a:shade val="50000"/>
+            </a:schemeClr>
+          </a:lnRef>
+          <a:fillRef idx="1">
+            <a:schemeClr val="accent1"/>
+          </a:fillRef>
+          <a:effectRef idx="0">
+            <a:schemeClr val="accent1"/>
+          </a:effectRef>
+          <a:fontRef idx="minor">
+            <a:schemeClr val="lt1"/>
+          </a:fontRef>
+        </p:style>
+        <p:txBody>
+          <a:bodyPr rtlCol="0" anchor="ctr"/>
+          <a:lstStyle/>
+          <a:p>
+            <a:pPr algn="ctr"/>
+            <a:endParaRPr lang="en-US" dirty="0"/>
+          </a:p>
+        </p:txBody>
+      </p:sp>
+      <p:sp>
+        <p:nvSpPr>
+          <p:cNvPr id="20" name="Rectangle 19">
+            <a:extLst>
+              <a:ext uri="{FF2B5EF4-FFF2-40B4-BE49-F238E27FC236}">
+                <a16:creationId xmlns:a16="http://schemas.microsoft.com/office/drawing/2014/main" id="{AA6D0FDE-0241-4C21-A720-A69475358235}"/>
+              </a:ext>
+              <a:ext uri="{C183D7F6-B498-43B3-948B-1728B52AA6E4}">
+                <adec:decorative xmlns="" xmlns:adec="http://schemas.microsoft.com/office/drawing/2017/decorative" val="1"/>
+              </a:ext>
+            </a:extLst>
+          </p:cNvPr>
+          <p:cNvSpPr>
+            <a:spLocks noGrp="1" noRot="1" noChangeAspect="1" noMove="1" noResize="1" noEditPoints="1" noAdjustHandles="1" noChangeArrowheads="1" noChangeShapeType="1" noTextEdit="1"/>
+          </p:cNvSpPr>
+          <p:nvPr>
+            <p:extLst>
+              <p:ext uri="{386F3935-93C4-4BCD-93E2-E3B085C9AB24}">
+                <p16:designElem xmlns:p16="http://schemas.microsoft.com/office/powerpoint/2015/main" val="1"/>
+              </p:ext>
+            </p:extLst>
+          </p:nvPr>
+        </p:nvSpPr>
+        <p:spPr>
+          <a:xfrm>
+            <a:off x="0" y="0"/>
+            <a:ext cx="4654296" cy="6858000"/>
+          </a:xfrm>
+          <a:prstGeom prst="rect">
+            <a:avLst/>
+          </a:prstGeom>
+          <a:solidFill>
+            <a:schemeClr val="tx1">
+              <a:lumMod val="95000"/>
+              <a:lumOff val="5000"/>
+            </a:schemeClr>
+          </a:solidFill>
+          <a:ln>
+            <a:noFill/>
+          </a:ln>
+        </p:spPr>
+        <p:style>
+          <a:lnRef idx="0">
+            <a:scrgbClr r="0" g="0" b="0"/>
+          </a:lnRef>
+          <a:fillRef idx="0">
+            <a:scrgbClr r="0" g="0" b="0"/>
+          </a:fillRef>
+          <a:effectRef idx="0">
+            <a:scrgbClr r="0" g="0" b="0"/>
+          </a:effectRef>
+          <a:fontRef idx="minor">
+            <a:schemeClr val="lt1"/>
+          </a:fontRef>
+        </p:style>
+        <p:txBody>
+          <a:bodyPr rtlCol="0" anchor="ctr"/>
+          <a:lstStyle/>
+          <a:p>
+            <a:pPr algn="ctr"/>
+            <a:endParaRPr lang="en-US" dirty="0"/>
+          </a:p>
+        </p:txBody>
+      </p:sp>
+      <p:sp>
+        <p:nvSpPr>
+          <p:cNvPr id="21" name="Rectangle 20"/>
+          <p:cNvSpPr/>
+          <p:nvPr/>
+        </p:nvSpPr>
+        <p:spPr>
+          <a:xfrm>
+            <a:off x="0" y="0"/>
+            <a:ext cx="6096000" cy="6858000"/>
+          </a:xfrm>
+          <a:prstGeom prst="rect">
+            <a:avLst/>
+          </a:prstGeom>
+          <a:solidFill>
+            <a:schemeClr val="bg1"/>
+          </a:solidFill>
+          <a:ln>
+            <a:noFill/>
+          </a:ln>
+        </p:spPr>
+        <p:style>
+          <a:lnRef idx="2">
+            <a:schemeClr val="accent1">
+              <a:shade val="50000"/>
+            </a:schemeClr>
+          </a:lnRef>
+          <a:fillRef idx="1">
+            <a:schemeClr val="accent1"/>
+          </a:fillRef>
+          <a:effectRef idx="0">
+            <a:schemeClr val="accent1"/>
+          </a:effectRef>
+          <a:fontRef idx="minor">
+            <a:schemeClr val="lt1"/>
+          </a:fontRef>
+        </p:style>
+        <p:txBody>
+          <a:bodyPr rtlCol="0" anchor="ctr"/>
+          <a:lstStyle/>
+          <a:p>
+            <a:pPr algn="ctr"/>
+            <a:endParaRPr lang="en-IN"/>
+          </a:p>
+        </p:txBody>
+      </p:sp>
+      <p:sp>
+        <p:nvSpPr>
+          <p:cNvPr id="13" name="Rectangle 12"/>
+          <p:cNvSpPr/>
+          <p:nvPr/>
+        </p:nvSpPr>
+        <p:spPr>
+          <a:xfrm>
+            <a:off x="0" y="0"/>
+            <a:ext cx="12193590" cy="1117600"/>
+          </a:xfrm>
+          <a:prstGeom prst="rect">
+            <a:avLst/>
+          </a:prstGeom>
+          <a:solidFill>
+            <a:schemeClr val="tx1"/>
+          </a:solidFill>
+          <a:ln>
+            <a:noFill/>
+          </a:ln>
+        </p:spPr>
+        <p:style>
+          <a:lnRef idx="2">
+            <a:schemeClr val="accent1">
+              <a:shade val="50000"/>
+            </a:schemeClr>
+          </a:lnRef>
+          <a:fillRef idx="1">
+            <a:schemeClr val="accent1"/>
+          </a:fillRef>
+          <a:effectRef idx="0">
+            <a:schemeClr val="accent1"/>
+          </a:effectRef>
+          <a:fontRef idx="minor">
+            <a:schemeClr val="lt1"/>
+          </a:fontRef>
+        </p:style>
+        <p:txBody>
+          <a:bodyPr rtlCol="0" anchor="ctr"/>
+          <a:lstStyle/>
+          <a:p>
+            <a:pPr algn="ctr"/>
+            <a:endParaRPr lang="en-IN" dirty="0"/>
+          </a:p>
+        </p:txBody>
+      </p:sp>
+      <p:sp>
+        <p:nvSpPr>
+          <p:cNvPr id="14" name="Title 1">
+            <a:extLst>
+              <a:ext uri="{FF2B5EF4-FFF2-40B4-BE49-F238E27FC236}">
+                <a16:creationId xmlns:a16="http://schemas.microsoft.com/office/drawing/2014/main" id="{050E78D6-F072-48E7-8270-20EFBDD26F36}"/>
+              </a:ext>
+            </a:extLst>
+          </p:cNvPr>
+          <p:cNvSpPr txBox="1">
+            <a:spLocks/>
+          </p:cNvSpPr>
+          <p:nvPr/>
+        </p:nvSpPr>
+        <p:spPr bwMode="black">
+          <a:xfrm>
+            <a:off x="2362200" y="0"/>
+            <a:ext cx="7467600" cy="1117600"/>
+          </a:xfrm>
+          <a:prstGeom prst="rect">
+            <a:avLst/>
+          </a:prstGeom>
+          <a:noFill/>
+          <a:ln w="31750" cap="sq">
+            <a:noFill/>
+            <a:miter lim="800000"/>
+          </a:ln>
+          <a:effectLst/>
+        </p:spPr>
+        <p:txBody>
+          <a:bodyPr vert="horz" lIns="182880" tIns="182880" rIns="182880" bIns="182880" rtlCol="0" anchor="ctr">
+            <a:normAutofit/>
+          </a:bodyPr>
+          <a:lstStyle>
+            <a:lvl1pPr algn="ctr" defTabSz="914400" rtl="0" eaLnBrk="1" latinLnBrk="0" hangingPunct="1">
+              <a:lnSpc>
+                <a:spcPct val="90000"/>
+              </a:lnSpc>
+              <a:spcBef>
+                <a:spcPct val="0"/>
+              </a:spcBef>
+              <a:buNone/>
+              <a:defRPr sz="2800" kern="1200" cap="all" spc="200" baseline="0">
+                <a:solidFill>
+                  <a:srgbClr val="262626"/>
+                </a:solidFill>
+                <a:latin typeface="+mj-lt"/>
+                <a:ea typeface="+mj-ea"/>
+                <a:cs typeface="+mj-cs"/>
+              </a:defRPr>
+            </a:lvl1pPr>
+          </a:lstStyle>
+          <a:p>
+            <a:r>
+              <a:rPr lang="en-US" sz="3200" b="1" cap="none" dirty="0" smtClean="0">
+                <a:solidFill>
+                  <a:schemeClr val="bg1"/>
+                </a:solidFill>
+                <a:latin typeface="Arial" panose="020B0604020202020204" pitchFamily="34" charset="0"/>
+                <a:cs typeface="Arial" panose="020B0604020202020204" pitchFamily="34" charset="0"/>
+              </a:rPr>
+              <a:t>Back-Propagation</a:t>
+            </a:r>
+            <a:endParaRPr lang="en-US" sz="2400" b="1" cap="none" dirty="0">
+              <a:solidFill>
+                <a:schemeClr val="bg1"/>
+              </a:solidFill>
+              <a:latin typeface="Arial" panose="020B0604020202020204" pitchFamily="34" charset="0"/>
+              <a:cs typeface="Arial" panose="020B0604020202020204" pitchFamily="34" charset="0"/>
+            </a:endParaRPr>
+          </a:p>
+        </p:txBody>
+      </p:sp>
+    </p:spTree>
+    <p:extLst>
+      <p:ext uri="{BB962C8B-B14F-4D97-AF65-F5344CB8AC3E}">
+        <p14:creationId xmlns:p14="http://schemas.microsoft.com/office/powerpoint/2010/main" val="711848044"/>
       </p:ext>
     </p:extLst>
   </p:cSld>
@@ -7224,12 +12397,12 @@
 </file>
 
 <file path=customXml/item1.xml><?xml version="1.0" encoding="utf-8"?>
-<?mso-contentType ?>
-<FormTemplates xmlns="http://schemas.microsoft.com/sharepoint/v3/contenttype/forms">
-  <Display>DocumentLibraryForm</Display>
-  <Edit>DocumentLibraryForm</Edit>
-  <New>DocumentLibraryForm</New>
-</FormTemplates>
+<p:properties xmlns:p="http://schemas.microsoft.com/office/2006/metadata/properties" xmlns:xsi="http://www.w3.org/2001/XMLSchema-instance" xmlns:pc="http://schemas.microsoft.com/office/infopath/2007/PartnerControls">
+  <documentManagement>
+    <MediaServiceKeyPoints xmlns="71af3243-3dd4-4a8d-8c0d-dd76da1f02a5" xsi:nil="true"/>
+    <Status xmlns="71af3243-3dd4-4a8d-8c0d-dd76da1f02a5">Not started</Status>
+  </documentManagement>
+</p:properties>
 </file>
 
 <file path=customXml/item2.xml><?xml version="1.0" encoding="utf-8"?>
@@ -7454,18 +12627,27 @@
 </file>
 
 <file path=customXml/item3.xml><?xml version="1.0" encoding="utf-8"?>
-<p:properties xmlns:p="http://schemas.microsoft.com/office/2006/metadata/properties" xmlns:xsi="http://www.w3.org/2001/XMLSchema-instance" xmlns:pc="http://schemas.microsoft.com/office/infopath/2007/PartnerControls">
-  <documentManagement>
-    <MediaServiceKeyPoints xmlns="71af3243-3dd4-4a8d-8c0d-dd76da1f02a5" xsi:nil="true"/>
-    <Status xmlns="71af3243-3dd4-4a8d-8c0d-dd76da1f02a5">Not started</Status>
-  </documentManagement>
-</p:properties>
+<?mso-contentType ?>
+<FormTemplates xmlns="http://schemas.microsoft.com/sharepoint/v3/contenttype/forms">
+  <Display>DocumentLibraryForm</Display>
+  <Edit>DocumentLibraryForm</Edit>
+  <New>DocumentLibraryForm</New>
+</FormTemplates>
 </file>
 
 <file path=customXml/itemProps1.xml><?xml version="1.0" encoding="utf-8"?>
-<ds:datastoreItem xmlns:ds="http://schemas.openxmlformats.org/officeDocument/2006/customXml" ds:itemID="{E7235C91-959C-45D9-B60A-005B894ACEE3}">
+<ds:datastoreItem xmlns:ds="http://schemas.openxmlformats.org/officeDocument/2006/customXml" ds:itemID="{69E38AEF-4E2D-4D00-9707-4356DDB77317}">
   <ds:schemaRefs>
-    <ds:schemaRef ds:uri="http://schemas.microsoft.com/sharepoint/v3/contenttype/forms"/>
+    <ds:schemaRef ds:uri="http://schemas.microsoft.com/office/2006/documentManagement/types"/>
+    <ds:schemaRef ds:uri="http://schemas.microsoft.com/office/2006/metadata/properties"/>
+    <ds:schemaRef ds:uri="http://www.w3.org/XML/1998/namespace"/>
+    <ds:schemaRef ds:uri="http://schemas.openxmlformats.org/package/2006/metadata/core-properties"/>
+    <ds:schemaRef ds:uri="http://purl.org/dc/dcmitype/"/>
+    <ds:schemaRef ds:uri="16c05727-aa75-4e4a-9b5f-8a80a1165891"/>
+    <ds:schemaRef ds:uri="http://schemas.microsoft.com/office/infopath/2007/PartnerControls"/>
+    <ds:schemaRef ds:uri="http://purl.org/dc/elements/1.1/"/>
+    <ds:schemaRef ds:uri="71af3243-3dd4-4a8d-8c0d-dd76da1f02a5"/>
+    <ds:schemaRef ds:uri="http://purl.org/dc/terms/"/>
   </ds:schemaRefs>
 </ds:datastoreItem>
 </file>
@@ -7490,11 +12672,9 @@
 </file>
 
 <file path=customXml/itemProps3.xml><?xml version="1.0" encoding="utf-8"?>
-<ds:datastoreItem xmlns:ds="http://schemas.openxmlformats.org/officeDocument/2006/customXml" ds:itemID="{69E38AEF-4E2D-4D00-9707-4356DDB77317}">
+<ds:datastoreItem xmlns:ds="http://schemas.openxmlformats.org/officeDocument/2006/customXml" ds:itemID="{E7235C91-959C-45D9-B60A-005B894ACEE3}">
   <ds:schemaRefs>
-    <ds:schemaRef ds:uri="http://schemas.microsoft.com/office/2006/metadata/properties"/>
-    <ds:schemaRef ds:uri="http://schemas.microsoft.com/office/infopath/2007/PartnerControls"/>
-    <ds:schemaRef ds:uri="71af3243-3dd4-4a8d-8c0d-dd76da1f02a5"/>
+    <ds:schemaRef ds:uri="http://schemas.microsoft.com/sharepoint/v3/contenttype/forms"/>
   </ds:schemaRefs>
 </ds:datastoreItem>
 </file>